--- a/Proposta de Projeto Visualização 2018.pptx
+++ b/Proposta de Projeto Visualização 2018.pptx
@@ -1,41 +1,39 @@
 
 <file path=ppt/presentation.xml><?xml version="1.0" encoding="utf-8"?>
-<p:presentation xmlns:a="http://schemas.openxmlformats.org/drawingml/2006/main" xmlns:r="http://schemas.openxmlformats.org/officeDocument/2006/relationships" xmlns:mc="http://schemas.openxmlformats.org/markup-compatibility/2006" xmlns:mv="urn:schemas-microsoft-com:mac:vml" xmlns:p="http://schemas.openxmlformats.org/presentationml/2006/main" xmlns:c="http://schemas.openxmlformats.org/drawingml/2006/chart" xmlns:dgm="http://schemas.openxmlformats.org/drawingml/2006/diagram" xmlns:o="urn:schemas-microsoft-com:office:office" xmlns:v="urn:schemas-microsoft-com:vml" xmlns:pvml="urn:schemas-microsoft-com:office:powerpoint" xmlns:com="http://schemas.openxmlformats.org/drawingml/2006/compatibility" xmlns:p14="http://schemas.microsoft.com/office/powerpoint/2010/main" xmlns:p15="http://schemas.microsoft.com/office/powerpoint/2012/main" autoCompressPictures="0" embedTrueTypeFonts="1" strictFirstAndLastChars="0" saveSubsetFonts="1">
+<p:presentation xmlns:a="http://schemas.openxmlformats.org/drawingml/2006/main" xmlns:r="http://schemas.openxmlformats.org/officeDocument/2006/relationships" xmlns:p="http://schemas.openxmlformats.org/presentationml/2006/main" strictFirstAndLastChars="0" embedTrueTypeFonts="1" saveSubsetFonts="1" autoCompressPictures="0">
   <p:sldMasterIdLst>
-    <p:sldMasterId id="2147483659" r:id="rId4"/>
+    <p:sldMasterId id="2147483659" r:id="rId1"/>
   </p:sldMasterIdLst>
   <p:notesMasterIdLst>
-    <p:notesMasterId r:id="rId5"/>
+    <p:notesMasterId r:id="rId7"/>
   </p:notesMasterIdLst>
   <p:sldIdLst>
-    <p:sldId id="256" r:id="rId6"/>
-    <p:sldId id="257" r:id="rId7"/>
-    <p:sldId id="258" r:id="rId8"/>
-    <p:sldId id="259" r:id="rId9"/>
-    <p:sldId id="260" r:id="rId10"/>
-    <p:sldId id="261" r:id="rId11"/>
-    <p:sldId id="262" r:id="rId12"/>
+    <p:sldId id="256" r:id="rId2"/>
+    <p:sldId id="257" r:id="rId3"/>
+    <p:sldId id="258" r:id="rId4"/>
+    <p:sldId id="259" r:id="rId5"/>
+    <p:sldId id="260" r:id="rId6"/>
   </p:sldIdLst>
-  <p:sldSz cy="5143500" cx="9144000"/>
+  <p:sldSz cx="9144000" cy="5143500" type="screen16x9"/>
   <p:notesSz cx="6858000" cy="9144000"/>
   <p:embeddedFontLst>
     <p:embeddedFont>
-      <p:font typeface="Economica"/>
-      <p:regular r:id="rId13"/>
-      <p:bold r:id="rId14"/>
-      <p:italic r:id="rId15"/>
-      <p:boldItalic r:id="rId16"/>
+      <p:font typeface="Open Sans" panose="020B0604020202020204" charset="0"/>
+      <p:regular r:id="rId8"/>
+      <p:bold r:id="rId9"/>
+      <p:italic r:id="rId10"/>
+      <p:boldItalic r:id="rId11"/>
     </p:embeddedFont>
     <p:embeddedFont>
-      <p:font typeface="Open Sans"/>
-      <p:regular r:id="rId17"/>
-      <p:bold r:id="rId18"/>
-      <p:italic r:id="rId19"/>
-      <p:boldItalic r:id="rId20"/>
+      <p:font typeface="Economica" panose="020B0604020202020204" charset="0"/>
+      <p:regular r:id="rId12"/>
+      <p:bold r:id="rId13"/>
+      <p:italic r:id="rId14"/>
+      <p:boldItalic r:id="rId15"/>
     </p:embeddedFont>
   </p:embeddedFontLst>
   <p:defaultTextStyle>
-    <a:defPPr lvl="0" marR="0" rtl="0" algn="l">
+    <a:defPPr marR="0" lvl="0" algn="l" rtl="0">
       <a:lnSpc>
         <a:spcPct val="100000"/>
       </a:lnSpc>
@@ -46,7 +44,7 @@
         <a:spcPts val="0"/>
       </a:spcAft>
     </a:defPPr>
-    <a:lvl1pPr lvl="0" marR="0" rtl="0" algn="l">
+    <a:lvl1pPr marR="0" lvl="0" algn="l" rtl="0">
       <a:lnSpc>
         <a:spcPct val="100000"/>
       </a:lnSpc>
@@ -60,7 +58,7 @@
         <a:srgbClr val="000000"/>
       </a:buClr>
       <a:buFont typeface="Arial"/>
-      <a:defRPr b="0" i="0" sz="1400" u="none" cap="none" strike="noStrike">
+      <a:defRPr sz="1400" b="0" i="0" u="none" strike="noStrike" cap="none">
         <a:solidFill>
           <a:srgbClr val="000000"/>
         </a:solidFill>
@@ -70,7 +68,7 @@
         <a:sym typeface="Arial"/>
       </a:defRPr>
     </a:lvl1pPr>
-    <a:lvl2pPr lvl="1" marR="0" rtl="0" algn="l">
+    <a:lvl2pPr marR="0" lvl="1" algn="l" rtl="0">
       <a:lnSpc>
         <a:spcPct val="100000"/>
       </a:lnSpc>
@@ -84,7 +82,7 @@
         <a:srgbClr val="000000"/>
       </a:buClr>
       <a:buFont typeface="Arial"/>
-      <a:defRPr b="0" i="0" sz="1400" u="none" cap="none" strike="noStrike">
+      <a:defRPr sz="1400" b="0" i="0" u="none" strike="noStrike" cap="none">
         <a:solidFill>
           <a:srgbClr val="000000"/>
         </a:solidFill>
@@ -94,7 +92,7 @@
         <a:sym typeface="Arial"/>
       </a:defRPr>
     </a:lvl2pPr>
-    <a:lvl3pPr lvl="2" marR="0" rtl="0" algn="l">
+    <a:lvl3pPr marR="0" lvl="2" algn="l" rtl="0">
       <a:lnSpc>
         <a:spcPct val="100000"/>
       </a:lnSpc>
@@ -108,7 +106,7 @@
         <a:srgbClr val="000000"/>
       </a:buClr>
       <a:buFont typeface="Arial"/>
-      <a:defRPr b="0" i="0" sz="1400" u="none" cap="none" strike="noStrike">
+      <a:defRPr sz="1400" b="0" i="0" u="none" strike="noStrike" cap="none">
         <a:solidFill>
           <a:srgbClr val="000000"/>
         </a:solidFill>
@@ -118,7 +116,7 @@
         <a:sym typeface="Arial"/>
       </a:defRPr>
     </a:lvl3pPr>
-    <a:lvl4pPr lvl="3" marR="0" rtl="0" algn="l">
+    <a:lvl4pPr marR="0" lvl="3" algn="l" rtl="0">
       <a:lnSpc>
         <a:spcPct val="100000"/>
       </a:lnSpc>
@@ -132,7 +130,7 @@
         <a:srgbClr val="000000"/>
       </a:buClr>
       <a:buFont typeface="Arial"/>
-      <a:defRPr b="0" i="0" sz="1400" u="none" cap="none" strike="noStrike">
+      <a:defRPr sz="1400" b="0" i="0" u="none" strike="noStrike" cap="none">
         <a:solidFill>
           <a:srgbClr val="000000"/>
         </a:solidFill>
@@ -142,7 +140,7 @@
         <a:sym typeface="Arial"/>
       </a:defRPr>
     </a:lvl4pPr>
-    <a:lvl5pPr lvl="4" marR="0" rtl="0" algn="l">
+    <a:lvl5pPr marR="0" lvl="4" algn="l" rtl="0">
       <a:lnSpc>
         <a:spcPct val="100000"/>
       </a:lnSpc>
@@ -156,7 +154,7 @@
         <a:srgbClr val="000000"/>
       </a:buClr>
       <a:buFont typeface="Arial"/>
-      <a:defRPr b="0" i="0" sz="1400" u="none" cap="none" strike="noStrike">
+      <a:defRPr sz="1400" b="0" i="0" u="none" strike="noStrike" cap="none">
         <a:solidFill>
           <a:srgbClr val="000000"/>
         </a:solidFill>
@@ -166,7 +164,7 @@
         <a:sym typeface="Arial"/>
       </a:defRPr>
     </a:lvl5pPr>
-    <a:lvl6pPr lvl="5" marR="0" rtl="0" algn="l">
+    <a:lvl6pPr marR="0" lvl="5" algn="l" rtl="0">
       <a:lnSpc>
         <a:spcPct val="100000"/>
       </a:lnSpc>
@@ -180,7 +178,7 @@
         <a:srgbClr val="000000"/>
       </a:buClr>
       <a:buFont typeface="Arial"/>
-      <a:defRPr b="0" i="0" sz="1400" u="none" cap="none" strike="noStrike">
+      <a:defRPr sz="1400" b="0" i="0" u="none" strike="noStrike" cap="none">
         <a:solidFill>
           <a:srgbClr val="000000"/>
         </a:solidFill>
@@ -190,7 +188,7 @@
         <a:sym typeface="Arial"/>
       </a:defRPr>
     </a:lvl6pPr>
-    <a:lvl7pPr lvl="6" marR="0" rtl="0" algn="l">
+    <a:lvl7pPr marR="0" lvl="6" algn="l" rtl="0">
       <a:lnSpc>
         <a:spcPct val="100000"/>
       </a:lnSpc>
@@ -204,7 +202,7 @@
         <a:srgbClr val="000000"/>
       </a:buClr>
       <a:buFont typeface="Arial"/>
-      <a:defRPr b="0" i="0" sz="1400" u="none" cap="none" strike="noStrike">
+      <a:defRPr sz="1400" b="0" i="0" u="none" strike="noStrike" cap="none">
         <a:solidFill>
           <a:srgbClr val="000000"/>
         </a:solidFill>
@@ -214,7 +212,7 @@
         <a:sym typeface="Arial"/>
       </a:defRPr>
     </a:lvl7pPr>
-    <a:lvl8pPr lvl="7" marR="0" rtl="0" algn="l">
+    <a:lvl8pPr marR="0" lvl="7" algn="l" rtl="0">
       <a:lnSpc>
         <a:spcPct val="100000"/>
       </a:lnSpc>
@@ -228,7 +226,7 @@
         <a:srgbClr val="000000"/>
       </a:buClr>
       <a:buFont typeface="Arial"/>
-      <a:defRPr b="0" i="0" sz="1400" u="none" cap="none" strike="noStrike">
+      <a:defRPr sz="1400" b="0" i="0" u="none" strike="noStrike" cap="none">
         <a:solidFill>
           <a:srgbClr val="000000"/>
         </a:solidFill>
@@ -238,7 +236,7 @@
         <a:sym typeface="Arial"/>
       </a:defRPr>
     </a:lvl8pPr>
-    <a:lvl9pPr lvl="8" marR="0" rtl="0" algn="l">
+    <a:lvl9pPr marR="0" lvl="8" algn="l" rtl="0">
       <a:lnSpc>
         <a:spcPct val="100000"/>
       </a:lnSpc>
@@ -252,7 +250,7 @@
         <a:srgbClr val="000000"/>
       </a:buClr>
       <a:buFont typeface="Arial"/>
-      <a:defRPr b="0" i="0" sz="1400" u="none" cap="none" strike="noStrike">
+      <a:defRPr sz="1400" b="0" i="0" u="none" strike="noStrike" cap="none">
         <a:solidFill>
           <a:srgbClr val="000000"/>
         </a:solidFill>
@@ -265,7 +263,7 @@
   </p:defaultTextStyle>
   <p:extLst>
     <p:ext uri="{EFAFB233-063F-42B5-8137-9DF3F51BA10A}">
-      <p15:sldGuideLst>
+      <p15:sldGuideLst xmlns:p15="http://schemas.microsoft.com/office/powerpoint/2012/main">
         <p15:guide id="1" orient="horz" pos="1620">
           <p15:clr>
             <a:srgbClr val="A4A3A4"/>
@@ -283,11 +281,16 @@
 </file>
 
 <file path=ppt/notesMasters/notesMaster1.xml><?xml version="1.0" encoding="utf-8"?>
-<p:notesMaster xmlns:a="http://schemas.openxmlformats.org/drawingml/2006/main" xmlns:r="http://schemas.openxmlformats.org/officeDocument/2006/relationships" xmlns:mc="http://schemas.openxmlformats.org/markup-compatibility/2006" xmlns:mv="urn:schemas-microsoft-com:mac:vml" xmlns:p="http://schemas.openxmlformats.org/presentationml/2006/main" xmlns:c="http://schemas.openxmlformats.org/drawingml/2006/chart" xmlns:dgm="http://schemas.openxmlformats.org/drawingml/2006/diagram" xmlns:o="urn:schemas-microsoft-com:office:office" xmlns:v="urn:schemas-microsoft-com:vml" xmlns:pvml="urn:schemas-microsoft-com:office:powerpoint" xmlns:com="http://schemas.openxmlformats.org/drawingml/2006/compatibility" xmlns:p14="http://schemas.microsoft.com/office/powerpoint/2010/main" xmlns:p15="http://schemas.microsoft.com/office/powerpoint/2012/main">
+<p:notesMaster xmlns:a="http://schemas.openxmlformats.org/drawingml/2006/main" xmlns:r="http://schemas.openxmlformats.org/officeDocument/2006/relationships" xmlns:p="http://schemas.openxmlformats.org/presentationml/2006/main">
   <p:cSld>
+    <p:bg>
+      <p:bgRef idx="1001">
+        <a:schemeClr val="bg1"/>
+      </p:bgRef>
+    </p:bg>
     <p:spTree>
       <p:nvGrpSpPr>
-        <p:cNvPr id="2" name="Shape 2"/>
+        <p:cNvPr id="1" name="Shape 2"/>
         <p:cNvGrpSpPr/>
         <p:nvPr/>
       </p:nvGrpSpPr>
@@ -302,9 +305,11 @@
       <p:sp>
         <p:nvSpPr>
           <p:cNvPr id="3" name="Shape 3"/>
-          <p:cNvSpPr/>
+          <p:cNvSpPr>
+            <a:spLocks noGrp="1" noRot="1" noChangeAspect="1"/>
+          </p:cNvSpPr>
           <p:nvPr>
-            <p:ph idx="2" type="sldImg"/>
+            <p:ph type="sldImg" idx="2"/>
           </p:nvPr>
         </p:nvSpPr>
         <p:spPr>
@@ -313,8 +318,13 @@
             <a:ext cx="6096075" cy="3429000"/>
           </a:xfrm>
           <a:custGeom>
+            <a:avLst/>
+            <a:gdLst/>
+            <a:ahLst/>
+            <a:cxnLst/>
+            <a:rect l="0" t="0" r="0" b="0"/>
             <a:pathLst>
-              <a:path extrusionOk="0" h="120000" w="120000">
+              <a:path w="120000" h="120000" extrusionOk="0">
                 <a:moveTo>
                   <a:pt x="0" y="0"/>
                 </a:moveTo>
@@ -332,23 +342,25 @@
             </a:pathLst>
           </a:custGeom>
           <a:noFill/>
-          <a:ln cap="flat" cmpd="sng" w="9525">
+          <a:ln w="9525" cap="flat" cmpd="sng">
             <a:solidFill>
               <a:srgbClr val="000000"/>
             </a:solidFill>
             <a:prstDash val="solid"/>
             <a:round/>
-            <a:headEnd len="sm" w="sm" type="none"/>
-            <a:tailEnd len="sm" w="sm" type="none"/>
+            <a:headEnd type="none" w="sm" len="sm"/>
+            <a:tailEnd type="none" w="sm" len="sm"/>
           </a:ln>
         </p:spPr>
       </p:sp>
       <p:sp>
         <p:nvSpPr>
           <p:cNvPr id="4" name="Shape 4"/>
-          <p:cNvSpPr txBox="1"/>
+          <p:cNvSpPr txBox="1">
+            <a:spLocks noGrp="1"/>
+          </p:cNvSpPr>
           <p:nvPr>
-            <p:ph idx="1" type="body"/>
+            <p:ph type="body" idx="1"/>
           </p:nvPr>
         </p:nvSpPr>
         <p:spPr>
@@ -365,9 +377,9 @@
           </a:ln>
         </p:spPr>
         <p:txBody>
-          <a:bodyPr anchorCtr="0" anchor="t" bIns="91425" lIns="91425" spcFirstLastPara="1" rIns="91425" wrap="square" tIns="91425"/>
+          <a:bodyPr spcFirstLastPara="1" wrap="square" lIns="91425" tIns="91425" rIns="91425" bIns="91425" anchor="t" anchorCtr="0"/>
           <a:lstStyle>
-            <a:lvl1pPr indent="-298450" lvl="0" marL="457200">
+            <a:lvl1pPr marL="457200" lvl="0" indent="-298450">
               <a:spcBef>
                 <a:spcPts val="0"/>
               </a:spcBef>
@@ -378,7 +390,7 @@
               <a:buChar char="●"/>
               <a:defRPr sz="1100"/>
             </a:lvl1pPr>
-            <a:lvl2pPr indent="-298450" lvl="1" marL="914400">
+            <a:lvl2pPr marL="914400" lvl="1" indent="-298450">
               <a:spcBef>
                 <a:spcPts val="0"/>
               </a:spcBef>
@@ -389,7 +401,7 @@
               <a:buChar char="○"/>
               <a:defRPr sz="1100"/>
             </a:lvl2pPr>
-            <a:lvl3pPr indent="-298450" lvl="2" marL="1371600">
+            <a:lvl3pPr marL="1371600" lvl="2" indent="-298450">
               <a:spcBef>
                 <a:spcPts val="0"/>
               </a:spcBef>
@@ -400,7 +412,7 @@
               <a:buChar char="■"/>
               <a:defRPr sz="1100"/>
             </a:lvl3pPr>
-            <a:lvl4pPr indent="-298450" lvl="3" marL="1828800">
+            <a:lvl4pPr marL="1828800" lvl="3" indent="-298450">
               <a:spcBef>
                 <a:spcPts val="0"/>
               </a:spcBef>
@@ -411,7 +423,7 @@
               <a:buChar char="●"/>
               <a:defRPr sz="1100"/>
             </a:lvl4pPr>
-            <a:lvl5pPr indent="-298450" lvl="4" marL="2286000">
+            <a:lvl5pPr marL="2286000" lvl="4" indent="-298450">
               <a:spcBef>
                 <a:spcPts val="0"/>
               </a:spcBef>
@@ -422,7 +434,7 @@
               <a:buChar char="○"/>
               <a:defRPr sz="1100"/>
             </a:lvl5pPr>
-            <a:lvl6pPr indent="-298450" lvl="5" marL="2743200">
+            <a:lvl6pPr marL="2743200" lvl="5" indent="-298450">
               <a:spcBef>
                 <a:spcPts val="0"/>
               </a:spcBef>
@@ -433,7 +445,7 @@
               <a:buChar char="■"/>
               <a:defRPr sz="1100"/>
             </a:lvl6pPr>
-            <a:lvl7pPr indent="-298450" lvl="6" marL="3200400">
+            <a:lvl7pPr marL="3200400" lvl="6" indent="-298450">
               <a:spcBef>
                 <a:spcPts val="0"/>
               </a:spcBef>
@@ -444,7 +456,7 @@
               <a:buChar char="●"/>
               <a:defRPr sz="1100"/>
             </a:lvl7pPr>
-            <a:lvl8pPr indent="-298450" lvl="7" marL="3657600">
+            <a:lvl8pPr marL="3657600" lvl="7" indent="-298450">
               <a:spcBef>
                 <a:spcPts val="0"/>
               </a:spcBef>
@@ -455,7 +467,7 @@
               <a:buChar char="○"/>
               <a:defRPr sz="1100"/>
             </a:lvl8pPr>
-            <a:lvl9pPr indent="-298450" lvl="8" marL="4114800">
+            <a:lvl9pPr marL="4114800" lvl="8" indent="-298450">
               <a:spcBef>
                 <a:spcPts val="0"/>
               </a:spcBef>
@@ -467,14 +479,21 @@
               <a:defRPr sz="1100"/>
             </a:lvl9pPr>
           </a:lstStyle>
-          <a:p/>
+          <a:p>
+            <a:endParaRPr/>
+          </a:p>
         </p:txBody>
       </p:sp>
     </p:spTree>
+    <p:extLst>
+      <p:ext uri="{BB962C8B-B14F-4D97-AF65-F5344CB8AC3E}">
+        <p14:creationId xmlns:p14="http://schemas.microsoft.com/office/powerpoint/2010/main" val="3039304630"/>
+      </p:ext>
+    </p:extLst>
   </p:cSld>
-  <p:clrMap accent1="accent1" accent2="accent2" accent3="accent3" accent4="accent4" accent5="accent5" accent6="accent6" bg1="lt1" bg2="dk2" tx1="dk1" tx2="lt2" folHlink="folHlink" hlink="hlink"/>
+  <p:clrMap bg1="lt1" tx1="dk1" bg2="dk2" tx2="lt2" accent1="accent1" accent2="accent2" accent3="accent3" accent4="accent4" accent5="accent5" accent6="accent6" hlink="hlink" folHlink="folHlink"/>
   <p:notesStyle>
-    <a:defPPr lvl="0" marR="0" rtl="0" algn="l">
+    <a:defPPr marR="0" lvl="0" algn="l" rtl="0">
       <a:lnSpc>
         <a:spcPct val="100000"/>
       </a:lnSpc>
@@ -485,7 +504,7 @@
         <a:spcPts val="0"/>
       </a:spcAft>
     </a:defPPr>
-    <a:lvl1pPr lvl="0" marR="0" rtl="0" algn="l">
+    <a:lvl1pPr marR="0" lvl="0" algn="l" rtl="0">
       <a:lnSpc>
         <a:spcPct val="100000"/>
       </a:lnSpc>
@@ -499,7 +518,7 @@
         <a:srgbClr val="000000"/>
       </a:buClr>
       <a:buFont typeface="Arial"/>
-      <a:defRPr b="0" i="0" sz="1400" u="none" cap="none" strike="noStrike">
+      <a:defRPr sz="1400" b="0" i="0" u="none" strike="noStrike" cap="none">
         <a:solidFill>
           <a:srgbClr val="000000"/>
         </a:solidFill>
@@ -509,7 +528,7 @@
         <a:sym typeface="Arial"/>
       </a:defRPr>
     </a:lvl1pPr>
-    <a:lvl2pPr lvl="1" marR="0" rtl="0" algn="l">
+    <a:lvl2pPr marR="0" lvl="1" algn="l" rtl="0">
       <a:lnSpc>
         <a:spcPct val="100000"/>
       </a:lnSpc>
@@ -523,7 +542,7 @@
         <a:srgbClr val="000000"/>
       </a:buClr>
       <a:buFont typeface="Arial"/>
-      <a:defRPr b="0" i="0" sz="1400" u="none" cap="none" strike="noStrike">
+      <a:defRPr sz="1400" b="0" i="0" u="none" strike="noStrike" cap="none">
         <a:solidFill>
           <a:srgbClr val="000000"/>
         </a:solidFill>
@@ -533,7 +552,7 @@
         <a:sym typeface="Arial"/>
       </a:defRPr>
     </a:lvl2pPr>
-    <a:lvl3pPr lvl="2" marR="0" rtl="0" algn="l">
+    <a:lvl3pPr marR="0" lvl="2" algn="l" rtl="0">
       <a:lnSpc>
         <a:spcPct val="100000"/>
       </a:lnSpc>
@@ -547,7 +566,7 @@
         <a:srgbClr val="000000"/>
       </a:buClr>
       <a:buFont typeface="Arial"/>
-      <a:defRPr b="0" i="0" sz="1400" u="none" cap="none" strike="noStrike">
+      <a:defRPr sz="1400" b="0" i="0" u="none" strike="noStrike" cap="none">
         <a:solidFill>
           <a:srgbClr val="000000"/>
         </a:solidFill>
@@ -557,7 +576,7 @@
         <a:sym typeface="Arial"/>
       </a:defRPr>
     </a:lvl3pPr>
-    <a:lvl4pPr lvl="3" marR="0" rtl="0" algn="l">
+    <a:lvl4pPr marR="0" lvl="3" algn="l" rtl="0">
       <a:lnSpc>
         <a:spcPct val="100000"/>
       </a:lnSpc>
@@ -571,7 +590,7 @@
         <a:srgbClr val="000000"/>
       </a:buClr>
       <a:buFont typeface="Arial"/>
-      <a:defRPr b="0" i="0" sz="1400" u="none" cap="none" strike="noStrike">
+      <a:defRPr sz="1400" b="0" i="0" u="none" strike="noStrike" cap="none">
         <a:solidFill>
           <a:srgbClr val="000000"/>
         </a:solidFill>
@@ -581,7 +600,7 @@
         <a:sym typeface="Arial"/>
       </a:defRPr>
     </a:lvl4pPr>
-    <a:lvl5pPr lvl="4" marR="0" rtl="0" algn="l">
+    <a:lvl5pPr marR="0" lvl="4" algn="l" rtl="0">
       <a:lnSpc>
         <a:spcPct val="100000"/>
       </a:lnSpc>
@@ -595,7 +614,7 @@
         <a:srgbClr val="000000"/>
       </a:buClr>
       <a:buFont typeface="Arial"/>
-      <a:defRPr b="0" i="0" sz="1400" u="none" cap="none" strike="noStrike">
+      <a:defRPr sz="1400" b="0" i="0" u="none" strike="noStrike" cap="none">
         <a:solidFill>
           <a:srgbClr val="000000"/>
         </a:solidFill>
@@ -605,7 +624,7 @@
         <a:sym typeface="Arial"/>
       </a:defRPr>
     </a:lvl5pPr>
-    <a:lvl6pPr lvl="5" marR="0" rtl="0" algn="l">
+    <a:lvl6pPr marR="0" lvl="5" algn="l" rtl="0">
       <a:lnSpc>
         <a:spcPct val="100000"/>
       </a:lnSpc>
@@ -619,7 +638,7 @@
         <a:srgbClr val="000000"/>
       </a:buClr>
       <a:buFont typeface="Arial"/>
-      <a:defRPr b="0" i="0" sz="1400" u="none" cap="none" strike="noStrike">
+      <a:defRPr sz="1400" b="0" i="0" u="none" strike="noStrike" cap="none">
         <a:solidFill>
           <a:srgbClr val="000000"/>
         </a:solidFill>
@@ -629,7 +648,7 @@
         <a:sym typeface="Arial"/>
       </a:defRPr>
     </a:lvl6pPr>
-    <a:lvl7pPr lvl="6" marR="0" rtl="0" algn="l">
+    <a:lvl7pPr marR="0" lvl="6" algn="l" rtl="0">
       <a:lnSpc>
         <a:spcPct val="100000"/>
       </a:lnSpc>
@@ -643,7 +662,7 @@
         <a:srgbClr val="000000"/>
       </a:buClr>
       <a:buFont typeface="Arial"/>
-      <a:defRPr b="0" i="0" sz="1400" u="none" cap="none" strike="noStrike">
+      <a:defRPr sz="1400" b="0" i="0" u="none" strike="noStrike" cap="none">
         <a:solidFill>
           <a:srgbClr val="000000"/>
         </a:solidFill>
@@ -653,7 +672,7 @@
         <a:sym typeface="Arial"/>
       </a:defRPr>
     </a:lvl7pPr>
-    <a:lvl8pPr lvl="7" marR="0" rtl="0" algn="l">
+    <a:lvl8pPr marR="0" lvl="7" algn="l" rtl="0">
       <a:lnSpc>
         <a:spcPct val="100000"/>
       </a:lnSpc>
@@ -667,7 +686,7 @@
         <a:srgbClr val="000000"/>
       </a:buClr>
       <a:buFont typeface="Arial"/>
-      <a:defRPr b="0" i="0" sz="1400" u="none" cap="none" strike="noStrike">
+      <a:defRPr sz="1400" b="0" i="0" u="none" strike="noStrike" cap="none">
         <a:solidFill>
           <a:srgbClr val="000000"/>
         </a:solidFill>
@@ -677,7 +696,7 @@
         <a:sym typeface="Arial"/>
       </a:defRPr>
     </a:lvl8pPr>
-    <a:lvl9pPr lvl="8" marR="0" rtl="0" algn="l">
+    <a:lvl9pPr marR="0" lvl="8" algn="l" rtl="0">
       <a:lnSpc>
         <a:spcPct val="100000"/>
       </a:lnSpc>
@@ -691,7 +710,7 @@
         <a:srgbClr val="000000"/>
       </a:buClr>
       <a:buFont typeface="Arial"/>
-      <a:defRPr b="0" i="0" sz="1400" u="none" cap="none" strike="noStrike">
+      <a:defRPr sz="1400" b="0" i="0" u="none" strike="noStrike" cap="none">
         <a:solidFill>
           <a:srgbClr val="000000"/>
         </a:solidFill>
@@ -706,11 +725,11 @@
 </file>
 
 <file path=ppt/notesSlides/notesSlide1.xml><?xml version="1.0" encoding="utf-8"?>
-<p:notes xmlns:a="http://schemas.openxmlformats.org/drawingml/2006/main" xmlns:r="http://schemas.openxmlformats.org/officeDocument/2006/relationships" xmlns:mc="http://schemas.openxmlformats.org/markup-compatibility/2006" xmlns:mv="urn:schemas-microsoft-com:mac:vml" xmlns:p="http://schemas.openxmlformats.org/presentationml/2006/main" xmlns:c="http://schemas.openxmlformats.org/drawingml/2006/chart" xmlns:dgm="http://schemas.openxmlformats.org/drawingml/2006/diagram" xmlns:o="urn:schemas-microsoft-com:office:office" xmlns:v="urn:schemas-microsoft-com:vml" xmlns:pvml="urn:schemas-microsoft-com:office:powerpoint" xmlns:com="http://schemas.openxmlformats.org/drawingml/2006/compatibility" xmlns:p14="http://schemas.microsoft.com/office/powerpoint/2010/main" xmlns:p15="http://schemas.microsoft.com/office/powerpoint/2012/main" showMasterPhAnim="0" showMasterSp="0">
+<p:notes xmlns:a="http://schemas.openxmlformats.org/drawingml/2006/main" xmlns:r="http://schemas.openxmlformats.org/officeDocument/2006/relationships" xmlns:p="http://schemas.openxmlformats.org/presentationml/2006/main" showMasterSp="0" showMasterPhAnim="0">
   <p:cSld>
     <p:spTree>
       <p:nvGrpSpPr>
-        <p:cNvPr id="58" name="Shape 58"/>
+        <p:cNvPr id="1" name="Shape 58"/>
         <p:cNvGrpSpPr/>
         <p:nvPr/>
       </p:nvGrpSpPr>
@@ -725,19 +744,26 @@
       <p:sp>
         <p:nvSpPr>
           <p:cNvPr id="59" name="Shape 59"/>
-          <p:cNvSpPr/>
+          <p:cNvSpPr>
+            <a:spLocks noGrp="1" noRot="1" noChangeAspect="1"/>
+          </p:cNvSpPr>
           <p:nvPr>
-            <p:ph idx="2" type="sldImg"/>
+            <p:ph type="sldImg" idx="2"/>
           </p:nvPr>
         </p:nvSpPr>
         <p:spPr>
           <a:xfrm>
-            <a:off x="381300" y="685800"/>
-            <a:ext cx="6096075" cy="3429000"/>
+            <a:off x="381000" y="685800"/>
+            <a:ext cx="6096000" cy="3429000"/>
           </a:xfrm>
           <a:custGeom>
+            <a:avLst/>
+            <a:gdLst/>
+            <a:ahLst/>
+            <a:cxnLst/>
+            <a:rect l="0" t="0" r="0" b="0"/>
             <a:pathLst>
-              <a:path extrusionOk="0" h="120000" w="120000">
+              <a:path w="120000" h="120000" extrusionOk="0">
                 <a:moveTo>
                   <a:pt x="0" y="0"/>
                 </a:moveTo>
@@ -759,9 +785,11 @@
       <p:sp>
         <p:nvSpPr>
           <p:cNvPr id="60" name="Shape 60"/>
-          <p:cNvSpPr txBox="1"/>
+          <p:cNvSpPr txBox="1">
+            <a:spLocks noGrp="1"/>
+          </p:cNvSpPr>
           <p:nvPr>
-            <p:ph idx="1" type="body"/>
+            <p:ph type="body" idx="1"/>
           </p:nvPr>
         </p:nvSpPr>
         <p:spPr>
@@ -774,12 +802,12 @@
           </a:prstGeom>
         </p:spPr>
         <p:txBody>
-          <a:bodyPr anchorCtr="0" anchor="t" bIns="91425" lIns="91425" spcFirstLastPara="1" rIns="91425" wrap="square" tIns="91425">
+          <a:bodyPr spcFirstLastPara="1" wrap="square" lIns="91425" tIns="91425" rIns="91425" bIns="91425" anchor="t" anchorCtr="0">
             <a:noAutofit/>
           </a:bodyPr>
           <a:lstStyle/>
           <a:p>
-            <a:pPr indent="0" lvl="0" marL="0">
+            <a:pPr marL="0" lvl="0" indent="0">
               <a:spcBef>
                 <a:spcPts val="0"/>
               </a:spcBef>
@@ -788,14 +816,16 @@
               </a:spcAft>
               <a:buNone/>
             </a:pPr>
-            <a:r>
-              <a:t/>
-            </a:r>
             <a:endParaRPr/>
           </a:p>
         </p:txBody>
       </p:sp>
     </p:spTree>
+    <p:extLst>
+      <p:ext uri="{BB962C8B-B14F-4D97-AF65-F5344CB8AC3E}">
+        <p14:creationId xmlns:p14="http://schemas.microsoft.com/office/powerpoint/2010/main" val="1725098403"/>
+      </p:ext>
+    </p:extLst>
   </p:cSld>
   <p:clrMapOvr>
     <a:masterClrMapping/>
@@ -804,11 +834,11 @@
 </file>
 
 <file path=ppt/notesSlides/notesSlide2.xml><?xml version="1.0" encoding="utf-8"?>
-<p:notes xmlns:a="http://schemas.openxmlformats.org/drawingml/2006/main" xmlns:r="http://schemas.openxmlformats.org/officeDocument/2006/relationships" xmlns:mc="http://schemas.openxmlformats.org/markup-compatibility/2006" xmlns:mv="urn:schemas-microsoft-com:mac:vml" xmlns:p="http://schemas.openxmlformats.org/presentationml/2006/main" xmlns:c="http://schemas.openxmlformats.org/drawingml/2006/chart" xmlns:dgm="http://schemas.openxmlformats.org/drawingml/2006/diagram" xmlns:o="urn:schemas-microsoft-com:office:office" xmlns:v="urn:schemas-microsoft-com:vml" xmlns:pvml="urn:schemas-microsoft-com:office:powerpoint" xmlns:com="http://schemas.openxmlformats.org/drawingml/2006/compatibility" xmlns:p14="http://schemas.microsoft.com/office/powerpoint/2010/main" xmlns:p15="http://schemas.microsoft.com/office/powerpoint/2012/main" showMasterPhAnim="0" showMasterSp="0">
+<p:notes xmlns:a="http://schemas.openxmlformats.org/drawingml/2006/main" xmlns:r="http://schemas.openxmlformats.org/officeDocument/2006/relationships" xmlns:p="http://schemas.openxmlformats.org/presentationml/2006/main" showMasterSp="0" showMasterPhAnim="0">
   <p:cSld>
     <p:spTree>
       <p:nvGrpSpPr>
-        <p:cNvPr id="64" name="Shape 64"/>
+        <p:cNvPr id="1" name="Shape 64"/>
         <p:cNvGrpSpPr/>
         <p:nvPr/>
       </p:nvGrpSpPr>
@@ -823,19 +853,26 @@
       <p:sp>
         <p:nvSpPr>
           <p:cNvPr id="65" name="Shape 65"/>
-          <p:cNvSpPr/>
+          <p:cNvSpPr>
+            <a:spLocks noGrp="1" noRot="1" noChangeAspect="1"/>
+          </p:cNvSpPr>
           <p:nvPr>
-            <p:ph idx="2" type="sldImg"/>
+            <p:ph type="sldImg" idx="2"/>
           </p:nvPr>
         </p:nvSpPr>
         <p:spPr>
           <a:xfrm>
-            <a:off x="381300" y="685800"/>
+            <a:off x="381000" y="685800"/>
             <a:ext cx="6096000" cy="3429000"/>
           </a:xfrm>
           <a:custGeom>
+            <a:avLst/>
+            <a:gdLst/>
+            <a:ahLst/>
+            <a:cxnLst/>
+            <a:rect l="0" t="0" r="0" b="0"/>
             <a:pathLst>
-              <a:path extrusionOk="0" h="120000" w="120000">
+              <a:path w="120000" h="120000" extrusionOk="0">
                 <a:moveTo>
                   <a:pt x="0" y="0"/>
                 </a:moveTo>
@@ -857,9 +894,11 @@
       <p:sp>
         <p:nvSpPr>
           <p:cNvPr id="66" name="Shape 66"/>
-          <p:cNvSpPr txBox="1"/>
+          <p:cNvSpPr txBox="1">
+            <a:spLocks noGrp="1"/>
+          </p:cNvSpPr>
           <p:nvPr>
-            <p:ph idx="1" type="body"/>
+            <p:ph type="body" idx="1"/>
           </p:nvPr>
         </p:nvSpPr>
         <p:spPr>
@@ -872,12 +911,12 @@
           </a:prstGeom>
         </p:spPr>
         <p:txBody>
-          <a:bodyPr anchorCtr="0" anchor="t" bIns="91425" lIns="91425" spcFirstLastPara="1" rIns="91425" wrap="square" tIns="91425">
+          <a:bodyPr spcFirstLastPara="1" wrap="square" lIns="91425" tIns="91425" rIns="91425" bIns="91425" anchor="t" anchorCtr="0">
             <a:noAutofit/>
           </a:bodyPr>
           <a:lstStyle/>
           <a:p>
-            <a:pPr indent="0" lvl="0" marL="0">
+            <a:pPr marL="0" lvl="0" indent="0">
               <a:spcBef>
                 <a:spcPts val="0"/>
               </a:spcBef>
@@ -886,14 +925,16 @@
               </a:spcAft>
               <a:buNone/>
             </a:pPr>
-            <a:r>
-              <a:t/>
-            </a:r>
             <a:endParaRPr/>
           </a:p>
         </p:txBody>
       </p:sp>
     </p:spTree>
+    <p:extLst>
+      <p:ext uri="{BB962C8B-B14F-4D97-AF65-F5344CB8AC3E}">
+        <p14:creationId xmlns:p14="http://schemas.microsoft.com/office/powerpoint/2010/main" val="250966119"/>
+      </p:ext>
+    </p:extLst>
   </p:cSld>
   <p:clrMapOvr>
     <a:masterClrMapping/>
@@ -902,11 +943,11 @@
 </file>
 
 <file path=ppt/notesSlides/notesSlide3.xml><?xml version="1.0" encoding="utf-8"?>
-<p:notes xmlns:a="http://schemas.openxmlformats.org/drawingml/2006/main" xmlns:r="http://schemas.openxmlformats.org/officeDocument/2006/relationships" xmlns:mc="http://schemas.openxmlformats.org/markup-compatibility/2006" xmlns:mv="urn:schemas-microsoft-com:mac:vml" xmlns:p="http://schemas.openxmlformats.org/presentationml/2006/main" xmlns:c="http://schemas.openxmlformats.org/drawingml/2006/chart" xmlns:dgm="http://schemas.openxmlformats.org/drawingml/2006/diagram" xmlns:o="urn:schemas-microsoft-com:office:office" xmlns:v="urn:schemas-microsoft-com:vml" xmlns:pvml="urn:schemas-microsoft-com:office:powerpoint" xmlns:com="http://schemas.openxmlformats.org/drawingml/2006/compatibility" xmlns:p14="http://schemas.microsoft.com/office/powerpoint/2010/main" xmlns:p15="http://schemas.microsoft.com/office/powerpoint/2012/main" showMasterPhAnim="0" showMasterSp="0">
+<p:notes xmlns:a="http://schemas.openxmlformats.org/drawingml/2006/main" xmlns:r="http://schemas.openxmlformats.org/officeDocument/2006/relationships" xmlns:p="http://schemas.openxmlformats.org/presentationml/2006/main" showMasterSp="0" showMasterPhAnim="0">
   <p:cSld>
     <p:spTree>
       <p:nvGrpSpPr>
-        <p:cNvPr id="70" name="Shape 70"/>
+        <p:cNvPr id="1" name="Shape 70"/>
         <p:cNvGrpSpPr/>
         <p:nvPr/>
       </p:nvGrpSpPr>
@@ -921,19 +962,26 @@
       <p:sp>
         <p:nvSpPr>
           <p:cNvPr id="71" name="Shape 71"/>
-          <p:cNvSpPr/>
+          <p:cNvSpPr>
+            <a:spLocks noGrp="1" noRot="1" noChangeAspect="1"/>
+          </p:cNvSpPr>
           <p:nvPr>
-            <p:ph idx="2" type="sldImg"/>
+            <p:ph type="sldImg" idx="2"/>
           </p:nvPr>
         </p:nvSpPr>
         <p:spPr>
           <a:xfrm>
-            <a:off x="381300" y="685800"/>
+            <a:off x="381000" y="685800"/>
             <a:ext cx="6096000" cy="3429000"/>
           </a:xfrm>
           <a:custGeom>
+            <a:avLst/>
+            <a:gdLst/>
+            <a:ahLst/>
+            <a:cxnLst/>
+            <a:rect l="0" t="0" r="0" b="0"/>
             <a:pathLst>
-              <a:path extrusionOk="0" h="120000" w="120000">
+              <a:path w="120000" h="120000" extrusionOk="0">
                 <a:moveTo>
                   <a:pt x="0" y="0"/>
                 </a:moveTo>
@@ -955,9 +1003,11 @@
       <p:sp>
         <p:nvSpPr>
           <p:cNvPr id="72" name="Shape 72"/>
-          <p:cNvSpPr txBox="1"/>
+          <p:cNvSpPr txBox="1">
+            <a:spLocks noGrp="1"/>
+          </p:cNvSpPr>
           <p:nvPr>
-            <p:ph idx="1" type="body"/>
+            <p:ph type="body" idx="1"/>
           </p:nvPr>
         </p:nvSpPr>
         <p:spPr>
@@ -970,12 +1020,12 @@
           </a:prstGeom>
         </p:spPr>
         <p:txBody>
-          <a:bodyPr anchorCtr="0" anchor="t" bIns="91425" lIns="91425" spcFirstLastPara="1" rIns="91425" wrap="square" tIns="91425">
+          <a:bodyPr spcFirstLastPara="1" wrap="square" lIns="91425" tIns="91425" rIns="91425" bIns="91425" anchor="t" anchorCtr="0">
             <a:noAutofit/>
           </a:bodyPr>
           <a:lstStyle/>
           <a:p>
-            <a:pPr indent="0" lvl="0" marL="0">
+            <a:pPr marL="0" lvl="0" indent="0">
               <a:spcBef>
                 <a:spcPts val="0"/>
               </a:spcBef>
@@ -984,14 +1034,16 @@
               </a:spcAft>
               <a:buNone/>
             </a:pPr>
-            <a:r>
-              <a:t/>
-            </a:r>
             <a:endParaRPr/>
           </a:p>
         </p:txBody>
       </p:sp>
     </p:spTree>
+    <p:extLst>
+      <p:ext uri="{BB962C8B-B14F-4D97-AF65-F5344CB8AC3E}">
+        <p14:creationId xmlns:p14="http://schemas.microsoft.com/office/powerpoint/2010/main" val="3270063143"/>
+      </p:ext>
+    </p:extLst>
   </p:cSld>
   <p:clrMapOvr>
     <a:masterClrMapping/>
@@ -1000,11 +1052,11 @@
 </file>
 
 <file path=ppt/notesSlides/notesSlide4.xml><?xml version="1.0" encoding="utf-8"?>
-<p:notes xmlns:a="http://schemas.openxmlformats.org/drawingml/2006/main" xmlns:r="http://schemas.openxmlformats.org/officeDocument/2006/relationships" xmlns:mc="http://schemas.openxmlformats.org/markup-compatibility/2006" xmlns:mv="urn:schemas-microsoft-com:mac:vml" xmlns:p="http://schemas.openxmlformats.org/presentationml/2006/main" xmlns:c="http://schemas.openxmlformats.org/drawingml/2006/chart" xmlns:dgm="http://schemas.openxmlformats.org/drawingml/2006/diagram" xmlns:o="urn:schemas-microsoft-com:office:office" xmlns:v="urn:schemas-microsoft-com:vml" xmlns:pvml="urn:schemas-microsoft-com:office:powerpoint" xmlns:com="http://schemas.openxmlformats.org/drawingml/2006/compatibility" xmlns:p14="http://schemas.microsoft.com/office/powerpoint/2010/main" xmlns:p15="http://schemas.microsoft.com/office/powerpoint/2012/main" showMasterPhAnim="0" showMasterSp="0">
+<p:notes xmlns:a="http://schemas.openxmlformats.org/drawingml/2006/main" xmlns:r="http://schemas.openxmlformats.org/officeDocument/2006/relationships" xmlns:p="http://schemas.openxmlformats.org/presentationml/2006/main" showMasterSp="0" showMasterPhAnim="0">
   <p:cSld>
     <p:spTree>
       <p:nvGrpSpPr>
-        <p:cNvPr id="76" name="Shape 76"/>
+        <p:cNvPr id="1" name="Shape 76"/>
         <p:cNvGrpSpPr/>
         <p:nvPr/>
       </p:nvGrpSpPr>
@@ -1019,19 +1071,26 @@
       <p:sp>
         <p:nvSpPr>
           <p:cNvPr id="77" name="Shape 77"/>
-          <p:cNvSpPr/>
+          <p:cNvSpPr>
+            <a:spLocks noGrp="1" noRot="1" noChangeAspect="1"/>
+          </p:cNvSpPr>
           <p:nvPr>
-            <p:ph idx="2" type="sldImg"/>
+            <p:ph type="sldImg" idx="2"/>
           </p:nvPr>
         </p:nvSpPr>
         <p:spPr>
           <a:xfrm>
-            <a:off x="381300" y="685800"/>
+            <a:off x="381000" y="685800"/>
             <a:ext cx="6096000" cy="3429000"/>
           </a:xfrm>
           <a:custGeom>
+            <a:avLst/>
+            <a:gdLst/>
+            <a:ahLst/>
+            <a:cxnLst/>
+            <a:rect l="0" t="0" r="0" b="0"/>
             <a:pathLst>
-              <a:path extrusionOk="0" h="120000" w="120000">
+              <a:path w="120000" h="120000" extrusionOk="0">
                 <a:moveTo>
                   <a:pt x="0" y="0"/>
                 </a:moveTo>
@@ -1053,9 +1112,11 @@
       <p:sp>
         <p:nvSpPr>
           <p:cNvPr id="78" name="Shape 78"/>
-          <p:cNvSpPr txBox="1"/>
+          <p:cNvSpPr txBox="1">
+            <a:spLocks noGrp="1"/>
+          </p:cNvSpPr>
           <p:nvPr>
-            <p:ph idx="1" type="body"/>
+            <p:ph type="body" idx="1"/>
           </p:nvPr>
         </p:nvSpPr>
         <p:spPr>
@@ -1068,12 +1129,12 @@
           </a:prstGeom>
         </p:spPr>
         <p:txBody>
-          <a:bodyPr anchorCtr="0" anchor="t" bIns="91425" lIns="91425" spcFirstLastPara="1" rIns="91425" wrap="square" tIns="91425">
+          <a:bodyPr spcFirstLastPara="1" wrap="square" lIns="91425" tIns="91425" rIns="91425" bIns="91425" anchor="t" anchorCtr="0">
             <a:noAutofit/>
           </a:bodyPr>
           <a:lstStyle/>
           <a:p>
-            <a:pPr indent="0" lvl="0" marL="0">
+            <a:pPr marL="0" lvl="0" indent="0">
               <a:spcBef>
                 <a:spcPts val="0"/>
               </a:spcBef>
@@ -1082,14 +1143,16 @@
               </a:spcAft>
               <a:buNone/>
             </a:pPr>
-            <a:r>
-              <a:t/>
-            </a:r>
             <a:endParaRPr/>
           </a:p>
         </p:txBody>
       </p:sp>
     </p:spTree>
+    <p:extLst>
+      <p:ext uri="{BB962C8B-B14F-4D97-AF65-F5344CB8AC3E}">
+        <p14:creationId xmlns:p14="http://schemas.microsoft.com/office/powerpoint/2010/main" val="1135404404"/>
+      </p:ext>
+    </p:extLst>
   </p:cSld>
   <p:clrMapOvr>
     <a:masterClrMapping/>
@@ -1098,11 +1161,11 @@
 </file>
 
 <file path=ppt/notesSlides/notesSlide5.xml><?xml version="1.0" encoding="utf-8"?>
-<p:notes xmlns:a="http://schemas.openxmlformats.org/drawingml/2006/main" xmlns:r="http://schemas.openxmlformats.org/officeDocument/2006/relationships" xmlns:mc="http://schemas.openxmlformats.org/markup-compatibility/2006" xmlns:mv="urn:schemas-microsoft-com:mac:vml" xmlns:p="http://schemas.openxmlformats.org/presentationml/2006/main" xmlns:c="http://schemas.openxmlformats.org/drawingml/2006/chart" xmlns:dgm="http://schemas.openxmlformats.org/drawingml/2006/diagram" xmlns:o="urn:schemas-microsoft-com:office:office" xmlns:v="urn:schemas-microsoft-com:vml" xmlns:pvml="urn:schemas-microsoft-com:office:powerpoint" xmlns:com="http://schemas.openxmlformats.org/drawingml/2006/compatibility" xmlns:p14="http://schemas.microsoft.com/office/powerpoint/2010/main" xmlns:p15="http://schemas.microsoft.com/office/powerpoint/2012/main" showMasterPhAnim="0" showMasterSp="0">
+<p:notes xmlns:a="http://schemas.openxmlformats.org/drawingml/2006/main" xmlns:r="http://schemas.openxmlformats.org/officeDocument/2006/relationships" xmlns:p="http://schemas.openxmlformats.org/presentationml/2006/main" showMasterSp="0" showMasterPhAnim="0">
   <p:cSld>
     <p:spTree>
       <p:nvGrpSpPr>
-        <p:cNvPr id="82" name="Shape 82"/>
+        <p:cNvPr id="1" name="Shape 82"/>
         <p:cNvGrpSpPr/>
         <p:nvPr/>
       </p:nvGrpSpPr>
@@ -1117,19 +1180,26 @@
       <p:sp>
         <p:nvSpPr>
           <p:cNvPr id="83" name="Shape 83"/>
-          <p:cNvSpPr/>
+          <p:cNvSpPr>
+            <a:spLocks noGrp="1" noRot="1" noChangeAspect="1"/>
+          </p:cNvSpPr>
           <p:nvPr>
-            <p:ph idx="2" type="sldImg"/>
+            <p:ph type="sldImg" idx="2"/>
           </p:nvPr>
         </p:nvSpPr>
         <p:spPr>
           <a:xfrm>
-            <a:off x="381300" y="685800"/>
+            <a:off x="381000" y="685800"/>
             <a:ext cx="6096000" cy="3429000"/>
           </a:xfrm>
           <a:custGeom>
+            <a:avLst/>
+            <a:gdLst/>
+            <a:ahLst/>
+            <a:cxnLst/>
+            <a:rect l="0" t="0" r="0" b="0"/>
             <a:pathLst>
-              <a:path extrusionOk="0" h="120000" w="120000">
+              <a:path w="120000" h="120000" extrusionOk="0">
                 <a:moveTo>
                   <a:pt x="0" y="0"/>
                 </a:moveTo>
@@ -1151,9 +1221,11 @@
       <p:sp>
         <p:nvSpPr>
           <p:cNvPr id="84" name="Shape 84"/>
-          <p:cNvSpPr txBox="1"/>
+          <p:cNvSpPr txBox="1">
+            <a:spLocks noGrp="1"/>
+          </p:cNvSpPr>
           <p:nvPr>
-            <p:ph idx="1" type="body"/>
+            <p:ph type="body" idx="1"/>
           </p:nvPr>
         </p:nvSpPr>
         <p:spPr>
@@ -1166,12 +1238,12 @@
           </a:prstGeom>
         </p:spPr>
         <p:txBody>
-          <a:bodyPr anchorCtr="0" anchor="t" bIns="91425" lIns="91425" spcFirstLastPara="1" rIns="91425" wrap="square" tIns="91425">
+          <a:bodyPr spcFirstLastPara="1" wrap="square" lIns="91425" tIns="91425" rIns="91425" bIns="91425" anchor="t" anchorCtr="0">
             <a:noAutofit/>
           </a:bodyPr>
           <a:lstStyle/>
           <a:p>
-            <a:pPr indent="0" lvl="0" marL="0">
+            <a:pPr marL="0" lvl="0" indent="0">
               <a:spcBef>
                 <a:spcPts val="0"/>
               </a:spcBef>
@@ -1180,210 +1252,16 @@
               </a:spcAft>
               <a:buNone/>
             </a:pPr>
-            <a:r>
-              <a:t/>
-            </a:r>
             <a:endParaRPr/>
           </a:p>
         </p:txBody>
       </p:sp>
     </p:spTree>
-  </p:cSld>
-  <p:clrMapOvr>
-    <a:masterClrMapping/>
-  </p:clrMapOvr>
-</p:notes>
-</file>
-
-<file path=ppt/notesSlides/notesSlide6.xml><?xml version="1.0" encoding="utf-8"?>
-<p:notes xmlns:a="http://schemas.openxmlformats.org/drawingml/2006/main" xmlns:r="http://schemas.openxmlformats.org/officeDocument/2006/relationships" xmlns:mc="http://schemas.openxmlformats.org/markup-compatibility/2006" xmlns:mv="urn:schemas-microsoft-com:mac:vml" xmlns:p="http://schemas.openxmlformats.org/presentationml/2006/main" xmlns:c="http://schemas.openxmlformats.org/drawingml/2006/chart" xmlns:dgm="http://schemas.openxmlformats.org/drawingml/2006/diagram" xmlns:o="urn:schemas-microsoft-com:office:office" xmlns:v="urn:schemas-microsoft-com:vml" xmlns:pvml="urn:schemas-microsoft-com:office:powerpoint" xmlns:com="http://schemas.openxmlformats.org/drawingml/2006/compatibility" xmlns:p14="http://schemas.microsoft.com/office/powerpoint/2010/main" xmlns:p15="http://schemas.microsoft.com/office/powerpoint/2012/main" showMasterPhAnim="0" showMasterSp="0">
-  <p:cSld>
-    <p:spTree>
-      <p:nvGrpSpPr>
-        <p:cNvPr id="90" name="Shape 90"/>
-        <p:cNvGrpSpPr/>
-        <p:nvPr/>
-      </p:nvGrpSpPr>
-      <p:grpSpPr>
-        <a:xfrm>
-          <a:off x="0" y="0"/>
-          <a:ext cx="0" cy="0"/>
-          <a:chOff x="0" y="0"/>
-          <a:chExt cx="0" cy="0"/>
-        </a:xfrm>
-      </p:grpSpPr>
-      <p:sp>
-        <p:nvSpPr>
-          <p:cNvPr id="91" name="Shape 91"/>
-          <p:cNvSpPr/>
-          <p:nvPr>
-            <p:ph idx="2" type="sldImg"/>
-          </p:nvPr>
-        </p:nvSpPr>
-        <p:spPr>
-          <a:xfrm>
-            <a:off x="381300" y="685800"/>
-            <a:ext cx="6096000" cy="3429000"/>
-          </a:xfrm>
-          <a:custGeom>
-            <a:pathLst>
-              <a:path extrusionOk="0" h="120000" w="120000">
-                <a:moveTo>
-                  <a:pt x="0" y="0"/>
-                </a:moveTo>
-                <a:lnTo>
-                  <a:pt x="120000" y="0"/>
-                </a:lnTo>
-                <a:lnTo>
-                  <a:pt x="120000" y="120000"/>
-                </a:lnTo>
-                <a:lnTo>
-                  <a:pt x="0" y="120000"/>
-                </a:lnTo>
-                <a:close/>
-              </a:path>
-            </a:pathLst>
-          </a:custGeom>
-        </p:spPr>
-      </p:sp>
-      <p:sp>
-        <p:nvSpPr>
-          <p:cNvPr id="92" name="Shape 92"/>
-          <p:cNvSpPr txBox="1"/>
-          <p:nvPr>
-            <p:ph idx="1" type="body"/>
-          </p:nvPr>
-        </p:nvSpPr>
-        <p:spPr>
-          <a:xfrm>
-            <a:off x="685800" y="4343400"/>
-            <a:ext cx="5486400" cy="4114800"/>
-          </a:xfrm>
-          <a:prstGeom prst="rect">
-            <a:avLst/>
-          </a:prstGeom>
-        </p:spPr>
-        <p:txBody>
-          <a:bodyPr anchorCtr="0" anchor="t" bIns="91425" lIns="91425" spcFirstLastPara="1" rIns="91425" wrap="square" tIns="91425">
-            <a:noAutofit/>
-          </a:bodyPr>
-          <a:lstStyle/>
-          <a:p>
-            <a:pPr indent="0" lvl="0" marL="0" rtl="0">
-              <a:spcBef>
-                <a:spcPts val="0"/>
-              </a:spcBef>
-              <a:spcAft>
-                <a:spcPts val="0"/>
-              </a:spcAft>
-              <a:buNone/>
-            </a:pPr>
-            <a:r>
-              <a:t/>
-            </a:r>
-            <a:endParaRPr/>
-          </a:p>
-        </p:txBody>
-      </p:sp>
-    </p:spTree>
-  </p:cSld>
-  <p:clrMapOvr>
-    <a:masterClrMapping/>
-  </p:clrMapOvr>
-</p:notes>
-</file>
-
-<file path=ppt/notesSlides/notesSlide7.xml><?xml version="1.0" encoding="utf-8"?>
-<p:notes xmlns:a="http://schemas.openxmlformats.org/drawingml/2006/main" xmlns:r="http://schemas.openxmlformats.org/officeDocument/2006/relationships" xmlns:mc="http://schemas.openxmlformats.org/markup-compatibility/2006" xmlns:mv="urn:schemas-microsoft-com:mac:vml" xmlns:p="http://schemas.openxmlformats.org/presentationml/2006/main" xmlns:c="http://schemas.openxmlformats.org/drawingml/2006/chart" xmlns:dgm="http://schemas.openxmlformats.org/drawingml/2006/diagram" xmlns:o="urn:schemas-microsoft-com:office:office" xmlns:v="urn:schemas-microsoft-com:vml" xmlns:pvml="urn:schemas-microsoft-com:office:powerpoint" xmlns:com="http://schemas.openxmlformats.org/drawingml/2006/compatibility" xmlns:p14="http://schemas.microsoft.com/office/powerpoint/2010/main" xmlns:p15="http://schemas.microsoft.com/office/powerpoint/2012/main" showMasterPhAnim="0" showMasterSp="0">
-  <p:cSld>
-    <p:spTree>
-      <p:nvGrpSpPr>
-        <p:cNvPr id="97" name="Shape 97"/>
-        <p:cNvGrpSpPr/>
-        <p:nvPr/>
-      </p:nvGrpSpPr>
-      <p:grpSpPr>
-        <a:xfrm>
-          <a:off x="0" y="0"/>
-          <a:ext cx="0" cy="0"/>
-          <a:chOff x="0" y="0"/>
-          <a:chExt cx="0" cy="0"/>
-        </a:xfrm>
-      </p:grpSpPr>
-      <p:sp>
-        <p:nvSpPr>
-          <p:cNvPr id="98" name="Shape 98"/>
-          <p:cNvSpPr/>
-          <p:nvPr>
-            <p:ph idx="2" type="sldImg"/>
-          </p:nvPr>
-        </p:nvSpPr>
-        <p:spPr>
-          <a:xfrm>
-            <a:off x="381300" y="685800"/>
-            <a:ext cx="6096000" cy="3429000"/>
-          </a:xfrm>
-          <a:custGeom>
-            <a:pathLst>
-              <a:path extrusionOk="0" h="120000" w="120000">
-                <a:moveTo>
-                  <a:pt x="0" y="0"/>
-                </a:moveTo>
-                <a:lnTo>
-                  <a:pt x="120000" y="0"/>
-                </a:lnTo>
-                <a:lnTo>
-                  <a:pt x="120000" y="120000"/>
-                </a:lnTo>
-                <a:lnTo>
-                  <a:pt x="0" y="120000"/>
-                </a:lnTo>
-                <a:close/>
-              </a:path>
-            </a:pathLst>
-          </a:custGeom>
-        </p:spPr>
-      </p:sp>
-      <p:sp>
-        <p:nvSpPr>
-          <p:cNvPr id="99" name="Shape 99"/>
-          <p:cNvSpPr txBox="1"/>
-          <p:nvPr>
-            <p:ph idx="1" type="body"/>
-          </p:nvPr>
-        </p:nvSpPr>
-        <p:spPr>
-          <a:xfrm>
-            <a:off x="685800" y="4343400"/>
-            <a:ext cx="5486400" cy="4114800"/>
-          </a:xfrm>
-          <a:prstGeom prst="rect">
-            <a:avLst/>
-          </a:prstGeom>
-        </p:spPr>
-        <p:txBody>
-          <a:bodyPr anchorCtr="0" anchor="t" bIns="91425" lIns="91425" spcFirstLastPara="1" rIns="91425" wrap="square" tIns="91425">
-            <a:noAutofit/>
-          </a:bodyPr>
-          <a:lstStyle/>
-          <a:p>
-            <a:pPr indent="0" lvl="0" marL="0">
-              <a:spcBef>
-                <a:spcPts val="0"/>
-              </a:spcBef>
-              <a:spcAft>
-                <a:spcPts val="0"/>
-              </a:spcAft>
-              <a:buNone/>
-            </a:pPr>
-            <a:r>
-              <a:t/>
-            </a:r>
-            <a:endParaRPr/>
-          </a:p>
-        </p:txBody>
-      </p:sp>
-    </p:spTree>
+    <p:extLst>
+      <p:ext uri="{BB962C8B-B14F-4D97-AF65-F5344CB8AC3E}">
+        <p14:creationId xmlns:p14="http://schemas.microsoft.com/office/powerpoint/2010/main" val="1577795624"/>
+      </p:ext>
+    </p:extLst>
   </p:cSld>
   <p:clrMapOvr>
     <a:masterClrMapping/>
@@ -1392,11 +1270,11 @@
 </file>
 
 <file path=ppt/slideLayouts/slideLayout1.xml><?xml version="1.0" encoding="utf-8"?>
-<p:sldLayout xmlns:a="http://schemas.openxmlformats.org/drawingml/2006/main" xmlns:r="http://schemas.openxmlformats.org/officeDocument/2006/relationships" xmlns:mc="http://schemas.openxmlformats.org/markup-compatibility/2006" xmlns:mv="urn:schemas-microsoft-com:mac:vml" xmlns:p="http://schemas.openxmlformats.org/presentationml/2006/main" xmlns:c="http://schemas.openxmlformats.org/drawingml/2006/chart" xmlns:dgm="http://schemas.openxmlformats.org/drawingml/2006/diagram" xmlns:o="urn:schemas-microsoft-com:office:office" xmlns:v="urn:schemas-microsoft-com:vml" xmlns:pvml="urn:schemas-microsoft-com:office:powerpoint" xmlns:com="http://schemas.openxmlformats.org/drawingml/2006/compatibility" xmlns:p14="http://schemas.microsoft.com/office/powerpoint/2010/main" xmlns:p15="http://schemas.microsoft.com/office/powerpoint/2012/main" matchingName="Title slide" type="title">
+<p:sldLayout xmlns:a="http://schemas.openxmlformats.org/drawingml/2006/main" xmlns:r="http://schemas.openxmlformats.org/officeDocument/2006/relationships" xmlns:p="http://schemas.openxmlformats.org/presentationml/2006/main" matchingName="Title slide" type="title">
   <p:cSld name="TITLE">
     <p:spTree>
       <p:nvGrpSpPr>
-        <p:cNvPr id="9" name="Shape 9"/>
+        <p:cNvPr id="1" name="Shape 9"/>
         <p:cNvGrpSpPr/>
         <p:nvPr/>
       </p:nvGrpSpPr>
@@ -1420,8 +1298,13 @@
             <a:ext cx="1081625" cy="1124950"/>
           </a:xfrm>
           <a:custGeom>
+            <a:avLst/>
+            <a:gdLst/>
+            <a:ahLst/>
+            <a:cxnLst/>
+            <a:rect l="0" t="0" r="0" b="0"/>
             <a:pathLst>
-              <a:path extrusionOk="0" h="44998" w="43265">
+              <a:path w="43265" h="44998" extrusionOk="0">
                 <a:moveTo>
                   <a:pt x="0" y="44998"/>
                 </a:moveTo>
@@ -1435,14 +1318,14 @@
             </a:pathLst>
           </a:custGeom>
           <a:noFill/>
-          <a:ln cap="flat" cmpd="sng" w="28575">
+          <a:ln w="28575" cap="flat" cmpd="sng">
             <a:solidFill>
               <a:schemeClr val="lt2"/>
             </a:solidFill>
             <a:prstDash val="solid"/>
             <a:miter lim="8000"/>
-            <a:headEnd len="sm" w="sm" type="none"/>
-            <a:tailEnd len="sm" w="sm" type="none"/>
+            <a:headEnd type="none" w="sm" len="sm"/>
+            <a:tailEnd type="none" w="sm" len="sm"/>
           </a:ln>
         </p:spPr>
       </p:sp>
@@ -1458,8 +1341,13 @@
             <a:ext cx="1081625" cy="1124950"/>
           </a:xfrm>
           <a:custGeom>
+            <a:avLst/>
+            <a:gdLst/>
+            <a:ahLst/>
+            <a:cxnLst/>
+            <a:rect l="0" t="0" r="0" b="0"/>
             <a:pathLst>
-              <a:path extrusionOk="0" h="44998" w="43265">
+              <a:path w="43265" h="44998" extrusionOk="0">
                 <a:moveTo>
                   <a:pt x="0" y="44998"/>
                 </a:moveTo>
@@ -1473,21 +1361,23 @@
             </a:pathLst>
           </a:custGeom>
           <a:noFill/>
-          <a:ln cap="flat" cmpd="sng" w="28575">
+          <a:ln w="28575" cap="flat" cmpd="sng">
             <a:solidFill>
               <a:schemeClr val="lt2"/>
             </a:solidFill>
             <a:prstDash val="solid"/>
             <a:miter lim="8000"/>
-            <a:headEnd len="sm" w="sm" type="none"/>
-            <a:tailEnd len="sm" w="sm" type="none"/>
+            <a:headEnd type="none" w="sm" len="sm"/>
+            <a:tailEnd type="none" w="sm" len="sm"/>
           </a:ln>
         </p:spPr>
       </p:sp>
       <p:sp>
         <p:nvSpPr>
           <p:cNvPr id="12" name="Shape 12"/>
-          <p:cNvSpPr txBox="1"/>
+          <p:cNvSpPr txBox="1">
+            <a:spLocks noGrp="1"/>
+          </p:cNvSpPr>
           <p:nvPr>
             <p:ph type="ctrTitle"/>
           </p:nvPr>
@@ -1502,7 +1392,7 @@
           </a:prstGeom>
         </p:spPr>
         <p:txBody>
-          <a:bodyPr anchorCtr="0" anchor="b" bIns="91425" lIns="91425" spcFirstLastPara="1" rIns="91425" wrap="square" tIns="91425"/>
+          <a:bodyPr spcFirstLastPara="1" wrap="square" lIns="91425" tIns="91425" rIns="91425" bIns="91425" anchor="b" anchorCtr="0"/>
           <a:lstStyle>
             <a:lvl1pPr lvl="0" algn="ctr">
               <a:spcBef>
@@ -1604,15 +1494,19 @@
               <a:defRPr/>
             </a:lvl9pPr>
           </a:lstStyle>
-          <a:p/>
+          <a:p>
+            <a:endParaRPr/>
+          </a:p>
         </p:txBody>
       </p:sp>
       <p:sp>
         <p:nvSpPr>
           <p:cNvPr id="13" name="Shape 13"/>
-          <p:cNvSpPr txBox="1"/>
+          <p:cNvSpPr txBox="1">
+            <a:spLocks noGrp="1"/>
+          </p:cNvSpPr>
           <p:nvPr>
-            <p:ph idx="1" type="subTitle"/>
+            <p:ph type="subTitle" idx="1"/>
           </p:nvPr>
         </p:nvSpPr>
         <p:spPr>
@@ -1625,7 +1519,7 @@
           </a:prstGeom>
         </p:spPr>
         <p:txBody>
-          <a:bodyPr anchorCtr="0" anchor="t" bIns="91425" lIns="91425" spcFirstLastPara="1" rIns="91425" wrap="square" tIns="91425"/>
+          <a:bodyPr spcFirstLastPara="1" wrap="square" lIns="91425" tIns="91425" rIns="91425" bIns="91425" anchor="t" anchorCtr="0"/>
           <a:lstStyle>
             <a:lvl1pPr lvl="0" algn="ctr">
               <a:lnSpc>
@@ -1808,15 +1702,19 @@
               </a:defRPr>
             </a:lvl9pPr>
           </a:lstStyle>
-          <a:p/>
+          <a:p>
+            <a:endParaRPr/>
+          </a:p>
         </p:txBody>
       </p:sp>
       <p:sp>
         <p:nvSpPr>
           <p:cNvPr id="14" name="Shape 14"/>
-          <p:cNvSpPr txBox="1"/>
+          <p:cNvSpPr txBox="1">
+            <a:spLocks noGrp="1"/>
+          </p:cNvSpPr>
           <p:nvPr>
-            <p:ph idx="12" type="sldNum"/>
+            <p:ph type="sldNum" idx="12"/>
           </p:nvPr>
         </p:nvSpPr>
         <p:spPr>
@@ -1829,7 +1727,7 @@
           </a:prstGeom>
         </p:spPr>
         <p:txBody>
-          <a:bodyPr anchorCtr="0" anchor="ctr" bIns="91425" lIns="91425" spcFirstLastPara="1" rIns="91425" wrap="square" tIns="91425">
+          <a:bodyPr spcFirstLastPara="1" wrap="square" lIns="91425" tIns="91425" rIns="91425" bIns="91425" anchor="ctr" anchorCtr="0">
             <a:noAutofit/>
           </a:bodyPr>
           <a:lstStyle>
@@ -1871,7 +1769,7 @@
             </a:lvl9pPr>
           </a:lstStyle>
           <a:p>
-            <a:pPr indent="0" lvl="0" marL="0">
+            <a:pPr marL="0" lvl="0" indent="0">
               <a:spcBef>
                 <a:spcPts val="0"/>
               </a:spcBef>
@@ -1882,7 +1780,7 @@
             </a:pPr>
             <a:fld id="{00000000-1234-1234-1234-123412341234}" type="slidenum">
               <a:rPr lang="pt-BR"/>
-              <a:t>‹#›</a:t>
+              <a:t>‹nº›</a:t>
             </a:fld>
             <a:endParaRPr/>
           </a:p>
@@ -1897,11 +1795,11 @@
 </file>
 
 <file path=ppt/slideLayouts/slideLayout10.xml><?xml version="1.0" encoding="utf-8"?>
-<p:sldLayout xmlns:a="http://schemas.openxmlformats.org/drawingml/2006/main" xmlns:r="http://schemas.openxmlformats.org/officeDocument/2006/relationships" xmlns:mc="http://schemas.openxmlformats.org/markup-compatibility/2006" xmlns:mv="urn:schemas-microsoft-com:mac:vml" xmlns:p="http://schemas.openxmlformats.org/presentationml/2006/main" xmlns:c="http://schemas.openxmlformats.org/drawingml/2006/chart" xmlns:dgm="http://schemas.openxmlformats.org/drawingml/2006/diagram" xmlns:o="urn:schemas-microsoft-com:office:office" xmlns:v="urn:schemas-microsoft-com:vml" xmlns:pvml="urn:schemas-microsoft-com:office:powerpoint" xmlns:com="http://schemas.openxmlformats.org/drawingml/2006/compatibility" xmlns:p14="http://schemas.microsoft.com/office/powerpoint/2010/main" xmlns:p15="http://schemas.microsoft.com/office/powerpoint/2012/main" matchingName="Big number">
+<p:sldLayout xmlns:a="http://schemas.openxmlformats.org/drawingml/2006/main" xmlns:r="http://schemas.openxmlformats.org/officeDocument/2006/relationships" xmlns:p="http://schemas.openxmlformats.org/presentationml/2006/main" matchingName="Big number">
   <p:cSld name="BIG_NUMBER">
     <p:spTree>
       <p:nvGrpSpPr>
-        <p:cNvPr id="51" name="Shape 51"/>
+        <p:cNvPr id="1" name="Shape 51"/>
         <p:cNvGrpSpPr/>
         <p:nvPr/>
       </p:nvGrpSpPr>
@@ -1935,12 +1833,12 @@
           </a:ln>
         </p:spPr>
         <p:txBody>
-          <a:bodyPr anchorCtr="0" anchor="ctr" bIns="91425" lIns="91425" spcFirstLastPara="1" rIns="91425" wrap="square" tIns="91425">
+          <a:bodyPr spcFirstLastPara="1" wrap="square" lIns="91425" tIns="91425" rIns="91425" bIns="91425" anchor="ctr" anchorCtr="0">
             <a:noAutofit/>
           </a:bodyPr>
           <a:lstStyle/>
           <a:p>
-            <a:pPr indent="0" lvl="0" marL="0">
+            <a:pPr marL="0" lvl="0" indent="0">
               <a:spcBef>
                 <a:spcPts val="0"/>
               </a:spcBef>
@@ -1949,9 +1847,6 @@
               </a:spcAft>
               <a:buNone/>
             </a:pPr>
-            <a:r>
-              <a:t/>
-            </a:r>
             <a:endParaRPr/>
           </a:p>
         </p:txBody>
@@ -1959,9 +1854,11 @@
       <p:sp>
         <p:nvSpPr>
           <p:cNvPr id="53" name="Shape 53"/>
-          <p:cNvSpPr txBox="1"/>
+          <p:cNvSpPr txBox="1">
+            <a:spLocks noGrp="1"/>
+          </p:cNvSpPr>
           <p:nvPr>
-            <p:ph hasCustomPrompt="1" type="title"/>
+            <p:ph type="title" hasCustomPrompt="1"/>
           </p:nvPr>
         </p:nvSpPr>
         <p:spPr>
@@ -1974,7 +1871,7 @@
           </a:prstGeom>
         </p:spPr>
         <p:txBody>
-          <a:bodyPr anchorCtr="0" anchor="ctr" bIns="91425" lIns="91425" spcFirstLastPara="1" rIns="91425" wrap="square" tIns="91425"/>
+          <a:bodyPr spcFirstLastPara="1" wrap="square" lIns="91425" tIns="91425" rIns="91425" bIns="91425" anchor="ctr" anchorCtr="0"/>
           <a:lstStyle>
             <a:lvl1pPr lvl="0" algn="ctr">
               <a:spcBef>
@@ -2149,9 +2046,11 @@
       <p:sp>
         <p:nvSpPr>
           <p:cNvPr id="54" name="Shape 54"/>
-          <p:cNvSpPr txBox="1"/>
+          <p:cNvSpPr txBox="1">
+            <a:spLocks noGrp="1"/>
+          </p:cNvSpPr>
           <p:nvPr>
-            <p:ph idx="1" type="body"/>
+            <p:ph type="body" idx="1"/>
           </p:nvPr>
         </p:nvSpPr>
         <p:spPr>
@@ -2164,9 +2063,9 @@
           </a:prstGeom>
         </p:spPr>
         <p:txBody>
-          <a:bodyPr anchorCtr="0" anchor="t" bIns="91425" lIns="91425" spcFirstLastPara="1" rIns="91425" wrap="square" tIns="91425"/>
+          <a:bodyPr spcFirstLastPara="1" wrap="square" lIns="91425" tIns="91425" rIns="91425" bIns="91425" anchor="t" anchorCtr="0"/>
           <a:lstStyle>
-            <a:lvl1pPr indent="-342900" lvl="0" marL="457200" algn="ctr">
+            <a:lvl1pPr marL="457200" lvl="0" indent="-342900" algn="ctr">
               <a:spcBef>
                 <a:spcPts val="0"/>
               </a:spcBef>
@@ -2177,7 +2076,7 @@
               <a:buChar char="●"/>
               <a:defRPr/>
             </a:lvl1pPr>
-            <a:lvl2pPr indent="-317500" lvl="1" marL="914400" algn="ctr">
+            <a:lvl2pPr marL="914400" lvl="1" indent="-317500" algn="ctr">
               <a:spcBef>
                 <a:spcPts val="1600"/>
               </a:spcBef>
@@ -2188,7 +2087,7 @@
               <a:buChar char="○"/>
               <a:defRPr/>
             </a:lvl2pPr>
-            <a:lvl3pPr indent="-317500" lvl="2" marL="1371600" algn="ctr">
+            <a:lvl3pPr marL="1371600" lvl="2" indent="-317500" algn="ctr">
               <a:spcBef>
                 <a:spcPts val="1600"/>
               </a:spcBef>
@@ -2199,7 +2098,7 @@
               <a:buChar char="■"/>
               <a:defRPr/>
             </a:lvl3pPr>
-            <a:lvl4pPr indent="-317500" lvl="3" marL="1828800" algn="ctr">
+            <a:lvl4pPr marL="1828800" lvl="3" indent="-317500" algn="ctr">
               <a:spcBef>
                 <a:spcPts val="1600"/>
               </a:spcBef>
@@ -2210,7 +2109,7 @@
               <a:buChar char="●"/>
               <a:defRPr/>
             </a:lvl4pPr>
-            <a:lvl5pPr indent="-317500" lvl="4" marL="2286000" algn="ctr">
+            <a:lvl5pPr marL="2286000" lvl="4" indent="-317500" algn="ctr">
               <a:spcBef>
                 <a:spcPts val="1600"/>
               </a:spcBef>
@@ -2221,7 +2120,7 @@
               <a:buChar char="○"/>
               <a:defRPr/>
             </a:lvl5pPr>
-            <a:lvl6pPr indent="-317500" lvl="5" marL="2743200" algn="ctr">
+            <a:lvl6pPr marL="2743200" lvl="5" indent="-317500" algn="ctr">
               <a:spcBef>
                 <a:spcPts val="1600"/>
               </a:spcBef>
@@ -2232,7 +2131,7 @@
               <a:buChar char="■"/>
               <a:defRPr/>
             </a:lvl6pPr>
-            <a:lvl7pPr indent="-317500" lvl="6" marL="3200400" algn="ctr">
+            <a:lvl7pPr marL="3200400" lvl="6" indent="-317500" algn="ctr">
               <a:spcBef>
                 <a:spcPts val="1600"/>
               </a:spcBef>
@@ -2243,7 +2142,7 @@
               <a:buChar char="●"/>
               <a:defRPr/>
             </a:lvl7pPr>
-            <a:lvl8pPr indent="-317500" lvl="7" marL="3657600" algn="ctr">
+            <a:lvl8pPr marL="3657600" lvl="7" indent="-317500" algn="ctr">
               <a:spcBef>
                 <a:spcPts val="1600"/>
               </a:spcBef>
@@ -2254,7 +2153,7 @@
               <a:buChar char="○"/>
               <a:defRPr/>
             </a:lvl8pPr>
-            <a:lvl9pPr indent="-317500" lvl="8" marL="4114800" algn="ctr">
+            <a:lvl9pPr marL="4114800" lvl="8" indent="-317500" algn="ctr">
               <a:spcBef>
                 <a:spcPts val="1600"/>
               </a:spcBef>
@@ -2266,15 +2165,19 @@
               <a:defRPr/>
             </a:lvl9pPr>
           </a:lstStyle>
-          <a:p/>
+          <a:p>
+            <a:endParaRPr/>
+          </a:p>
         </p:txBody>
       </p:sp>
       <p:sp>
         <p:nvSpPr>
           <p:cNvPr id="55" name="Shape 55"/>
-          <p:cNvSpPr txBox="1"/>
+          <p:cNvSpPr txBox="1">
+            <a:spLocks noGrp="1"/>
+          </p:cNvSpPr>
           <p:nvPr>
-            <p:ph idx="12" type="sldNum"/>
+            <p:ph type="sldNum" idx="12"/>
           </p:nvPr>
         </p:nvSpPr>
         <p:spPr>
@@ -2287,7 +2190,7 @@
           </a:prstGeom>
         </p:spPr>
         <p:txBody>
-          <a:bodyPr anchorCtr="0" anchor="ctr" bIns="91425" lIns="91425" spcFirstLastPara="1" rIns="91425" wrap="square" tIns="91425">
+          <a:bodyPr spcFirstLastPara="1" wrap="square" lIns="91425" tIns="91425" rIns="91425" bIns="91425" anchor="ctr" anchorCtr="0">
             <a:noAutofit/>
           </a:bodyPr>
           <a:lstStyle>
@@ -2329,7 +2232,7 @@
             </a:lvl9pPr>
           </a:lstStyle>
           <a:p>
-            <a:pPr indent="0" lvl="0" marL="0">
+            <a:pPr marL="0" lvl="0" indent="0">
               <a:spcBef>
                 <a:spcPts val="0"/>
               </a:spcBef>
@@ -2340,7 +2243,7 @@
             </a:pPr>
             <a:fld id="{00000000-1234-1234-1234-123412341234}" type="slidenum">
               <a:rPr lang="pt-BR"/>
-              <a:t>‹#›</a:t>
+              <a:t>‹nº›</a:t>
             </a:fld>
             <a:endParaRPr/>
           </a:p>
@@ -2355,11 +2258,11 @@
 </file>
 
 <file path=ppt/slideLayouts/slideLayout11.xml><?xml version="1.0" encoding="utf-8"?>
-<p:sldLayout xmlns:a="http://schemas.openxmlformats.org/drawingml/2006/main" xmlns:r="http://schemas.openxmlformats.org/officeDocument/2006/relationships" xmlns:mc="http://schemas.openxmlformats.org/markup-compatibility/2006" xmlns:mv="urn:schemas-microsoft-com:mac:vml" xmlns:p="http://schemas.openxmlformats.org/presentationml/2006/main" xmlns:c="http://schemas.openxmlformats.org/drawingml/2006/chart" xmlns:dgm="http://schemas.openxmlformats.org/drawingml/2006/diagram" xmlns:o="urn:schemas-microsoft-com:office:office" xmlns:v="urn:schemas-microsoft-com:vml" xmlns:pvml="urn:schemas-microsoft-com:office:powerpoint" xmlns:com="http://schemas.openxmlformats.org/drawingml/2006/compatibility" xmlns:p14="http://schemas.microsoft.com/office/powerpoint/2010/main" xmlns:p15="http://schemas.microsoft.com/office/powerpoint/2012/main" matchingName="Blank" type="blank">
+<p:sldLayout xmlns:a="http://schemas.openxmlformats.org/drawingml/2006/main" xmlns:r="http://schemas.openxmlformats.org/officeDocument/2006/relationships" xmlns:p="http://schemas.openxmlformats.org/presentationml/2006/main" matchingName="Blank" type="blank">
   <p:cSld name="BLANK">
     <p:spTree>
       <p:nvGrpSpPr>
-        <p:cNvPr id="56" name="Shape 56"/>
+        <p:cNvPr id="1" name="Shape 56"/>
         <p:cNvGrpSpPr/>
         <p:nvPr/>
       </p:nvGrpSpPr>
@@ -2374,9 +2277,11 @@
       <p:sp>
         <p:nvSpPr>
           <p:cNvPr id="57" name="Shape 57"/>
-          <p:cNvSpPr txBox="1"/>
+          <p:cNvSpPr txBox="1">
+            <a:spLocks noGrp="1"/>
+          </p:cNvSpPr>
           <p:nvPr>
-            <p:ph idx="12" type="sldNum"/>
+            <p:ph type="sldNum" idx="12"/>
           </p:nvPr>
         </p:nvSpPr>
         <p:spPr>
@@ -2389,7 +2294,7 @@
           </a:prstGeom>
         </p:spPr>
         <p:txBody>
-          <a:bodyPr anchorCtr="0" anchor="ctr" bIns="91425" lIns="91425" spcFirstLastPara="1" rIns="91425" wrap="square" tIns="91425">
+          <a:bodyPr spcFirstLastPara="1" wrap="square" lIns="91425" tIns="91425" rIns="91425" bIns="91425" anchor="ctr" anchorCtr="0">
             <a:noAutofit/>
           </a:bodyPr>
           <a:lstStyle>
@@ -2431,7 +2336,7 @@
             </a:lvl9pPr>
           </a:lstStyle>
           <a:p>
-            <a:pPr indent="0" lvl="0" marL="0">
+            <a:pPr marL="0" lvl="0" indent="0">
               <a:spcBef>
                 <a:spcPts val="0"/>
               </a:spcBef>
@@ -2442,7 +2347,7 @@
             </a:pPr>
             <a:fld id="{00000000-1234-1234-1234-123412341234}" type="slidenum">
               <a:rPr lang="pt-BR"/>
-              <a:t>‹#›</a:t>
+              <a:t>‹nº›</a:t>
             </a:fld>
             <a:endParaRPr/>
           </a:p>
@@ -2457,11 +2362,11 @@
 </file>
 
 <file path=ppt/slideLayouts/slideLayout2.xml><?xml version="1.0" encoding="utf-8"?>
-<p:sldLayout xmlns:a="http://schemas.openxmlformats.org/drawingml/2006/main" xmlns:r="http://schemas.openxmlformats.org/officeDocument/2006/relationships" xmlns:mc="http://schemas.openxmlformats.org/markup-compatibility/2006" xmlns:mv="urn:schemas-microsoft-com:mac:vml" xmlns:p="http://schemas.openxmlformats.org/presentationml/2006/main" xmlns:c="http://schemas.openxmlformats.org/drawingml/2006/chart" xmlns:dgm="http://schemas.openxmlformats.org/drawingml/2006/diagram" xmlns:o="urn:schemas-microsoft-com:office:office" xmlns:v="urn:schemas-microsoft-com:vml" xmlns:pvml="urn:schemas-microsoft-com:office:powerpoint" xmlns:com="http://schemas.openxmlformats.org/drawingml/2006/compatibility" xmlns:p14="http://schemas.microsoft.com/office/powerpoint/2010/main" xmlns:p15="http://schemas.microsoft.com/office/powerpoint/2012/main" matchingName="Section header" type="secHead">
+<p:sldLayout xmlns:a="http://schemas.openxmlformats.org/drawingml/2006/main" xmlns:r="http://schemas.openxmlformats.org/officeDocument/2006/relationships" xmlns:p="http://schemas.openxmlformats.org/presentationml/2006/main" matchingName="Section header" type="secHead">
   <p:cSld name="SECTION_HEADER">
     <p:spTree>
       <p:nvGrpSpPr>
-        <p:cNvPr id="15" name="Shape 15"/>
+        <p:cNvPr id="1" name="Shape 15"/>
         <p:cNvGrpSpPr/>
         <p:nvPr/>
       </p:nvGrpSpPr>
@@ -2485,8 +2390,13 @@
             <a:ext cx="1081625" cy="1124950"/>
           </a:xfrm>
           <a:custGeom>
+            <a:avLst/>
+            <a:gdLst/>
+            <a:ahLst/>
+            <a:cxnLst/>
+            <a:rect l="0" t="0" r="0" b="0"/>
             <a:pathLst>
-              <a:path extrusionOk="0" h="44998" w="43265">
+              <a:path w="43265" h="44998" extrusionOk="0">
                 <a:moveTo>
                   <a:pt x="0" y="44998"/>
                 </a:moveTo>
@@ -2500,14 +2410,14 @@
             </a:pathLst>
           </a:custGeom>
           <a:noFill/>
-          <a:ln cap="flat" cmpd="sng" w="28575">
+          <a:ln w="28575" cap="flat" cmpd="sng">
             <a:solidFill>
               <a:schemeClr val="lt2"/>
             </a:solidFill>
             <a:prstDash val="solid"/>
             <a:miter lim="8000"/>
-            <a:headEnd len="sm" w="sm" type="none"/>
-            <a:tailEnd len="sm" w="sm" type="none"/>
+            <a:headEnd type="none" w="sm" len="sm"/>
+            <a:tailEnd type="none" w="sm" len="sm"/>
           </a:ln>
         </p:spPr>
       </p:sp>
@@ -2518,13 +2428,18 @@
           <p:nvPr/>
         </p:nvSpPr>
         <p:spPr>
-          <a:xfrm flipH="1" rot="10800000">
+          <a:xfrm rot="10800000" flipH="1">
             <a:off x="466425" y="3558325"/>
             <a:ext cx="1081625" cy="1124950"/>
           </a:xfrm>
           <a:custGeom>
+            <a:avLst/>
+            <a:gdLst/>
+            <a:ahLst/>
+            <a:cxnLst/>
+            <a:rect l="0" t="0" r="0" b="0"/>
             <a:pathLst>
-              <a:path extrusionOk="0" h="44998" w="43265">
+              <a:path w="43265" h="44998" extrusionOk="0">
                 <a:moveTo>
                   <a:pt x="0" y="44998"/>
                 </a:moveTo>
@@ -2538,21 +2453,23 @@
             </a:pathLst>
           </a:custGeom>
           <a:noFill/>
-          <a:ln cap="flat" cmpd="sng" w="28575">
+          <a:ln w="28575" cap="flat" cmpd="sng">
             <a:solidFill>
               <a:schemeClr val="lt2"/>
             </a:solidFill>
             <a:prstDash val="solid"/>
             <a:miter lim="8000"/>
-            <a:headEnd len="sm" w="sm" type="none"/>
-            <a:tailEnd len="sm" w="sm" type="none"/>
+            <a:headEnd type="none" w="sm" len="sm"/>
+            <a:tailEnd type="none" w="sm" len="sm"/>
           </a:ln>
         </p:spPr>
       </p:sp>
       <p:sp>
         <p:nvSpPr>
           <p:cNvPr id="18" name="Shape 18"/>
-          <p:cNvSpPr txBox="1"/>
+          <p:cNvSpPr txBox="1">
+            <a:spLocks noGrp="1"/>
+          </p:cNvSpPr>
           <p:nvPr>
             <p:ph type="title"/>
           </p:nvPr>
@@ -2567,7 +2484,7 @@
           </a:prstGeom>
         </p:spPr>
         <p:txBody>
-          <a:bodyPr anchorCtr="0" anchor="ctr" bIns="91425" lIns="91425" spcFirstLastPara="1" rIns="91425" wrap="square" tIns="91425"/>
+          <a:bodyPr spcFirstLastPara="1" wrap="square" lIns="91425" tIns="91425" rIns="91425" bIns="91425" anchor="ctr" anchorCtr="0"/>
           <a:lstStyle>
             <a:lvl1pPr lvl="0" algn="ctr">
               <a:spcBef>
@@ -2669,15 +2586,19 @@
               <a:defRPr/>
             </a:lvl9pPr>
           </a:lstStyle>
-          <a:p/>
+          <a:p>
+            <a:endParaRPr/>
+          </a:p>
         </p:txBody>
       </p:sp>
       <p:sp>
         <p:nvSpPr>
           <p:cNvPr id="19" name="Shape 19"/>
-          <p:cNvSpPr txBox="1"/>
+          <p:cNvSpPr txBox="1">
+            <a:spLocks noGrp="1"/>
+          </p:cNvSpPr>
           <p:nvPr>
-            <p:ph idx="12" type="sldNum"/>
+            <p:ph type="sldNum" idx="12"/>
           </p:nvPr>
         </p:nvSpPr>
         <p:spPr>
@@ -2690,7 +2611,7 @@
           </a:prstGeom>
         </p:spPr>
         <p:txBody>
-          <a:bodyPr anchorCtr="0" anchor="ctr" bIns="91425" lIns="91425" spcFirstLastPara="1" rIns="91425" wrap="square" tIns="91425">
+          <a:bodyPr spcFirstLastPara="1" wrap="square" lIns="91425" tIns="91425" rIns="91425" bIns="91425" anchor="ctr" anchorCtr="0">
             <a:noAutofit/>
           </a:bodyPr>
           <a:lstStyle>
@@ -2732,7 +2653,7 @@
             </a:lvl9pPr>
           </a:lstStyle>
           <a:p>
-            <a:pPr indent="0" lvl="0" marL="0">
+            <a:pPr marL="0" lvl="0" indent="0">
               <a:spcBef>
                 <a:spcPts val="0"/>
               </a:spcBef>
@@ -2743,7 +2664,7 @@
             </a:pPr>
             <a:fld id="{00000000-1234-1234-1234-123412341234}" type="slidenum">
               <a:rPr lang="pt-BR"/>
-              <a:t>‹#›</a:t>
+              <a:t>‹nº›</a:t>
             </a:fld>
             <a:endParaRPr/>
           </a:p>
@@ -2758,11 +2679,11 @@
 </file>
 
 <file path=ppt/slideLayouts/slideLayout3.xml><?xml version="1.0" encoding="utf-8"?>
-<p:sldLayout xmlns:a="http://schemas.openxmlformats.org/drawingml/2006/main" xmlns:r="http://schemas.openxmlformats.org/officeDocument/2006/relationships" xmlns:mc="http://schemas.openxmlformats.org/markup-compatibility/2006" xmlns:mv="urn:schemas-microsoft-com:mac:vml" xmlns:p="http://schemas.openxmlformats.org/presentationml/2006/main" xmlns:c="http://schemas.openxmlformats.org/drawingml/2006/chart" xmlns:dgm="http://schemas.openxmlformats.org/drawingml/2006/diagram" xmlns:o="urn:schemas-microsoft-com:office:office" xmlns:v="urn:schemas-microsoft-com:vml" xmlns:pvml="urn:schemas-microsoft-com:office:powerpoint" xmlns:com="http://schemas.openxmlformats.org/drawingml/2006/compatibility" xmlns:p14="http://schemas.microsoft.com/office/powerpoint/2010/main" xmlns:p15="http://schemas.microsoft.com/office/powerpoint/2012/main" matchingName="Title and body" type="tx">
+<p:sldLayout xmlns:a="http://schemas.openxmlformats.org/drawingml/2006/main" xmlns:r="http://schemas.openxmlformats.org/officeDocument/2006/relationships" xmlns:p="http://schemas.openxmlformats.org/presentationml/2006/main" matchingName="Title and body" type="tx">
   <p:cSld name="TITLE_AND_BODY">
     <p:spTree>
       <p:nvGrpSpPr>
-        <p:cNvPr id="20" name="Shape 20"/>
+        <p:cNvPr id="1" name="Shape 20"/>
         <p:cNvGrpSpPr/>
         <p:nvPr/>
       </p:nvGrpSpPr>
@@ -2796,12 +2717,12 @@
           </a:ln>
         </p:spPr>
         <p:txBody>
-          <a:bodyPr anchorCtr="0" anchor="ctr" bIns="91425" lIns="91425" spcFirstLastPara="1" rIns="91425" wrap="square" tIns="91425">
+          <a:bodyPr spcFirstLastPara="1" wrap="square" lIns="91425" tIns="91425" rIns="91425" bIns="91425" anchor="ctr" anchorCtr="0">
             <a:noAutofit/>
           </a:bodyPr>
           <a:lstStyle/>
           <a:p>
-            <a:pPr indent="0" lvl="0" marL="0">
+            <a:pPr marL="0" lvl="0" indent="0">
               <a:spcBef>
                 <a:spcPts val="0"/>
               </a:spcBef>
@@ -2810,9 +2731,6 @@
               </a:spcAft>
               <a:buNone/>
             </a:pPr>
-            <a:r>
-              <a:t/>
-            </a:r>
             <a:endParaRPr/>
           </a:p>
         </p:txBody>
@@ -2820,7 +2738,9 @@
       <p:sp>
         <p:nvSpPr>
           <p:cNvPr id="22" name="Shape 22"/>
-          <p:cNvSpPr txBox="1"/>
+          <p:cNvSpPr txBox="1">
+            <a:spLocks noGrp="1"/>
+          </p:cNvSpPr>
           <p:nvPr>
             <p:ph type="title"/>
           </p:nvPr>
@@ -2835,7 +2755,7 @@
           </a:prstGeom>
         </p:spPr>
         <p:txBody>
-          <a:bodyPr anchorCtr="0" anchor="b" bIns="91425" lIns="91425" spcFirstLastPara="1" rIns="91425" wrap="square" tIns="91425"/>
+          <a:bodyPr spcFirstLastPara="1" wrap="square" lIns="91425" tIns="91425" rIns="91425" bIns="91425" anchor="b" anchorCtr="0"/>
           <a:lstStyle>
             <a:lvl1pPr lvl="0">
               <a:spcBef>
@@ -2937,15 +2857,19 @@
               <a:defRPr/>
             </a:lvl9pPr>
           </a:lstStyle>
-          <a:p/>
+          <a:p>
+            <a:endParaRPr/>
+          </a:p>
         </p:txBody>
       </p:sp>
       <p:sp>
         <p:nvSpPr>
           <p:cNvPr id="23" name="Shape 23"/>
-          <p:cNvSpPr txBox="1"/>
+          <p:cNvSpPr txBox="1">
+            <a:spLocks noGrp="1"/>
+          </p:cNvSpPr>
           <p:nvPr>
-            <p:ph idx="1" type="body"/>
+            <p:ph type="body" idx="1"/>
           </p:nvPr>
         </p:nvSpPr>
         <p:spPr>
@@ -2958,9 +2882,9 @@
           </a:prstGeom>
         </p:spPr>
         <p:txBody>
-          <a:bodyPr anchorCtr="0" anchor="t" bIns="91425" lIns="91425" spcFirstLastPara="1" rIns="91425" wrap="square" tIns="91425"/>
+          <a:bodyPr spcFirstLastPara="1" wrap="square" lIns="91425" tIns="91425" rIns="91425" bIns="91425" anchor="t" anchorCtr="0"/>
           <a:lstStyle>
-            <a:lvl1pPr indent="-342900" lvl="0" marL="457200">
+            <a:lvl1pPr marL="457200" lvl="0" indent="-342900">
               <a:spcBef>
                 <a:spcPts val="0"/>
               </a:spcBef>
@@ -2971,7 +2895,7 @@
               <a:buChar char="●"/>
               <a:defRPr/>
             </a:lvl1pPr>
-            <a:lvl2pPr indent="-317500" lvl="1" marL="914400">
+            <a:lvl2pPr marL="914400" lvl="1" indent="-317500">
               <a:spcBef>
                 <a:spcPts val="1600"/>
               </a:spcBef>
@@ -2982,7 +2906,7 @@
               <a:buChar char="○"/>
               <a:defRPr/>
             </a:lvl2pPr>
-            <a:lvl3pPr indent="-317500" lvl="2" marL="1371600">
+            <a:lvl3pPr marL="1371600" lvl="2" indent="-317500">
               <a:spcBef>
                 <a:spcPts val="1600"/>
               </a:spcBef>
@@ -2993,7 +2917,7 @@
               <a:buChar char="■"/>
               <a:defRPr/>
             </a:lvl3pPr>
-            <a:lvl4pPr indent="-317500" lvl="3" marL="1828800">
+            <a:lvl4pPr marL="1828800" lvl="3" indent="-317500">
               <a:spcBef>
                 <a:spcPts val="1600"/>
               </a:spcBef>
@@ -3004,7 +2928,7 @@
               <a:buChar char="●"/>
               <a:defRPr/>
             </a:lvl4pPr>
-            <a:lvl5pPr indent="-317500" lvl="4" marL="2286000">
+            <a:lvl5pPr marL="2286000" lvl="4" indent="-317500">
               <a:spcBef>
                 <a:spcPts val="1600"/>
               </a:spcBef>
@@ -3015,7 +2939,7 @@
               <a:buChar char="○"/>
               <a:defRPr/>
             </a:lvl5pPr>
-            <a:lvl6pPr indent="-317500" lvl="5" marL="2743200">
+            <a:lvl6pPr marL="2743200" lvl="5" indent="-317500">
               <a:spcBef>
                 <a:spcPts val="1600"/>
               </a:spcBef>
@@ -3026,7 +2950,7 @@
               <a:buChar char="■"/>
               <a:defRPr/>
             </a:lvl6pPr>
-            <a:lvl7pPr indent="-317500" lvl="6" marL="3200400">
+            <a:lvl7pPr marL="3200400" lvl="6" indent="-317500">
               <a:spcBef>
                 <a:spcPts val="1600"/>
               </a:spcBef>
@@ -3037,7 +2961,7 @@
               <a:buChar char="●"/>
               <a:defRPr/>
             </a:lvl7pPr>
-            <a:lvl8pPr indent="-317500" lvl="7" marL="3657600">
+            <a:lvl8pPr marL="3657600" lvl="7" indent="-317500">
               <a:spcBef>
                 <a:spcPts val="1600"/>
               </a:spcBef>
@@ -3048,7 +2972,7 @@
               <a:buChar char="○"/>
               <a:defRPr/>
             </a:lvl8pPr>
-            <a:lvl9pPr indent="-317500" lvl="8" marL="4114800">
+            <a:lvl9pPr marL="4114800" lvl="8" indent="-317500">
               <a:spcBef>
                 <a:spcPts val="1600"/>
               </a:spcBef>
@@ -3060,15 +2984,19 @@
               <a:defRPr/>
             </a:lvl9pPr>
           </a:lstStyle>
-          <a:p/>
+          <a:p>
+            <a:endParaRPr/>
+          </a:p>
         </p:txBody>
       </p:sp>
       <p:sp>
         <p:nvSpPr>
           <p:cNvPr id="24" name="Shape 24"/>
-          <p:cNvSpPr txBox="1"/>
+          <p:cNvSpPr txBox="1">
+            <a:spLocks noGrp="1"/>
+          </p:cNvSpPr>
           <p:nvPr>
-            <p:ph idx="12" type="sldNum"/>
+            <p:ph type="sldNum" idx="12"/>
           </p:nvPr>
         </p:nvSpPr>
         <p:spPr>
@@ -3081,7 +3009,7 @@
           </a:prstGeom>
         </p:spPr>
         <p:txBody>
-          <a:bodyPr anchorCtr="0" anchor="ctr" bIns="91425" lIns="91425" spcFirstLastPara="1" rIns="91425" wrap="square" tIns="91425">
+          <a:bodyPr spcFirstLastPara="1" wrap="square" lIns="91425" tIns="91425" rIns="91425" bIns="91425" anchor="ctr" anchorCtr="0">
             <a:noAutofit/>
           </a:bodyPr>
           <a:lstStyle>
@@ -3123,7 +3051,7 @@
             </a:lvl9pPr>
           </a:lstStyle>
           <a:p>
-            <a:pPr indent="0" lvl="0" marL="0">
+            <a:pPr marL="0" lvl="0" indent="0">
               <a:spcBef>
                 <a:spcPts val="0"/>
               </a:spcBef>
@@ -3134,7 +3062,7 @@
             </a:pPr>
             <a:fld id="{00000000-1234-1234-1234-123412341234}" type="slidenum">
               <a:rPr lang="pt-BR"/>
-              <a:t>‹#›</a:t>
+              <a:t>‹nº›</a:t>
             </a:fld>
             <a:endParaRPr/>
           </a:p>
@@ -3149,11 +3077,11 @@
 </file>
 
 <file path=ppt/slideLayouts/slideLayout4.xml><?xml version="1.0" encoding="utf-8"?>
-<p:sldLayout xmlns:a="http://schemas.openxmlformats.org/drawingml/2006/main" xmlns:r="http://schemas.openxmlformats.org/officeDocument/2006/relationships" xmlns:mc="http://schemas.openxmlformats.org/markup-compatibility/2006" xmlns:mv="urn:schemas-microsoft-com:mac:vml" xmlns:p="http://schemas.openxmlformats.org/presentationml/2006/main" xmlns:c="http://schemas.openxmlformats.org/drawingml/2006/chart" xmlns:dgm="http://schemas.openxmlformats.org/drawingml/2006/diagram" xmlns:o="urn:schemas-microsoft-com:office:office" xmlns:v="urn:schemas-microsoft-com:vml" xmlns:pvml="urn:schemas-microsoft-com:office:powerpoint" xmlns:com="http://schemas.openxmlformats.org/drawingml/2006/compatibility" xmlns:p14="http://schemas.microsoft.com/office/powerpoint/2010/main" xmlns:p15="http://schemas.microsoft.com/office/powerpoint/2012/main" matchingName="Title and two columns" type="twoColTx">
+<p:sldLayout xmlns:a="http://schemas.openxmlformats.org/drawingml/2006/main" xmlns:r="http://schemas.openxmlformats.org/officeDocument/2006/relationships" xmlns:p="http://schemas.openxmlformats.org/presentationml/2006/main" matchingName="Title and two columns" type="twoColTx">
   <p:cSld name="TITLE_AND_TWO_COLUMNS">
     <p:spTree>
       <p:nvGrpSpPr>
-        <p:cNvPr id="25" name="Shape 25"/>
+        <p:cNvPr id="1" name="Shape 25"/>
         <p:cNvGrpSpPr/>
         <p:nvPr/>
       </p:nvGrpSpPr>
@@ -3168,7 +3096,9 @@
       <p:sp>
         <p:nvSpPr>
           <p:cNvPr id="26" name="Shape 26"/>
-          <p:cNvSpPr txBox="1"/>
+          <p:cNvSpPr txBox="1">
+            <a:spLocks noGrp="1"/>
+          </p:cNvSpPr>
           <p:nvPr>
             <p:ph type="title"/>
           </p:nvPr>
@@ -3183,7 +3113,7 @@
           </a:prstGeom>
         </p:spPr>
         <p:txBody>
-          <a:bodyPr anchorCtr="0" anchor="b" bIns="91425" lIns="91425" spcFirstLastPara="1" rIns="91425" wrap="square" tIns="91425"/>
+          <a:bodyPr spcFirstLastPara="1" wrap="square" lIns="91425" tIns="91425" rIns="91425" bIns="91425" anchor="b" anchorCtr="0"/>
           <a:lstStyle>
             <a:lvl1pPr lvl="0">
               <a:spcBef>
@@ -3285,15 +3215,19 @@
               <a:defRPr/>
             </a:lvl9pPr>
           </a:lstStyle>
-          <a:p/>
+          <a:p>
+            <a:endParaRPr/>
+          </a:p>
         </p:txBody>
       </p:sp>
       <p:sp>
         <p:nvSpPr>
           <p:cNvPr id="27" name="Shape 27"/>
-          <p:cNvSpPr txBox="1"/>
+          <p:cNvSpPr txBox="1">
+            <a:spLocks noGrp="1"/>
+          </p:cNvSpPr>
           <p:nvPr>
-            <p:ph idx="1" type="body"/>
+            <p:ph type="body" idx="1"/>
           </p:nvPr>
         </p:nvSpPr>
         <p:spPr>
@@ -3306,9 +3240,9 @@
           </a:prstGeom>
         </p:spPr>
         <p:txBody>
-          <a:bodyPr anchorCtr="0" anchor="t" bIns="91425" lIns="91425" spcFirstLastPara="1" rIns="91425" wrap="square" tIns="91425"/>
+          <a:bodyPr spcFirstLastPara="1" wrap="square" lIns="91425" tIns="91425" rIns="91425" bIns="91425" anchor="t" anchorCtr="0"/>
           <a:lstStyle>
-            <a:lvl1pPr indent="-317500" lvl="0" marL="457200">
+            <a:lvl1pPr marL="457200" lvl="0" indent="-317500">
               <a:spcBef>
                 <a:spcPts val="0"/>
               </a:spcBef>
@@ -3319,7 +3253,7 @@
               <a:buChar char="●"/>
               <a:defRPr sz="1400"/>
             </a:lvl1pPr>
-            <a:lvl2pPr indent="-304800" lvl="1" marL="914400">
+            <a:lvl2pPr marL="914400" lvl="1" indent="-304800">
               <a:spcBef>
                 <a:spcPts val="1600"/>
               </a:spcBef>
@@ -3330,7 +3264,7 @@
               <a:buChar char="○"/>
               <a:defRPr sz="1200"/>
             </a:lvl2pPr>
-            <a:lvl3pPr indent="-304800" lvl="2" marL="1371600">
+            <a:lvl3pPr marL="1371600" lvl="2" indent="-304800">
               <a:spcBef>
                 <a:spcPts val="1600"/>
               </a:spcBef>
@@ -3341,7 +3275,7 @@
               <a:buChar char="■"/>
               <a:defRPr sz="1200"/>
             </a:lvl3pPr>
-            <a:lvl4pPr indent="-304800" lvl="3" marL="1828800">
+            <a:lvl4pPr marL="1828800" lvl="3" indent="-304800">
               <a:spcBef>
                 <a:spcPts val="1600"/>
               </a:spcBef>
@@ -3352,7 +3286,7 @@
               <a:buChar char="●"/>
               <a:defRPr sz="1200"/>
             </a:lvl4pPr>
-            <a:lvl5pPr indent="-304800" lvl="4" marL="2286000">
+            <a:lvl5pPr marL="2286000" lvl="4" indent="-304800">
               <a:spcBef>
                 <a:spcPts val="1600"/>
               </a:spcBef>
@@ -3363,7 +3297,7 @@
               <a:buChar char="○"/>
               <a:defRPr sz="1200"/>
             </a:lvl5pPr>
-            <a:lvl6pPr indent="-304800" lvl="5" marL="2743200">
+            <a:lvl6pPr marL="2743200" lvl="5" indent="-304800">
               <a:spcBef>
                 <a:spcPts val="1600"/>
               </a:spcBef>
@@ -3374,7 +3308,7 @@
               <a:buChar char="■"/>
               <a:defRPr sz="1200"/>
             </a:lvl6pPr>
-            <a:lvl7pPr indent="-304800" lvl="6" marL="3200400">
+            <a:lvl7pPr marL="3200400" lvl="6" indent="-304800">
               <a:spcBef>
                 <a:spcPts val="1600"/>
               </a:spcBef>
@@ -3385,7 +3319,7 @@
               <a:buChar char="●"/>
               <a:defRPr sz="1200"/>
             </a:lvl7pPr>
-            <a:lvl8pPr indent="-304800" lvl="7" marL="3657600">
+            <a:lvl8pPr marL="3657600" lvl="7" indent="-304800">
               <a:spcBef>
                 <a:spcPts val="1600"/>
               </a:spcBef>
@@ -3396,7 +3330,7 @@
               <a:buChar char="○"/>
               <a:defRPr sz="1200"/>
             </a:lvl8pPr>
-            <a:lvl9pPr indent="-304800" lvl="8" marL="4114800">
+            <a:lvl9pPr marL="4114800" lvl="8" indent="-304800">
               <a:spcBef>
                 <a:spcPts val="1600"/>
               </a:spcBef>
@@ -3408,15 +3342,19 @@
               <a:defRPr sz="1200"/>
             </a:lvl9pPr>
           </a:lstStyle>
-          <a:p/>
+          <a:p>
+            <a:endParaRPr/>
+          </a:p>
         </p:txBody>
       </p:sp>
       <p:sp>
         <p:nvSpPr>
           <p:cNvPr id="28" name="Shape 28"/>
-          <p:cNvSpPr txBox="1"/>
+          <p:cNvSpPr txBox="1">
+            <a:spLocks noGrp="1"/>
+          </p:cNvSpPr>
           <p:nvPr>
-            <p:ph idx="2" type="body"/>
+            <p:ph type="body" idx="2"/>
           </p:nvPr>
         </p:nvSpPr>
         <p:spPr>
@@ -3429,9 +3367,9 @@
           </a:prstGeom>
         </p:spPr>
         <p:txBody>
-          <a:bodyPr anchorCtr="0" anchor="t" bIns="91425" lIns="91425" spcFirstLastPara="1" rIns="91425" wrap="square" tIns="91425"/>
+          <a:bodyPr spcFirstLastPara="1" wrap="square" lIns="91425" tIns="91425" rIns="91425" bIns="91425" anchor="t" anchorCtr="0"/>
           <a:lstStyle>
-            <a:lvl1pPr indent="-317500" lvl="0" marL="457200">
+            <a:lvl1pPr marL="457200" lvl="0" indent="-317500">
               <a:spcBef>
                 <a:spcPts val="0"/>
               </a:spcBef>
@@ -3442,7 +3380,7 @@
               <a:buChar char="●"/>
               <a:defRPr sz="1400"/>
             </a:lvl1pPr>
-            <a:lvl2pPr indent="-304800" lvl="1" marL="914400">
+            <a:lvl2pPr marL="914400" lvl="1" indent="-304800">
               <a:spcBef>
                 <a:spcPts val="1600"/>
               </a:spcBef>
@@ -3453,7 +3391,7 @@
               <a:buChar char="○"/>
               <a:defRPr sz="1200"/>
             </a:lvl2pPr>
-            <a:lvl3pPr indent="-304800" lvl="2" marL="1371600">
+            <a:lvl3pPr marL="1371600" lvl="2" indent="-304800">
               <a:spcBef>
                 <a:spcPts val="1600"/>
               </a:spcBef>
@@ -3464,7 +3402,7 @@
               <a:buChar char="■"/>
               <a:defRPr sz="1200"/>
             </a:lvl3pPr>
-            <a:lvl4pPr indent="-304800" lvl="3" marL="1828800">
+            <a:lvl4pPr marL="1828800" lvl="3" indent="-304800">
               <a:spcBef>
                 <a:spcPts val="1600"/>
               </a:spcBef>
@@ -3475,7 +3413,7 @@
               <a:buChar char="●"/>
               <a:defRPr sz="1200"/>
             </a:lvl4pPr>
-            <a:lvl5pPr indent="-304800" lvl="4" marL="2286000">
+            <a:lvl5pPr marL="2286000" lvl="4" indent="-304800">
               <a:spcBef>
                 <a:spcPts val="1600"/>
               </a:spcBef>
@@ -3486,7 +3424,7 @@
               <a:buChar char="○"/>
               <a:defRPr sz="1200"/>
             </a:lvl5pPr>
-            <a:lvl6pPr indent="-304800" lvl="5" marL="2743200">
+            <a:lvl6pPr marL="2743200" lvl="5" indent="-304800">
               <a:spcBef>
                 <a:spcPts val="1600"/>
               </a:spcBef>
@@ -3497,7 +3435,7 @@
               <a:buChar char="■"/>
               <a:defRPr sz="1200"/>
             </a:lvl6pPr>
-            <a:lvl7pPr indent="-304800" lvl="6" marL="3200400">
+            <a:lvl7pPr marL="3200400" lvl="6" indent="-304800">
               <a:spcBef>
                 <a:spcPts val="1600"/>
               </a:spcBef>
@@ -3508,7 +3446,7 @@
               <a:buChar char="●"/>
               <a:defRPr sz="1200"/>
             </a:lvl7pPr>
-            <a:lvl8pPr indent="-304800" lvl="7" marL="3657600">
+            <a:lvl8pPr marL="3657600" lvl="7" indent="-304800">
               <a:spcBef>
                 <a:spcPts val="1600"/>
               </a:spcBef>
@@ -3519,7 +3457,7 @@
               <a:buChar char="○"/>
               <a:defRPr sz="1200"/>
             </a:lvl8pPr>
-            <a:lvl9pPr indent="-304800" lvl="8" marL="4114800">
+            <a:lvl9pPr marL="4114800" lvl="8" indent="-304800">
               <a:spcBef>
                 <a:spcPts val="1600"/>
               </a:spcBef>
@@ -3531,15 +3469,19 @@
               <a:defRPr sz="1200"/>
             </a:lvl9pPr>
           </a:lstStyle>
-          <a:p/>
+          <a:p>
+            <a:endParaRPr/>
+          </a:p>
         </p:txBody>
       </p:sp>
       <p:sp>
         <p:nvSpPr>
           <p:cNvPr id="29" name="Shape 29"/>
-          <p:cNvSpPr txBox="1"/>
+          <p:cNvSpPr txBox="1">
+            <a:spLocks noGrp="1"/>
+          </p:cNvSpPr>
           <p:nvPr>
-            <p:ph idx="12" type="sldNum"/>
+            <p:ph type="sldNum" idx="12"/>
           </p:nvPr>
         </p:nvSpPr>
         <p:spPr>
@@ -3552,7 +3494,7 @@
           </a:prstGeom>
         </p:spPr>
         <p:txBody>
-          <a:bodyPr anchorCtr="0" anchor="ctr" bIns="91425" lIns="91425" spcFirstLastPara="1" rIns="91425" wrap="square" tIns="91425">
+          <a:bodyPr spcFirstLastPara="1" wrap="square" lIns="91425" tIns="91425" rIns="91425" bIns="91425" anchor="ctr" anchorCtr="0">
             <a:noAutofit/>
           </a:bodyPr>
           <a:lstStyle>
@@ -3594,7 +3536,7 @@
             </a:lvl9pPr>
           </a:lstStyle>
           <a:p>
-            <a:pPr indent="0" lvl="0" marL="0">
+            <a:pPr marL="0" lvl="0" indent="0">
               <a:spcBef>
                 <a:spcPts val="0"/>
               </a:spcBef>
@@ -3605,7 +3547,7 @@
             </a:pPr>
             <a:fld id="{00000000-1234-1234-1234-123412341234}" type="slidenum">
               <a:rPr lang="pt-BR"/>
-              <a:t>‹#›</a:t>
+              <a:t>‹nº›</a:t>
             </a:fld>
             <a:endParaRPr/>
           </a:p>
@@ -3620,11 +3562,11 @@
 </file>
 
 <file path=ppt/slideLayouts/slideLayout5.xml><?xml version="1.0" encoding="utf-8"?>
-<p:sldLayout xmlns:a="http://schemas.openxmlformats.org/drawingml/2006/main" xmlns:r="http://schemas.openxmlformats.org/officeDocument/2006/relationships" xmlns:mc="http://schemas.openxmlformats.org/markup-compatibility/2006" xmlns:mv="urn:schemas-microsoft-com:mac:vml" xmlns:p="http://schemas.openxmlformats.org/presentationml/2006/main" xmlns:c="http://schemas.openxmlformats.org/drawingml/2006/chart" xmlns:dgm="http://schemas.openxmlformats.org/drawingml/2006/diagram" xmlns:o="urn:schemas-microsoft-com:office:office" xmlns:v="urn:schemas-microsoft-com:vml" xmlns:pvml="urn:schemas-microsoft-com:office:powerpoint" xmlns:com="http://schemas.openxmlformats.org/drawingml/2006/compatibility" xmlns:p14="http://schemas.microsoft.com/office/powerpoint/2010/main" xmlns:p15="http://schemas.microsoft.com/office/powerpoint/2012/main" matchingName="Title only" type="titleOnly">
+<p:sldLayout xmlns:a="http://schemas.openxmlformats.org/drawingml/2006/main" xmlns:r="http://schemas.openxmlformats.org/officeDocument/2006/relationships" xmlns:p="http://schemas.openxmlformats.org/presentationml/2006/main" matchingName="Title only" type="titleOnly">
   <p:cSld name="TITLE_ONLY">
     <p:spTree>
       <p:nvGrpSpPr>
-        <p:cNvPr id="30" name="Shape 30"/>
+        <p:cNvPr id="1" name="Shape 30"/>
         <p:cNvGrpSpPr/>
         <p:nvPr/>
       </p:nvGrpSpPr>
@@ -3639,7 +3581,9 @@
       <p:sp>
         <p:nvSpPr>
           <p:cNvPr id="31" name="Shape 31"/>
-          <p:cNvSpPr txBox="1"/>
+          <p:cNvSpPr txBox="1">
+            <a:spLocks noGrp="1"/>
+          </p:cNvSpPr>
           <p:nvPr>
             <p:ph type="title"/>
           </p:nvPr>
@@ -3654,7 +3598,7 @@
           </a:prstGeom>
         </p:spPr>
         <p:txBody>
-          <a:bodyPr anchorCtr="0" anchor="b" bIns="91425" lIns="91425" spcFirstLastPara="1" rIns="91425" wrap="square" tIns="91425"/>
+          <a:bodyPr spcFirstLastPara="1" wrap="square" lIns="91425" tIns="91425" rIns="91425" bIns="91425" anchor="b" anchorCtr="0"/>
           <a:lstStyle>
             <a:lvl1pPr lvl="0">
               <a:spcBef>
@@ -3756,15 +3700,19 @@
               <a:defRPr/>
             </a:lvl9pPr>
           </a:lstStyle>
-          <a:p/>
+          <a:p>
+            <a:endParaRPr/>
+          </a:p>
         </p:txBody>
       </p:sp>
       <p:sp>
         <p:nvSpPr>
           <p:cNvPr id="32" name="Shape 32"/>
-          <p:cNvSpPr txBox="1"/>
+          <p:cNvSpPr txBox="1">
+            <a:spLocks noGrp="1"/>
+          </p:cNvSpPr>
           <p:nvPr>
-            <p:ph idx="12" type="sldNum"/>
+            <p:ph type="sldNum" idx="12"/>
           </p:nvPr>
         </p:nvSpPr>
         <p:spPr>
@@ -3777,7 +3725,7 @@
           </a:prstGeom>
         </p:spPr>
         <p:txBody>
-          <a:bodyPr anchorCtr="0" anchor="ctr" bIns="91425" lIns="91425" spcFirstLastPara="1" rIns="91425" wrap="square" tIns="91425">
+          <a:bodyPr spcFirstLastPara="1" wrap="square" lIns="91425" tIns="91425" rIns="91425" bIns="91425" anchor="ctr" anchorCtr="0">
             <a:noAutofit/>
           </a:bodyPr>
           <a:lstStyle>
@@ -3819,7 +3767,7 @@
             </a:lvl9pPr>
           </a:lstStyle>
           <a:p>
-            <a:pPr indent="0" lvl="0" marL="0">
+            <a:pPr marL="0" lvl="0" indent="0">
               <a:spcBef>
                 <a:spcPts val="0"/>
               </a:spcBef>
@@ -3830,7 +3778,7 @@
             </a:pPr>
             <a:fld id="{00000000-1234-1234-1234-123412341234}" type="slidenum">
               <a:rPr lang="pt-BR"/>
-              <a:t>‹#›</a:t>
+              <a:t>‹nº›</a:t>
             </a:fld>
             <a:endParaRPr/>
           </a:p>
@@ -3845,11 +3793,11 @@
 </file>
 
 <file path=ppt/slideLayouts/slideLayout6.xml><?xml version="1.0" encoding="utf-8"?>
-<p:sldLayout xmlns:a="http://schemas.openxmlformats.org/drawingml/2006/main" xmlns:r="http://schemas.openxmlformats.org/officeDocument/2006/relationships" xmlns:mc="http://schemas.openxmlformats.org/markup-compatibility/2006" xmlns:mv="urn:schemas-microsoft-com:mac:vml" xmlns:p="http://schemas.openxmlformats.org/presentationml/2006/main" xmlns:c="http://schemas.openxmlformats.org/drawingml/2006/chart" xmlns:dgm="http://schemas.openxmlformats.org/drawingml/2006/diagram" xmlns:o="urn:schemas-microsoft-com:office:office" xmlns:v="urn:schemas-microsoft-com:vml" xmlns:pvml="urn:schemas-microsoft-com:office:powerpoint" xmlns:com="http://schemas.openxmlformats.org/drawingml/2006/compatibility" xmlns:p14="http://schemas.microsoft.com/office/powerpoint/2010/main" xmlns:p15="http://schemas.microsoft.com/office/powerpoint/2012/main" matchingName="One column text">
+<p:sldLayout xmlns:a="http://schemas.openxmlformats.org/drawingml/2006/main" xmlns:r="http://schemas.openxmlformats.org/officeDocument/2006/relationships" xmlns:p="http://schemas.openxmlformats.org/presentationml/2006/main" matchingName="One column text">
   <p:cSld name="ONE_COLUMN_TEXT">
     <p:spTree>
       <p:nvGrpSpPr>
-        <p:cNvPr id="33" name="Shape 33"/>
+        <p:cNvPr id="1" name="Shape 33"/>
         <p:cNvGrpSpPr/>
         <p:nvPr/>
       </p:nvGrpSpPr>
@@ -3864,7 +3812,9 @@
       <p:sp>
         <p:nvSpPr>
           <p:cNvPr id="34" name="Shape 34"/>
-          <p:cNvSpPr txBox="1"/>
+          <p:cNvSpPr txBox="1">
+            <a:spLocks noGrp="1"/>
+          </p:cNvSpPr>
           <p:nvPr>
             <p:ph type="title"/>
           </p:nvPr>
@@ -3879,7 +3829,7 @@
           </a:prstGeom>
         </p:spPr>
         <p:txBody>
-          <a:bodyPr anchorCtr="0" anchor="b" bIns="91425" lIns="91425" spcFirstLastPara="1" rIns="91425" wrap="square" tIns="91425"/>
+          <a:bodyPr spcFirstLastPara="1" wrap="square" lIns="91425" tIns="91425" rIns="91425" bIns="91425" anchor="b" anchorCtr="0"/>
           <a:lstStyle>
             <a:lvl1pPr lvl="0">
               <a:spcBef>
@@ -3981,15 +3931,19 @@
               <a:defRPr sz="3000"/>
             </a:lvl9pPr>
           </a:lstStyle>
-          <a:p/>
+          <a:p>
+            <a:endParaRPr/>
+          </a:p>
         </p:txBody>
       </p:sp>
       <p:sp>
         <p:nvSpPr>
           <p:cNvPr id="35" name="Shape 35"/>
-          <p:cNvSpPr txBox="1"/>
+          <p:cNvSpPr txBox="1">
+            <a:spLocks noGrp="1"/>
+          </p:cNvSpPr>
           <p:nvPr>
-            <p:ph idx="1" type="body"/>
+            <p:ph type="body" idx="1"/>
           </p:nvPr>
         </p:nvSpPr>
         <p:spPr>
@@ -4002,9 +3956,9 @@
           </a:prstGeom>
         </p:spPr>
         <p:txBody>
-          <a:bodyPr anchorCtr="0" anchor="t" bIns="91425" lIns="91425" spcFirstLastPara="1" rIns="91425" wrap="square" tIns="91425"/>
+          <a:bodyPr spcFirstLastPara="1" wrap="square" lIns="91425" tIns="91425" rIns="91425" bIns="91425" anchor="t" anchorCtr="0"/>
           <a:lstStyle>
-            <a:lvl1pPr indent="-304800" lvl="0" marL="457200">
+            <a:lvl1pPr marL="457200" lvl="0" indent="-304800">
               <a:spcBef>
                 <a:spcPts val="0"/>
               </a:spcBef>
@@ -4015,7 +3969,7 @@
               <a:buChar char="●"/>
               <a:defRPr sz="1200"/>
             </a:lvl1pPr>
-            <a:lvl2pPr indent="-304800" lvl="1" marL="914400">
+            <a:lvl2pPr marL="914400" lvl="1" indent="-304800">
               <a:spcBef>
                 <a:spcPts val="1600"/>
               </a:spcBef>
@@ -4026,7 +3980,7 @@
               <a:buChar char="○"/>
               <a:defRPr sz="1200"/>
             </a:lvl2pPr>
-            <a:lvl3pPr indent="-304800" lvl="2" marL="1371600">
+            <a:lvl3pPr marL="1371600" lvl="2" indent="-304800">
               <a:spcBef>
                 <a:spcPts val="1600"/>
               </a:spcBef>
@@ -4037,7 +3991,7 @@
               <a:buChar char="■"/>
               <a:defRPr sz="1200"/>
             </a:lvl3pPr>
-            <a:lvl4pPr indent="-304800" lvl="3" marL="1828800">
+            <a:lvl4pPr marL="1828800" lvl="3" indent="-304800">
               <a:spcBef>
                 <a:spcPts val="1600"/>
               </a:spcBef>
@@ -4048,7 +4002,7 @@
               <a:buChar char="●"/>
               <a:defRPr sz="1200"/>
             </a:lvl4pPr>
-            <a:lvl5pPr indent="-304800" lvl="4" marL="2286000">
+            <a:lvl5pPr marL="2286000" lvl="4" indent="-304800">
               <a:spcBef>
                 <a:spcPts val="1600"/>
               </a:spcBef>
@@ -4059,7 +4013,7 @@
               <a:buChar char="○"/>
               <a:defRPr sz="1200"/>
             </a:lvl5pPr>
-            <a:lvl6pPr indent="-304800" lvl="5" marL="2743200">
+            <a:lvl6pPr marL="2743200" lvl="5" indent="-304800">
               <a:spcBef>
                 <a:spcPts val="1600"/>
               </a:spcBef>
@@ -4070,7 +4024,7 @@
               <a:buChar char="■"/>
               <a:defRPr sz="1200"/>
             </a:lvl6pPr>
-            <a:lvl7pPr indent="-304800" lvl="6" marL="3200400">
+            <a:lvl7pPr marL="3200400" lvl="6" indent="-304800">
               <a:spcBef>
                 <a:spcPts val="1600"/>
               </a:spcBef>
@@ -4081,7 +4035,7 @@
               <a:buChar char="●"/>
               <a:defRPr sz="1200"/>
             </a:lvl7pPr>
-            <a:lvl8pPr indent="-304800" lvl="7" marL="3657600">
+            <a:lvl8pPr marL="3657600" lvl="7" indent="-304800">
               <a:spcBef>
                 <a:spcPts val="1600"/>
               </a:spcBef>
@@ -4092,7 +4046,7 @@
               <a:buChar char="○"/>
               <a:defRPr sz="1200"/>
             </a:lvl8pPr>
-            <a:lvl9pPr indent="-304800" lvl="8" marL="4114800">
+            <a:lvl9pPr marL="4114800" lvl="8" indent="-304800">
               <a:spcBef>
                 <a:spcPts val="1600"/>
               </a:spcBef>
@@ -4104,15 +4058,19 @@
               <a:defRPr sz="1200"/>
             </a:lvl9pPr>
           </a:lstStyle>
-          <a:p/>
+          <a:p>
+            <a:endParaRPr/>
+          </a:p>
         </p:txBody>
       </p:sp>
       <p:sp>
         <p:nvSpPr>
           <p:cNvPr id="36" name="Shape 36"/>
-          <p:cNvSpPr txBox="1"/>
+          <p:cNvSpPr txBox="1">
+            <a:spLocks noGrp="1"/>
+          </p:cNvSpPr>
           <p:nvPr>
-            <p:ph idx="12" type="sldNum"/>
+            <p:ph type="sldNum" idx="12"/>
           </p:nvPr>
         </p:nvSpPr>
         <p:spPr>
@@ -4125,7 +4083,7 @@
           </a:prstGeom>
         </p:spPr>
         <p:txBody>
-          <a:bodyPr anchorCtr="0" anchor="ctr" bIns="91425" lIns="91425" spcFirstLastPara="1" rIns="91425" wrap="square" tIns="91425">
+          <a:bodyPr spcFirstLastPara="1" wrap="square" lIns="91425" tIns="91425" rIns="91425" bIns="91425" anchor="ctr" anchorCtr="0">
             <a:noAutofit/>
           </a:bodyPr>
           <a:lstStyle>
@@ -4167,7 +4125,7 @@
             </a:lvl9pPr>
           </a:lstStyle>
           <a:p>
-            <a:pPr indent="0" lvl="0" marL="0">
+            <a:pPr marL="0" lvl="0" indent="0">
               <a:spcBef>
                 <a:spcPts val="0"/>
               </a:spcBef>
@@ -4178,7 +4136,7 @@
             </a:pPr>
             <a:fld id="{00000000-1234-1234-1234-123412341234}" type="slidenum">
               <a:rPr lang="pt-BR"/>
-              <a:t>‹#›</a:t>
+              <a:t>‹nº›</a:t>
             </a:fld>
             <a:endParaRPr/>
           </a:p>
@@ -4193,11 +4151,11 @@
 </file>
 
 <file path=ppt/slideLayouts/slideLayout7.xml><?xml version="1.0" encoding="utf-8"?>
-<p:sldLayout xmlns:a="http://schemas.openxmlformats.org/drawingml/2006/main" xmlns:r="http://schemas.openxmlformats.org/officeDocument/2006/relationships" xmlns:mc="http://schemas.openxmlformats.org/markup-compatibility/2006" xmlns:mv="urn:schemas-microsoft-com:mac:vml" xmlns:p="http://schemas.openxmlformats.org/presentationml/2006/main" xmlns:c="http://schemas.openxmlformats.org/drawingml/2006/chart" xmlns:dgm="http://schemas.openxmlformats.org/drawingml/2006/diagram" xmlns:o="urn:schemas-microsoft-com:office:office" xmlns:v="urn:schemas-microsoft-com:vml" xmlns:pvml="urn:schemas-microsoft-com:office:powerpoint" xmlns:com="http://schemas.openxmlformats.org/drawingml/2006/compatibility" xmlns:p14="http://schemas.microsoft.com/office/powerpoint/2010/main" xmlns:p15="http://schemas.microsoft.com/office/powerpoint/2012/main" matchingName="Main point">
+<p:sldLayout xmlns:a="http://schemas.openxmlformats.org/drawingml/2006/main" xmlns:r="http://schemas.openxmlformats.org/officeDocument/2006/relationships" xmlns:p="http://schemas.openxmlformats.org/presentationml/2006/main" matchingName="Main point">
   <p:cSld name="MAIN_POINT">
     <p:spTree>
       <p:nvGrpSpPr>
-        <p:cNvPr id="37" name="Shape 37"/>
+        <p:cNvPr id="1" name="Shape 37"/>
         <p:cNvGrpSpPr/>
         <p:nvPr/>
       </p:nvGrpSpPr>
@@ -4231,12 +4189,12 @@
           </a:ln>
         </p:spPr>
         <p:txBody>
-          <a:bodyPr anchorCtr="0" anchor="ctr" bIns="91425" lIns="91425" spcFirstLastPara="1" rIns="91425" wrap="square" tIns="91425">
+          <a:bodyPr spcFirstLastPara="1" wrap="square" lIns="91425" tIns="91425" rIns="91425" bIns="91425" anchor="ctr" anchorCtr="0">
             <a:noAutofit/>
           </a:bodyPr>
           <a:lstStyle/>
           <a:p>
-            <a:pPr indent="0" lvl="0" marL="0">
+            <a:pPr marL="0" lvl="0" indent="0">
               <a:spcBef>
                 <a:spcPts val="0"/>
               </a:spcBef>
@@ -4245,9 +4203,6 @@
               </a:spcAft>
               <a:buNone/>
             </a:pPr>
-            <a:r>
-              <a:t/>
-            </a:r>
             <a:endParaRPr/>
           </a:p>
         </p:txBody>
@@ -4255,7 +4210,9 @@
       <p:sp>
         <p:nvSpPr>
           <p:cNvPr id="39" name="Shape 39"/>
-          <p:cNvSpPr txBox="1"/>
+          <p:cNvSpPr txBox="1">
+            <a:spLocks noGrp="1"/>
+          </p:cNvSpPr>
           <p:nvPr>
             <p:ph type="title"/>
           </p:nvPr>
@@ -4270,7 +4227,7 @@
           </a:prstGeom>
         </p:spPr>
         <p:txBody>
-          <a:bodyPr anchorCtr="0" anchor="ctr" bIns="91425" lIns="91425" spcFirstLastPara="1" rIns="91425" wrap="square" tIns="91425"/>
+          <a:bodyPr spcFirstLastPara="1" wrap="square" lIns="91425" tIns="91425" rIns="91425" bIns="91425" anchor="ctr" anchorCtr="0"/>
           <a:lstStyle>
             <a:lvl1pPr lvl="0">
               <a:spcBef>
@@ -4372,15 +4329,19 @@
               <a:defRPr sz="4800"/>
             </a:lvl9pPr>
           </a:lstStyle>
-          <a:p/>
+          <a:p>
+            <a:endParaRPr/>
+          </a:p>
         </p:txBody>
       </p:sp>
       <p:sp>
         <p:nvSpPr>
           <p:cNvPr id="40" name="Shape 40"/>
-          <p:cNvSpPr txBox="1"/>
+          <p:cNvSpPr txBox="1">
+            <a:spLocks noGrp="1"/>
+          </p:cNvSpPr>
           <p:nvPr>
-            <p:ph idx="12" type="sldNum"/>
+            <p:ph type="sldNum" idx="12"/>
           </p:nvPr>
         </p:nvSpPr>
         <p:spPr>
@@ -4393,7 +4354,7 @@
           </a:prstGeom>
         </p:spPr>
         <p:txBody>
-          <a:bodyPr anchorCtr="0" anchor="ctr" bIns="91425" lIns="91425" spcFirstLastPara="1" rIns="91425" wrap="square" tIns="91425">
+          <a:bodyPr spcFirstLastPara="1" wrap="square" lIns="91425" tIns="91425" rIns="91425" bIns="91425" anchor="ctr" anchorCtr="0">
             <a:noAutofit/>
           </a:bodyPr>
           <a:lstStyle>
@@ -4435,7 +4396,7 @@
             </a:lvl9pPr>
           </a:lstStyle>
           <a:p>
-            <a:pPr indent="0" lvl="0" marL="0">
+            <a:pPr marL="0" lvl="0" indent="0">
               <a:spcBef>
                 <a:spcPts val="0"/>
               </a:spcBef>
@@ -4446,7 +4407,7 @@
             </a:pPr>
             <a:fld id="{00000000-1234-1234-1234-123412341234}" type="slidenum">
               <a:rPr lang="pt-BR"/>
-              <a:t>‹#›</a:t>
+              <a:t>‹nº›</a:t>
             </a:fld>
             <a:endParaRPr/>
           </a:p>
@@ -4461,11 +4422,11 @@
 </file>
 
 <file path=ppt/slideLayouts/slideLayout8.xml><?xml version="1.0" encoding="utf-8"?>
-<p:sldLayout xmlns:a="http://schemas.openxmlformats.org/drawingml/2006/main" xmlns:r="http://schemas.openxmlformats.org/officeDocument/2006/relationships" xmlns:mc="http://schemas.openxmlformats.org/markup-compatibility/2006" xmlns:mv="urn:schemas-microsoft-com:mac:vml" xmlns:p="http://schemas.openxmlformats.org/presentationml/2006/main" xmlns:c="http://schemas.openxmlformats.org/drawingml/2006/chart" xmlns:dgm="http://schemas.openxmlformats.org/drawingml/2006/diagram" xmlns:o="urn:schemas-microsoft-com:office:office" xmlns:v="urn:schemas-microsoft-com:vml" xmlns:pvml="urn:schemas-microsoft-com:office:powerpoint" xmlns:com="http://schemas.openxmlformats.org/drawingml/2006/compatibility" xmlns:p14="http://schemas.microsoft.com/office/powerpoint/2010/main" xmlns:p15="http://schemas.microsoft.com/office/powerpoint/2012/main" matchingName="Section title and description">
+<p:sldLayout xmlns:a="http://schemas.openxmlformats.org/drawingml/2006/main" xmlns:r="http://schemas.openxmlformats.org/officeDocument/2006/relationships" xmlns:p="http://schemas.openxmlformats.org/presentationml/2006/main" matchingName="Section title and description">
   <p:cSld name="SECTION_TITLE_AND_DESCRIPTION">
     <p:spTree>
       <p:nvGrpSpPr>
-        <p:cNvPr id="41" name="Shape 41"/>
+        <p:cNvPr id="1" name="Shape 41"/>
         <p:cNvGrpSpPr/>
         <p:nvPr/>
       </p:nvGrpSpPr>
@@ -4499,12 +4460,12 @@
           </a:ln>
         </p:spPr>
         <p:txBody>
-          <a:bodyPr anchorCtr="0" anchor="ctr" bIns="91425" lIns="91425" spcFirstLastPara="1" rIns="91425" wrap="square" tIns="91425">
+          <a:bodyPr spcFirstLastPara="1" wrap="square" lIns="91425" tIns="91425" rIns="91425" bIns="91425" anchor="ctr" anchorCtr="0">
             <a:noAutofit/>
           </a:bodyPr>
           <a:lstStyle/>
           <a:p>
-            <a:pPr indent="0" lvl="0" marL="0">
+            <a:pPr marL="0" lvl="0" indent="0">
               <a:spcBef>
                 <a:spcPts val="0"/>
               </a:spcBef>
@@ -4513,9 +4474,6 @@
               </a:spcAft>
               <a:buNone/>
             </a:pPr>
-            <a:r>
-              <a:t/>
-            </a:r>
             <a:endParaRPr/>
           </a:p>
         </p:txBody>
@@ -4535,21 +4493,23 @@
             <a:avLst/>
           </a:prstGeom>
           <a:noFill/>
-          <a:ln cap="flat" cmpd="sng" w="19050">
+          <a:ln w="19050" cap="flat" cmpd="sng">
             <a:solidFill>
               <a:schemeClr val="lt1"/>
             </a:solidFill>
             <a:prstDash val="solid"/>
             <a:round/>
-            <a:headEnd len="sm" w="sm" type="none"/>
-            <a:tailEnd len="sm" w="sm" type="none"/>
+            <a:headEnd type="none" w="sm" len="sm"/>
+            <a:tailEnd type="none" w="sm" len="sm"/>
           </a:ln>
         </p:spPr>
       </p:cxnSp>
       <p:sp>
         <p:nvSpPr>
           <p:cNvPr id="44" name="Shape 44"/>
-          <p:cNvSpPr txBox="1"/>
+          <p:cNvSpPr txBox="1">
+            <a:spLocks noGrp="1"/>
+          </p:cNvSpPr>
           <p:nvPr>
             <p:ph type="title"/>
           </p:nvPr>
@@ -4564,7 +4524,7 @@
           </a:prstGeom>
         </p:spPr>
         <p:txBody>
-          <a:bodyPr anchorCtr="0" anchor="b" bIns="91425" lIns="91425" spcFirstLastPara="1" rIns="91425" wrap="square" tIns="91425"/>
+          <a:bodyPr spcFirstLastPara="1" wrap="square" lIns="91425" tIns="91425" rIns="91425" bIns="91425" anchor="b" anchorCtr="0"/>
           <a:lstStyle>
             <a:lvl1pPr lvl="0" algn="ctr">
               <a:spcBef>
@@ -4729,15 +4689,19 @@
               </a:defRPr>
             </a:lvl9pPr>
           </a:lstStyle>
-          <a:p/>
+          <a:p>
+            <a:endParaRPr/>
+          </a:p>
         </p:txBody>
       </p:sp>
       <p:sp>
         <p:nvSpPr>
           <p:cNvPr id="45" name="Shape 45"/>
-          <p:cNvSpPr txBox="1"/>
+          <p:cNvSpPr txBox="1">
+            <a:spLocks noGrp="1"/>
+          </p:cNvSpPr>
           <p:nvPr>
-            <p:ph idx="1" type="subTitle"/>
+            <p:ph type="subTitle" idx="1"/>
           </p:nvPr>
         </p:nvSpPr>
         <p:spPr>
@@ -4750,7 +4714,7 @@
           </a:prstGeom>
         </p:spPr>
         <p:txBody>
-          <a:bodyPr anchorCtr="0" anchor="t" bIns="91425" lIns="91425" spcFirstLastPara="1" rIns="91425" wrap="square" tIns="91425"/>
+          <a:bodyPr spcFirstLastPara="1" wrap="square" lIns="91425" tIns="91425" rIns="91425" bIns="91425" anchor="t" anchorCtr="0"/>
           <a:lstStyle>
             <a:lvl1pPr lvl="0" algn="ctr">
               <a:lnSpc>
@@ -4933,15 +4897,19 @@
               </a:defRPr>
             </a:lvl9pPr>
           </a:lstStyle>
-          <a:p/>
+          <a:p>
+            <a:endParaRPr/>
+          </a:p>
         </p:txBody>
       </p:sp>
       <p:sp>
         <p:nvSpPr>
           <p:cNvPr id="46" name="Shape 46"/>
-          <p:cNvSpPr txBox="1"/>
+          <p:cNvSpPr txBox="1">
+            <a:spLocks noGrp="1"/>
+          </p:cNvSpPr>
           <p:nvPr>
-            <p:ph idx="2" type="body"/>
+            <p:ph type="body" idx="2"/>
           </p:nvPr>
         </p:nvSpPr>
         <p:spPr>
@@ -4954,9 +4922,9 @@
           </a:prstGeom>
         </p:spPr>
         <p:txBody>
-          <a:bodyPr anchorCtr="0" anchor="ctr" bIns="91425" lIns="91425" spcFirstLastPara="1" rIns="91425" wrap="square" tIns="91425"/>
+          <a:bodyPr spcFirstLastPara="1" wrap="square" lIns="91425" tIns="91425" rIns="91425" bIns="91425" anchor="ctr" anchorCtr="0"/>
           <a:lstStyle>
-            <a:lvl1pPr indent="-342900" lvl="0" marL="457200">
+            <a:lvl1pPr marL="457200" lvl="0" indent="-342900">
               <a:spcBef>
                 <a:spcPts val="0"/>
               </a:spcBef>
@@ -4974,7 +4942,7 @@
                 </a:solidFill>
               </a:defRPr>
             </a:lvl1pPr>
-            <a:lvl2pPr indent="-317500" lvl="1" marL="914400">
+            <a:lvl2pPr marL="914400" lvl="1" indent="-317500">
               <a:spcBef>
                 <a:spcPts val="1600"/>
               </a:spcBef>
@@ -4992,7 +4960,7 @@
                 </a:solidFill>
               </a:defRPr>
             </a:lvl2pPr>
-            <a:lvl3pPr indent="-317500" lvl="2" marL="1371600">
+            <a:lvl3pPr marL="1371600" lvl="2" indent="-317500">
               <a:spcBef>
                 <a:spcPts val="1600"/>
               </a:spcBef>
@@ -5010,7 +4978,7 @@
                 </a:solidFill>
               </a:defRPr>
             </a:lvl3pPr>
-            <a:lvl4pPr indent="-317500" lvl="3" marL="1828800">
+            <a:lvl4pPr marL="1828800" lvl="3" indent="-317500">
               <a:spcBef>
                 <a:spcPts val="1600"/>
               </a:spcBef>
@@ -5028,7 +4996,7 @@
                 </a:solidFill>
               </a:defRPr>
             </a:lvl4pPr>
-            <a:lvl5pPr indent="-317500" lvl="4" marL="2286000">
+            <a:lvl5pPr marL="2286000" lvl="4" indent="-317500">
               <a:spcBef>
                 <a:spcPts val="1600"/>
               </a:spcBef>
@@ -5046,7 +5014,7 @@
                 </a:solidFill>
               </a:defRPr>
             </a:lvl5pPr>
-            <a:lvl6pPr indent="-317500" lvl="5" marL="2743200">
+            <a:lvl6pPr marL="2743200" lvl="5" indent="-317500">
               <a:spcBef>
                 <a:spcPts val="1600"/>
               </a:spcBef>
@@ -5064,7 +5032,7 @@
                 </a:solidFill>
               </a:defRPr>
             </a:lvl6pPr>
-            <a:lvl7pPr indent="-317500" lvl="6" marL="3200400">
+            <a:lvl7pPr marL="3200400" lvl="6" indent="-317500">
               <a:spcBef>
                 <a:spcPts val="1600"/>
               </a:spcBef>
@@ -5082,7 +5050,7 @@
                 </a:solidFill>
               </a:defRPr>
             </a:lvl7pPr>
-            <a:lvl8pPr indent="-317500" lvl="7" marL="3657600">
+            <a:lvl8pPr marL="3657600" lvl="7" indent="-317500">
               <a:spcBef>
                 <a:spcPts val="1600"/>
               </a:spcBef>
@@ -5100,7 +5068,7 @@
                 </a:solidFill>
               </a:defRPr>
             </a:lvl8pPr>
-            <a:lvl9pPr indent="-317500" lvl="8" marL="4114800">
+            <a:lvl9pPr marL="4114800" lvl="8" indent="-317500">
               <a:spcBef>
                 <a:spcPts val="1600"/>
               </a:spcBef>
@@ -5119,15 +5087,19 @@
               </a:defRPr>
             </a:lvl9pPr>
           </a:lstStyle>
-          <a:p/>
+          <a:p>
+            <a:endParaRPr/>
+          </a:p>
         </p:txBody>
       </p:sp>
       <p:sp>
         <p:nvSpPr>
           <p:cNvPr id="47" name="Shape 47"/>
-          <p:cNvSpPr txBox="1"/>
+          <p:cNvSpPr txBox="1">
+            <a:spLocks noGrp="1"/>
+          </p:cNvSpPr>
           <p:nvPr>
-            <p:ph idx="12" type="sldNum"/>
+            <p:ph type="sldNum" idx="12"/>
           </p:nvPr>
         </p:nvSpPr>
         <p:spPr>
@@ -5140,7 +5112,7 @@
           </a:prstGeom>
         </p:spPr>
         <p:txBody>
-          <a:bodyPr anchorCtr="0" anchor="ctr" bIns="91425" lIns="91425" spcFirstLastPara="1" rIns="91425" wrap="square" tIns="91425">
+          <a:bodyPr spcFirstLastPara="1" wrap="square" lIns="91425" tIns="91425" rIns="91425" bIns="91425" anchor="ctr" anchorCtr="0">
             <a:noAutofit/>
           </a:bodyPr>
           <a:lstStyle>
@@ -5218,7 +5190,7 @@
             </a:lvl9pPr>
           </a:lstStyle>
           <a:p>
-            <a:pPr indent="0" lvl="0" marL="0">
+            <a:pPr marL="0" lvl="0" indent="0">
               <a:spcBef>
                 <a:spcPts val="0"/>
               </a:spcBef>
@@ -5229,7 +5201,7 @@
             </a:pPr>
             <a:fld id="{00000000-1234-1234-1234-123412341234}" type="slidenum">
               <a:rPr lang="pt-BR"/>
-              <a:t>‹#›</a:t>
+              <a:t>‹nº›</a:t>
             </a:fld>
             <a:endParaRPr/>
           </a:p>
@@ -5244,11 +5216,11 @@
 </file>
 
 <file path=ppt/slideLayouts/slideLayout9.xml><?xml version="1.0" encoding="utf-8"?>
-<p:sldLayout xmlns:a="http://schemas.openxmlformats.org/drawingml/2006/main" xmlns:r="http://schemas.openxmlformats.org/officeDocument/2006/relationships" xmlns:mc="http://schemas.openxmlformats.org/markup-compatibility/2006" xmlns:mv="urn:schemas-microsoft-com:mac:vml" xmlns:p="http://schemas.openxmlformats.org/presentationml/2006/main" xmlns:c="http://schemas.openxmlformats.org/drawingml/2006/chart" xmlns:dgm="http://schemas.openxmlformats.org/drawingml/2006/diagram" xmlns:o="urn:schemas-microsoft-com:office:office" xmlns:v="urn:schemas-microsoft-com:vml" xmlns:pvml="urn:schemas-microsoft-com:office:powerpoint" xmlns:com="http://schemas.openxmlformats.org/drawingml/2006/compatibility" xmlns:p14="http://schemas.microsoft.com/office/powerpoint/2010/main" xmlns:p15="http://schemas.microsoft.com/office/powerpoint/2012/main" matchingName="Caption">
+<p:sldLayout xmlns:a="http://schemas.openxmlformats.org/drawingml/2006/main" xmlns:r="http://schemas.openxmlformats.org/officeDocument/2006/relationships" xmlns:p="http://schemas.openxmlformats.org/presentationml/2006/main" matchingName="Caption">
   <p:cSld name="CAPTION_ONLY">
     <p:spTree>
       <p:nvGrpSpPr>
-        <p:cNvPr id="48" name="Shape 48"/>
+        <p:cNvPr id="1" name="Shape 48"/>
         <p:cNvGrpSpPr/>
         <p:nvPr/>
       </p:nvGrpSpPr>
@@ -5263,9 +5235,11 @@
       <p:sp>
         <p:nvSpPr>
           <p:cNvPr id="49" name="Shape 49"/>
-          <p:cNvSpPr txBox="1"/>
+          <p:cNvSpPr txBox="1">
+            <a:spLocks noGrp="1"/>
+          </p:cNvSpPr>
           <p:nvPr>
-            <p:ph idx="1" type="body"/>
+            <p:ph type="body" idx="1"/>
           </p:nvPr>
         </p:nvSpPr>
         <p:spPr>
@@ -5278,9 +5252,9 @@
           </a:prstGeom>
         </p:spPr>
         <p:txBody>
-          <a:bodyPr anchorCtr="0" anchor="ctr" bIns="91425" lIns="91425" spcFirstLastPara="1" rIns="91425" wrap="square" tIns="91425"/>
+          <a:bodyPr spcFirstLastPara="1" wrap="square" lIns="91425" tIns="91425" rIns="91425" bIns="91425" anchor="ctr" anchorCtr="0"/>
           <a:lstStyle>
-            <a:lvl1pPr indent="-228600" lvl="0" marL="457200">
+            <a:lvl1pPr marL="457200" lvl="0" indent="-228600">
               <a:lnSpc>
                 <a:spcPct val="100000"/>
               </a:lnSpc>
@@ -5301,15 +5275,19 @@
               </a:defRPr>
             </a:lvl1pPr>
           </a:lstStyle>
-          <a:p/>
+          <a:p>
+            <a:endParaRPr/>
+          </a:p>
         </p:txBody>
       </p:sp>
       <p:sp>
         <p:nvSpPr>
           <p:cNvPr id="50" name="Shape 50"/>
-          <p:cNvSpPr txBox="1"/>
+          <p:cNvSpPr txBox="1">
+            <a:spLocks noGrp="1"/>
+          </p:cNvSpPr>
           <p:nvPr>
-            <p:ph idx="12" type="sldNum"/>
+            <p:ph type="sldNum" idx="12"/>
           </p:nvPr>
         </p:nvSpPr>
         <p:spPr>
@@ -5322,7 +5300,7 @@
           </a:prstGeom>
         </p:spPr>
         <p:txBody>
-          <a:bodyPr anchorCtr="0" anchor="ctr" bIns="91425" lIns="91425" spcFirstLastPara="1" rIns="91425" wrap="square" tIns="91425">
+          <a:bodyPr spcFirstLastPara="1" wrap="square" lIns="91425" tIns="91425" rIns="91425" bIns="91425" anchor="ctr" anchorCtr="0">
             <a:noAutofit/>
           </a:bodyPr>
           <a:lstStyle>
@@ -5364,7 +5342,7 @@
             </a:lvl9pPr>
           </a:lstStyle>
           <a:p>
-            <a:pPr indent="0" lvl="0" marL="0">
+            <a:pPr marL="0" lvl="0" indent="0">
               <a:spcBef>
                 <a:spcPts val="0"/>
               </a:spcBef>
@@ -5375,7 +5353,7 @@
             </a:pPr>
             <a:fld id="{00000000-1234-1234-1234-123412341234}" type="slidenum">
               <a:rPr lang="pt-BR"/>
-              <a:t>‹#›</a:t>
+              <a:t>‹nº›</a:t>
             </a:fld>
             <a:endParaRPr/>
           </a:p>
@@ -5390,18 +5368,19 @@
 </file>
 
 <file path=ppt/slideMasters/slideMaster1.xml><?xml version="1.0" encoding="utf-8"?>
-<p:sldMaster xmlns:a="http://schemas.openxmlformats.org/drawingml/2006/main" xmlns:r="http://schemas.openxmlformats.org/officeDocument/2006/relationships" xmlns:mc="http://schemas.openxmlformats.org/markup-compatibility/2006" xmlns:mv="urn:schemas-microsoft-com:mac:vml" xmlns:p="http://schemas.openxmlformats.org/presentationml/2006/main" xmlns:c="http://schemas.openxmlformats.org/drawingml/2006/chart" xmlns:dgm="http://schemas.openxmlformats.org/drawingml/2006/diagram" xmlns:o="urn:schemas-microsoft-com:office:office" xmlns:v="urn:schemas-microsoft-com:vml" xmlns:pvml="urn:schemas-microsoft-com:office:powerpoint" xmlns:com="http://schemas.openxmlformats.org/drawingml/2006/compatibility" xmlns:p14="http://schemas.microsoft.com/office/powerpoint/2010/main" xmlns:p15="http://schemas.microsoft.com/office/powerpoint/2012/main">
+<p:sldMaster xmlns:a="http://schemas.openxmlformats.org/drawingml/2006/main" xmlns:r="http://schemas.openxmlformats.org/officeDocument/2006/relationships" xmlns:p="http://schemas.openxmlformats.org/presentationml/2006/main">
   <p:cSld name="luxe">
     <p:bg>
       <p:bgPr>
         <a:solidFill>
           <a:schemeClr val="lt1"/>
         </a:solidFill>
+        <a:effectLst/>
       </p:bgPr>
     </p:bg>
     <p:spTree>
       <p:nvGrpSpPr>
-        <p:cNvPr id="5" name="Shape 5"/>
+        <p:cNvPr id="1" name="Shape 5"/>
         <p:cNvGrpSpPr/>
         <p:nvPr/>
       </p:nvGrpSpPr>
@@ -5416,7 +5395,9 @@
       <p:sp>
         <p:nvSpPr>
           <p:cNvPr id="6" name="Shape 6"/>
-          <p:cNvSpPr txBox="1"/>
+          <p:cNvSpPr txBox="1">
+            <a:spLocks noGrp="1"/>
+          </p:cNvSpPr>
           <p:nvPr>
             <p:ph type="title"/>
           </p:nvPr>
@@ -5435,7 +5416,7 @@
           </a:ln>
         </p:spPr>
         <p:txBody>
-          <a:bodyPr anchorCtr="0" anchor="b" bIns="91425" lIns="91425" spcFirstLastPara="1" rIns="91425" wrap="square" tIns="91425"/>
+          <a:bodyPr spcFirstLastPara="1" wrap="square" lIns="91425" tIns="91425" rIns="91425" bIns="91425" anchor="b" anchorCtr="0"/>
           <a:lstStyle>
             <a:lvl1pPr lvl="0">
               <a:spcBef>
@@ -5645,15 +5626,19 @@
               </a:defRPr>
             </a:lvl9pPr>
           </a:lstStyle>
-          <a:p/>
+          <a:p>
+            <a:endParaRPr/>
+          </a:p>
         </p:txBody>
       </p:sp>
       <p:sp>
         <p:nvSpPr>
           <p:cNvPr id="7" name="Shape 7"/>
-          <p:cNvSpPr txBox="1"/>
+          <p:cNvSpPr txBox="1">
+            <a:spLocks noGrp="1"/>
+          </p:cNvSpPr>
           <p:nvPr>
-            <p:ph idx="1" type="body"/>
+            <p:ph type="body" idx="1"/>
           </p:nvPr>
         </p:nvSpPr>
         <p:spPr>
@@ -5670,9 +5655,9 @@
           </a:ln>
         </p:spPr>
         <p:txBody>
-          <a:bodyPr anchorCtr="0" anchor="t" bIns="91425" lIns="91425" spcFirstLastPara="1" rIns="91425" wrap="square" tIns="91425"/>
+          <a:bodyPr spcFirstLastPara="1" wrap="square" lIns="91425" tIns="91425" rIns="91425" bIns="91425" anchor="t" anchorCtr="0"/>
           <a:lstStyle>
-            <a:lvl1pPr indent="-342900" lvl="0" marL="457200">
+            <a:lvl1pPr marL="457200" lvl="0" indent="-342900">
               <a:lnSpc>
                 <a:spcPct val="115000"/>
               </a:lnSpc>
@@ -5698,7 +5683,7 @@
                 <a:sym typeface="Open Sans"/>
               </a:defRPr>
             </a:lvl1pPr>
-            <a:lvl2pPr indent="-317500" lvl="1" marL="914400">
+            <a:lvl2pPr marL="914400" lvl="1" indent="-317500">
               <a:lnSpc>
                 <a:spcPct val="115000"/>
               </a:lnSpc>
@@ -5724,7 +5709,7 @@
                 <a:sym typeface="Open Sans"/>
               </a:defRPr>
             </a:lvl2pPr>
-            <a:lvl3pPr indent="-317500" lvl="2" marL="1371600">
+            <a:lvl3pPr marL="1371600" lvl="2" indent="-317500">
               <a:lnSpc>
                 <a:spcPct val="115000"/>
               </a:lnSpc>
@@ -5750,7 +5735,7 @@
                 <a:sym typeface="Open Sans"/>
               </a:defRPr>
             </a:lvl3pPr>
-            <a:lvl4pPr indent="-317500" lvl="3" marL="1828800">
+            <a:lvl4pPr marL="1828800" lvl="3" indent="-317500">
               <a:lnSpc>
                 <a:spcPct val="115000"/>
               </a:lnSpc>
@@ -5776,7 +5761,7 @@
                 <a:sym typeface="Open Sans"/>
               </a:defRPr>
             </a:lvl4pPr>
-            <a:lvl5pPr indent="-317500" lvl="4" marL="2286000">
+            <a:lvl5pPr marL="2286000" lvl="4" indent="-317500">
               <a:lnSpc>
                 <a:spcPct val="115000"/>
               </a:lnSpc>
@@ -5802,7 +5787,7 @@
                 <a:sym typeface="Open Sans"/>
               </a:defRPr>
             </a:lvl5pPr>
-            <a:lvl6pPr indent="-317500" lvl="5" marL="2743200">
+            <a:lvl6pPr marL="2743200" lvl="5" indent="-317500">
               <a:lnSpc>
                 <a:spcPct val="115000"/>
               </a:lnSpc>
@@ -5828,7 +5813,7 @@
                 <a:sym typeface="Open Sans"/>
               </a:defRPr>
             </a:lvl6pPr>
-            <a:lvl7pPr indent="-317500" lvl="6" marL="3200400">
+            <a:lvl7pPr marL="3200400" lvl="6" indent="-317500">
               <a:lnSpc>
                 <a:spcPct val="115000"/>
               </a:lnSpc>
@@ -5854,7 +5839,7 @@
                 <a:sym typeface="Open Sans"/>
               </a:defRPr>
             </a:lvl7pPr>
-            <a:lvl8pPr indent="-317500" lvl="7" marL="3657600">
+            <a:lvl8pPr marL="3657600" lvl="7" indent="-317500">
               <a:lnSpc>
                 <a:spcPct val="115000"/>
               </a:lnSpc>
@@ -5880,7 +5865,7 @@
                 <a:sym typeface="Open Sans"/>
               </a:defRPr>
             </a:lvl8pPr>
-            <a:lvl9pPr indent="-317500" lvl="8" marL="4114800">
+            <a:lvl9pPr marL="4114800" lvl="8" indent="-317500">
               <a:lnSpc>
                 <a:spcPct val="115000"/>
               </a:lnSpc>
@@ -5907,15 +5892,19 @@
               </a:defRPr>
             </a:lvl9pPr>
           </a:lstStyle>
-          <a:p/>
+          <a:p>
+            <a:endParaRPr/>
+          </a:p>
         </p:txBody>
       </p:sp>
       <p:sp>
         <p:nvSpPr>
           <p:cNvPr id="8" name="Shape 8"/>
-          <p:cNvSpPr txBox="1"/>
+          <p:cNvSpPr txBox="1">
+            <a:spLocks noGrp="1"/>
+          </p:cNvSpPr>
           <p:nvPr>
-            <p:ph idx="12" type="sldNum"/>
+            <p:ph type="sldNum" idx="12"/>
           </p:nvPr>
         </p:nvSpPr>
         <p:spPr>
@@ -5932,7 +5921,7 @@
           </a:ln>
         </p:spPr>
         <p:txBody>
-          <a:bodyPr anchorCtr="0" anchor="ctr" bIns="91425" lIns="91425" spcFirstLastPara="1" rIns="91425" wrap="square" tIns="91425">
+          <a:bodyPr spcFirstLastPara="1" wrap="square" lIns="91425" tIns="91425" rIns="91425" bIns="91425" anchor="ctr" anchorCtr="0">
             <a:noAutofit/>
           </a:bodyPr>
           <a:lstStyle>
@@ -6046,7 +6035,7 @@
             </a:lvl9pPr>
           </a:lstStyle>
           <a:p>
-            <a:pPr indent="0" lvl="0" marL="0">
+            <a:pPr marL="0" lvl="0" indent="0">
               <a:spcBef>
                 <a:spcPts val="0"/>
               </a:spcBef>
@@ -6057,7 +6046,7 @@
             </a:pPr>
             <a:fld id="{00000000-1234-1234-1234-123412341234}" type="slidenum">
               <a:rPr lang="pt-BR"/>
-              <a:t>‹#›</a:t>
+              <a:t>‹nº›</a:t>
             </a:fld>
             <a:endParaRPr/>
           </a:p>
@@ -6065,7 +6054,7 @@
       </p:sp>
     </p:spTree>
   </p:cSld>
-  <p:clrMap accent1="accent1" accent2="accent2" accent3="accent3" accent4="accent4" accent5="accent5" accent6="accent6" bg1="lt1" bg2="dk2" tx1="dk1" tx2="lt2" folHlink="folHlink" hlink="hlink"/>
+  <p:clrMap bg1="lt1" tx1="dk1" bg2="dk2" tx2="lt2" accent1="accent1" accent2="accent2" accent3="accent3" accent4="accent4" accent5="accent5" accent6="accent6" hlink="hlink" folHlink="folHlink"/>
   <p:sldLayoutIdLst>
     <p:sldLayoutId id="2147483648" r:id="rId1"/>
     <p:sldLayoutId id="2147483649" r:id="rId2"/>
@@ -6079,10 +6068,10 @@
     <p:sldLayoutId id="2147483657" r:id="rId10"/>
     <p:sldLayoutId id="2147483658" r:id="rId11"/>
   </p:sldLayoutIdLst>
-  <p:hf dt="0" ftr="0" hdr="0" sldNum="0"/>
+  <p:hf sldNum="0" hdr="0" ftr="0" dt="0"/>
   <p:txStyles>
     <p:titleStyle>
-      <a:defPPr lvl="0" marR="0" rtl="0" algn="l">
+      <a:defPPr marR="0" lvl="0" algn="l" rtl="0">
         <a:lnSpc>
           <a:spcPct val="100000"/>
         </a:lnSpc>
@@ -6093,7 +6082,7 @@
           <a:spcPts val="0"/>
         </a:spcAft>
       </a:defPPr>
-      <a:lvl1pPr lvl="0" marR="0" rtl="0" algn="l">
+      <a:lvl1pPr marR="0" lvl="0" algn="l" rtl="0">
         <a:lnSpc>
           <a:spcPct val="100000"/>
         </a:lnSpc>
@@ -6107,7 +6096,7 @@
           <a:srgbClr val="000000"/>
         </a:buClr>
         <a:buFont typeface="Arial"/>
-        <a:defRPr b="0" i="0" sz="1400" u="none" cap="none" strike="noStrike">
+        <a:defRPr sz="1400" b="0" i="0" u="none" strike="noStrike" cap="none">
           <a:solidFill>
             <a:srgbClr val="000000"/>
           </a:solidFill>
@@ -6117,7 +6106,7 @@
           <a:sym typeface="Arial"/>
         </a:defRPr>
       </a:lvl1pPr>
-      <a:lvl2pPr lvl="1" marR="0" rtl="0" algn="l">
+      <a:lvl2pPr marR="0" lvl="1" algn="l" rtl="0">
         <a:lnSpc>
           <a:spcPct val="100000"/>
         </a:lnSpc>
@@ -6131,7 +6120,7 @@
           <a:srgbClr val="000000"/>
         </a:buClr>
         <a:buFont typeface="Arial"/>
-        <a:defRPr b="0" i="0" sz="1400" u="none" cap="none" strike="noStrike">
+        <a:defRPr sz="1400" b="0" i="0" u="none" strike="noStrike" cap="none">
           <a:solidFill>
             <a:srgbClr val="000000"/>
           </a:solidFill>
@@ -6141,7 +6130,7 @@
           <a:sym typeface="Arial"/>
         </a:defRPr>
       </a:lvl2pPr>
-      <a:lvl3pPr lvl="2" marR="0" rtl="0" algn="l">
+      <a:lvl3pPr marR="0" lvl="2" algn="l" rtl="0">
         <a:lnSpc>
           <a:spcPct val="100000"/>
         </a:lnSpc>
@@ -6155,7 +6144,7 @@
           <a:srgbClr val="000000"/>
         </a:buClr>
         <a:buFont typeface="Arial"/>
-        <a:defRPr b="0" i="0" sz="1400" u="none" cap="none" strike="noStrike">
+        <a:defRPr sz="1400" b="0" i="0" u="none" strike="noStrike" cap="none">
           <a:solidFill>
             <a:srgbClr val="000000"/>
           </a:solidFill>
@@ -6165,7 +6154,7 @@
           <a:sym typeface="Arial"/>
         </a:defRPr>
       </a:lvl3pPr>
-      <a:lvl4pPr lvl="3" marR="0" rtl="0" algn="l">
+      <a:lvl4pPr marR="0" lvl="3" algn="l" rtl="0">
         <a:lnSpc>
           <a:spcPct val="100000"/>
         </a:lnSpc>
@@ -6179,7 +6168,7 @@
           <a:srgbClr val="000000"/>
         </a:buClr>
         <a:buFont typeface="Arial"/>
-        <a:defRPr b="0" i="0" sz="1400" u="none" cap="none" strike="noStrike">
+        <a:defRPr sz="1400" b="0" i="0" u="none" strike="noStrike" cap="none">
           <a:solidFill>
             <a:srgbClr val="000000"/>
           </a:solidFill>
@@ -6189,7 +6178,7 @@
           <a:sym typeface="Arial"/>
         </a:defRPr>
       </a:lvl4pPr>
-      <a:lvl5pPr lvl="4" marR="0" rtl="0" algn="l">
+      <a:lvl5pPr marR="0" lvl="4" algn="l" rtl="0">
         <a:lnSpc>
           <a:spcPct val="100000"/>
         </a:lnSpc>
@@ -6203,7 +6192,7 @@
           <a:srgbClr val="000000"/>
         </a:buClr>
         <a:buFont typeface="Arial"/>
-        <a:defRPr b="0" i="0" sz="1400" u="none" cap="none" strike="noStrike">
+        <a:defRPr sz="1400" b="0" i="0" u="none" strike="noStrike" cap="none">
           <a:solidFill>
             <a:srgbClr val="000000"/>
           </a:solidFill>
@@ -6213,7 +6202,7 @@
           <a:sym typeface="Arial"/>
         </a:defRPr>
       </a:lvl5pPr>
-      <a:lvl6pPr lvl="5" marR="0" rtl="0" algn="l">
+      <a:lvl6pPr marR="0" lvl="5" algn="l" rtl="0">
         <a:lnSpc>
           <a:spcPct val="100000"/>
         </a:lnSpc>
@@ -6227,7 +6216,7 @@
           <a:srgbClr val="000000"/>
         </a:buClr>
         <a:buFont typeface="Arial"/>
-        <a:defRPr b="0" i="0" sz="1400" u="none" cap="none" strike="noStrike">
+        <a:defRPr sz="1400" b="0" i="0" u="none" strike="noStrike" cap="none">
           <a:solidFill>
             <a:srgbClr val="000000"/>
           </a:solidFill>
@@ -6237,7 +6226,7 @@
           <a:sym typeface="Arial"/>
         </a:defRPr>
       </a:lvl6pPr>
-      <a:lvl7pPr lvl="6" marR="0" rtl="0" algn="l">
+      <a:lvl7pPr marR="0" lvl="6" algn="l" rtl="0">
         <a:lnSpc>
           <a:spcPct val="100000"/>
         </a:lnSpc>
@@ -6251,7 +6240,7 @@
           <a:srgbClr val="000000"/>
         </a:buClr>
         <a:buFont typeface="Arial"/>
-        <a:defRPr b="0" i="0" sz="1400" u="none" cap="none" strike="noStrike">
+        <a:defRPr sz="1400" b="0" i="0" u="none" strike="noStrike" cap="none">
           <a:solidFill>
             <a:srgbClr val="000000"/>
           </a:solidFill>
@@ -6261,7 +6250,7 @@
           <a:sym typeface="Arial"/>
         </a:defRPr>
       </a:lvl7pPr>
-      <a:lvl8pPr lvl="7" marR="0" rtl="0" algn="l">
+      <a:lvl8pPr marR="0" lvl="7" algn="l" rtl="0">
         <a:lnSpc>
           <a:spcPct val="100000"/>
         </a:lnSpc>
@@ -6275,7 +6264,7 @@
           <a:srgbClr val="000000"/>
         </a:buClr>
         <a:buFont typeface="Arial"/>
-        <a:defRPr b="0" i="0" sz="1400" u="none" cap="none" strike="noStrike">
+        <a:defRPr sz="1400" b="0" i="0" u="none" strike="noStrike" cap="none">
           <a:solidFill>
             <a:srgbClr val="000000"/>
           </a:solidFill>
@@ -6285,7 +6274,7 @@
           <a:sym typeface="Arial"/>
         </a:defRPr>
       </a:lvl8pPr>
-      <a:lvl9pPr lvl="8" marR="0" rtl="0" algn="l">
+      <a:lvl9pPr marR="0" lvl="8" algn="l" rtl="0">
         <a:lnSpc>
           <a:spcPct val="100000"/>
         </a:lnSpc>
@@ -6299,7 +6288,7 @@
           <a:srgbClr val="000000"/>
         </a:buClr>
         <a:buFont typeface="Arial"/>
-        <a:defRPr b="0" i="0" sz="1400" u="none" cap="none" strike="noStrike">
+        <a:defRPr sz="1400" b="0" i="0" u="none" strike="noStrike" cap="none">
           <a:solidFill>
             <a:srgbClr val="000000"/>
           </a:solidFill>
@@ -6311,7 +6300,7 @@
       </a:lvl9pPr>
     </p:titleStyle>
     <p:bodyStyle>
-      <a:defPPr lvl="0" marR="0" rtl="0" algn="l">
+      <a:defPPr marR="0" lvl="0" algn="l" rtl="0">
         <a:lnSpc>
           <a:spcPct val="100000"/>
         </a:lnSpc>
@@ -6322,7 +6311,7 @@
           <a:spcPts val="0"/>
         </a:spcAft>
       </a:defPPr>
-      <a:lvl1pPr lvl="0" marR="0" rtl="0" algn="l">
+      <a:lvl1pPr marR="0" lvl="0" algn="l" rtl="0">
         <a:lnSpc>
           <a:spcPct val="100000"/>
         </a:lnSpc>
@@ -6336,7 +6325,7 @@
           <a:srgbClr val="000000"/>
         </a:buClr>
         <a:buFont typeface="Arial"/>
-        <a:defRPr b="0" i="0" sz="1400" u="none" cap="none" strike="noStrike">
+        <a:defRPr sz="1400" b="0" i="0" u="none" strike="noStrike" cap="none">
           <a:solidFill>
             <a:srgbClr val="000000"/>
           </a:solidFill>
@@ -6346,7 +6335,7 @@
           <a:sym typeface="Arial"/>
         </a:defRPr>
       </a:lvl1pPr>
-      <a:lvl2pPr lvl="1" marR="0" rtl="0" algn="l">
+      <a:lvl2pPr marR="0" lvl="1" algn="l" rtl="0">
         <a:lnSpc>
           <a:spcPct val="100000"/>
         </a:lnSpc>
@@ -6360,7 +6349,7 @@
           <a:srgbClr val="000000"/>
         </a:buClr>
         <a:buFont typeface="Arial"/>
-        <a:defRPr b="0" i="0" sz="1400" u="none" cap="none" strike="noStrike">
+        <a:defRPr sz="1400" b="0" i="0" u="none" strike="noStrike" cap="none">
           <a:solidFill>
             <a:srgbClr val="000000"/>
           </a:solidFill>
@@ -6370,7 +6359,7 @@
           <a:sym typeface="Arial"/>
         </a:defRPr>
       </a:lvl2pPr>
-      <a:lvl3pPr lvl="2" marR="0" rtl="0" algn="l">
+      <a:lvl3pPr marR="0" lvl="2" algn="l" rtl="0">
         <a:lnSpc>
           <a:spcPct val="100000"/>
         </a:lnSpc>
@@ -6384,7 +6373,7 @@
           <a:srgbClr val="000000"/>
         </a:buClr>
         <a:buFont typeface="Arial"/>
-        <a:defRPr b="0" i="0" sz="1400" u="none" cap="none" strike="noStrike">
+        <a:defRPr sz="1400" b="0" i="0" u="none" strike="noStrike" cap="none">
           <a:solidFill>
             <a:srgbClr val="000000"/>
           </a:solidFill>
@@ -6394,7 +6383,7 @@
           <a:sym typeface="Arial"/>
         </a:defRPr>
       </a:lvl3pPr>
-      <a:lvl4pPr lvl="3" marR="0" rtl="0" algn="l">
+      <a:lvl4pPr marR="0" lvl="3" algn="l" rtl="0">
         <a:lnSpc>
           <a:spcPct val="100000"/>
         </a:lnSpc>
@@ -6408,7 +6397,7 @@
           <a:srgbClr val="000000"/>
         </a:buClr>
         <a:buFont typeface="Arial"/>
-        <a:defRPr b="0" i="0" sz="1400" u="none" cap="none" strike="noStrike">
+        <a:defRPr sz="1400" b="0" i="0" u="none" strike="noStrike" cap="none">
           <a:solidFill>
             <a:srgbClr val="000000"/>
           </a:solidFill>
@@ -6418,7 +6407,7 @@
           <a:sym typeface="Arial"/>
         </a:defRPr>
       </a:lvl4pPr>
-      <a:lvl5pPr lvl="4" marR="0" rtl="0" algn="l">
+      <a:lvl5pPr marR="0" lvl="4" algn="l" rtl="0">
         <a:lnSpc>
           <a:spcPct val="100000"/>
         </a:lnSpc>
@@ -6432,7 +6421,7 @@
           <a:srgbClr val="000000"/>
         </a:buClr>
         <a:buFont typeface="Arial"/>
-        <a:defRPr b="0" i="0" sz="1400" u="none" cap="none" strike="noStrike">
+        <a:defRPr sz="1400" b="0" i="0" u="none" strike="noStrike" cap="none">
           <a:solidFill>
             <a:srgbClr val="000000"/>
           </a:solidFill>
@@ -6442,7 +6431,7 @@
           <a:sym typeface="Arial"/>
         </a:defRPr>
       </a:lvl5pPr>
-      <a:lvl6pPr lvl="5" marR="0" rtl="0" algn="l">
+      <a:lvl6pPr marR="0" lvl="5" algn="l" rtl="0">
         <a:lnSpc>
           <a:spcPct val="100000"/>
         </a:lnSpc>
@@ -6456,7 +6445,7 @@
           <a:srgbClr val="000000"/>
         </a:buClr>
         <a:buFont typeface="Arial"/>
-        <a:defRPr b="0" i="0" sz="1400" u="none" cap="none" strike="noStrike">
+        <a:defRPr sz="1400" b="0" i="0" u="none" strike="noStrike" cap="none">
           <a:solidFill>
             <a:srgbClr val="000000"/>
           </a:solidFill>
@@ -6466,7 +6455,7 @@
           <a:sym typeface="Arial"/>
         </a:defRPr>
       </a:lvl6pPr>
-      <a:lvl7pPr lvl="6" marR="0" rtl="0" algn="l">
+      <a:lvl7pPr marR="0" lvl="6" algn="l" rtl="0">
         <a:lnSpc>
           <a:spcPct val="100000"/>
         </a:lnSpc>
@@ -6480,7 +6469,7 @@
           <a:srgbClr val="000000"/>
         </a:buClr>
         <a:buFont typeface="Arial"/>
-        <a:defRPr b="0" i="0" sz="1400" u="none" cap="none" strike="noStrike">
+        <a:defRPr sz="1400" b="0" i="0" u="none" strike="noStrike" cap="none">
           <a:solidFill>
             <a:srgbClr val="000000"/>
           </a:solidFill>
@@ -6490,7 +6479,7 @@
           <a:sym typeface="Arial"/>
         </a:defRPr>
       </a:lvl7pPr>
-      <a:lvl8pPr lvl="7" marR="0" rtl="0" algn="l">
+      <a:lvl8pPr marR="0" lvl="7" algn="l" rtl="0">
         <a:lnSpc>
           <a:spcPct val="100000"/>
         </a:lnSpc>
@@ -6504,7 +6493,7 @@
           <a:srgbClr val="000000"/>
         </a:buClr>
         <a:buFont typeface="Arial"/>
-        <a:defRPr b="0" i="0" sz="1400" u="none" cap="none" strike="noStrike">
+        <a:defRPr sz="1400" b="0" i="0" u="none" strike="noStrike" cap="none">
           <a:solidFill>
             <a:srgbClr val="000000"/>
           </a:solidFill>
@@ -6514,7 +6503,7 @@
           <a:sym typeface="Arial"/>
         </a:defRPr>
       </a:lvl8pPr>
-      <a:lvl9pPr lvl="8" marR="0" rtl="0" algn="l">
+      <a:lvl9pPr marR="0" lvl="8" algn="l" rtl="0">
         <a:lnSpc>
           <a:spcPct val="100000"/>
         </a:lnSpc>
@@ -6528,7 +6517,7 @@
           <a:srgbClr val="000000"/>
         </a:buClr>
         <a:buFont typeface="Arial"/>
-        <a:defRPr b="0" i="0" sz="1400" u="none" cap="none" strike="noStrike">
+        <a:defRPr sz="1400" b="0" i="0" u="none" strike="noStrike" cap="none">
           <a:solidFill>
             <a:srgbClr val="000000"/>
           </a:solidFill>
@@ -6540,7 +6529,7 @@
       </a:lvl9pPr>
     </p:bodyStyle>
     <p:otherStyle>
-      <a:defPPr lvl="0" marR="0" rtl="0" algn="l">
+      <a:defPPr marR="0" lvl="0" algn="l" rtl="0">
         <a:lnSpc>
           <a:spcPct val="100000"/>
         </a:lnSpc>
@@ -6551,7 +6540,7 @@
           <a:spcPts val="0"/>
         </a:spcAft>
       </a:defPPr>
-      <a:lvl1pPr lvl="0" marR="0" rtl="0" algn="l">
+      <a:lvl1pPr marR="0" lvl="0" algn="l" rtl="0">
         <a:lnSpc>
           <a:spcPct val="100000"/>
         </a:lnSpc>
@@ -6565,7 +6554,7 @@
           <a:srgbClr val="000000"/>
         </a:buClr>
         <a:buFont typeface="Arial"/>
-        <a:defRPr b="0" i="0" sz="1400" u="none" cap="none" strike="noStrike">
+        <a:defRPr sz="1400" b="0" i="0" u="none" strike="noStrike" cap="none">
           <a:solidFill>
             <a:srgbClr val="000000"/>
           </a:solidFill>
@@ -6575,7 +6564,7 @@
           <a:sym typeface="Arial"/>
         </a:defRPr>
       </a:lvl1pPr>
-      <a:lvl2pPr lvl="1" marR="0" rtl="0" algn="l">
+      <a:lvl2pPr marR="0" lvl="1" algn="l" rtl="0">
         <a:lnSpc>
           <a:spcPct val="100000"/>
         </a:lnSpc>
@@ -6589,7 +6578,7 @@
           <a:srgbClr val="000000"/>
         </a:buClr>
         <a:buFont typeface="Arial"/>
-        <a:defRPr b="0" i="0" sz="1400" u="none" cap="none" strike="noStrike">
+        <a:defRPr sz="1400" b="0" i="0" u="none" strike="noStrike" cap="none">
           <a:solidFill>
             <a:srgbClr val="000000"/>
           </a:solidFill>
@@ -6599,7 +6588,7 @@
           <a:sym typeface="Arial"/>
         </a:defRPr>
       </a:lvl2pPr>
-      <a:lvl3pPr lvl="2" marR="0" rtl="0" algn="l">
+      <a:lvl3pPr marR="0" lvl="2" algn="l" rtl="0">
         <a:lnSpc>
           <a:spcPct val="100000"/>
         </a:lnSpc>
@@ -6613,7 +6602,7 @@
           <a:srgbClr val="000000"/>
         </a:buClr>
         <a:buFont typeface="Arial"/>
-        <a:defRPr b="0" i="0" sz="1400" u="none" cap="none" strike="noStrike">
+        <a:defRPr sz="1400" b="0" i="0" u="none" strike="noStrike" cap="none">
           <a:solidFill>
             <a:srgbClr val="000000"/>
           </a:solidFill>
@@ -6623,7 +6612,7 @@
           <a:sym typeface="Arial"/>
         </a:defRPr>
       </a:lvl3pPr>
-      <a:lvl4pPr lvl="3" marR="0" rtl="0" algn="l">
+      <a:lvl4pPr marR="0" lvl="3" algn="l" rtl="0">
         <a:lnSpc>
           <a:spcPct val="100000"/>
         </a:lnSpc>
@@ -6637,7 +6626,7 @@
           <a:srgbClr val="000000"/>
         </a:buClr>
         <a:buFont typeface="Arial"/>
-        <a:defRPr b="0" i="0" sz="1400" u="none" cap="none" strike="noStrike">
+        <a:defRPr sz="1400" b="0" i="0" u="none" strike="noStrike" cap="none">
           <a:solidFill>
             <a:srgbClr val="000000"/>
           </a:solidFill>
@@ -6647,7 +6636,7 @@
           <a:sym typeface="Arial"/>
         </a:defRPr>
       </a:lvl4pPr>
-      <a:lvl5pPr lvl="4" marR="0" rtl="0" algn="l">
+      <a:lvl5pPr marR="0" lvl="4" algn="l" rtl="0">
         <a:lnSpc>
           <a:spcPct val="100000"/>
         </a:lnSpc>
@@ -6661,7 +6650,7 @@
           <a:srgbClr val="000000"/>
         </a:buClr>
         <a:buFont typeface="Arial"/>
-        <a:defRPr b="0" i="0" sz="1400" u="none" cap="none" strike="noStrike">
+        <a:defRPr sz="1400" b="0" i="0" u="none" strike="noStrike" cap="none">
           <a:solidFill>
             <a:srgbClr val="000000"/>
           </a:solidFill>
@@ -6671,7 +6660,7 @@
           <a:sym typeface="Arial"/>
         </a:defRPr>
       </a:lvl5pPr>
-      <a:lvl6pPr lvl="5" marR="0" rtl="0" algn="l">
+      <a:lvl6pPr marR="0" lvl="5" algn="l" rtl="0">
         <a:lnSpc>
           <a:spcPct val="100000"/>
         </a:lnSpc>
@@ -6685,7 +6674,7 @@
           <a:srgbClr val="000000"/>
         </a:buClr>
         <a:buFont typeface="Arial"/>
-        <a:defRPr b="0" i="0" sz="1400" u="none" cap="none" strike="noStrike">
+        <a:defRPr sz="1400" b="0" i="0" u="none" strike="noStrike" cap="none">
           <a:solidFill>
             <a:srgbClr val="000000"/>
           </a:solidFill>
@@ -6695,7 +6684,7 @@
           <a:sym typeface="Arial"/>
         </a:defRPr>
       </a:lvl6pPr>
-      <a:lvl7pPr lvl="6" marR="0" rtl="0" algn="l">
+      <a:lvl7pPr marR="0" lvl="6" algn="l" rtl="0">
         <a:lnSpc>
           <a:spcPct val="100000"/>
         </a:lnSpc>
@@ -6709,7 +6698,7 @@
           <a:srgbClr val="000000"/>
         </a:buClr>
         <a:buFont typeface="Arial"/>
-        <a:defRPr b="0" i="0" sz="1400" u="none" cap="none" strike="noStrike">
+        <a:defRPr sz="1400" b="0" i="0" u="none" strike="noStrike" cap="none">
           <a:solidFill>
             <a:srgbClr val="000000"/>
           </a:solidFill>
@@ -6719,7 +6708,7 @@
           <a:sym typeface="Arial"/>
         </a:defRPr>
       </a:lvl7pPr>
-      <a:lvl8pPr lvl="7" marR="0" rtl="0" algn="l">
+      <a:lvl8pPr marR="0" lvl="7" algn="l" rtl="0">
         <a:lnSpc>
           <a:spcPct val="100000"/>
         </a:lnSpc>
@@ -6733,7 +6722,7 @@
           <a:srgbClr val="000000"/>
         </a:buClr>
         <a:buFont typeface="Arial"/>
-        <a:defRPr b="0" i="0" sz="1400" u="none" cap="none" strike="noStrike">
+        <a:defRPr sz="1400" b="0" i="0" u="none" strike="noStrike" cap="none">
           <a:solidFill>
             <a:srgbClr val="000000"/>
           </a:solidFill>
@@ -6743,7 +6732,7 @@
           <a:sym typeface="Arial"/>
         </a:defRPr>
       </a:lvl8pPr>
-      <a:lvl9pPr lvl="8" marR="0" rtl="0" algn="l">
+      <a:lvl9pPr marR="0" lvl="8" algn="l" rtl="0">
         <a:lnSpc>
           <a:spcPct val="100000"/>
         </a:lnSpc>
@@ -6757,7 +6746,7 @@
           <a:srgbClr val="000000"/>
         </a:buClr>
         <a:buFont typeface="Arial"/>
-        <a:defRPr b="0" i="0" sz="1400" u="none" cap="none" strike="noStrike">
+        <a:defRPr sz="1400" b="0" i="0" u="none" strike="noStrike" cap="none">
           <a:solidFill>
             <a:srgbClr val="000000"/>
           </a:solidFill>
@@ -6773,11 +6762,11 @@
 </file>
 
 <file path=ppt/slides/slide1.xml><?xml version="1.0" encoding="utf-8"?>
-<p:sld xmlns:a="http://schemas.openxmlformats.org/drawingml/2006/main" xmlns:r="http://schemas.openxmlformats.org/officeDocument/2006/relationships" xmlns:mc="http://schemas.openxmlformats.org/markup-compatibility/2006" xmlns:mv="urn:schemas-microsoft-com:mac:vml" xmlns:p="http://schemas.openxmlformats.org/presentationml/2006/main" xmlns:c="http://schemas.openxmlformats.org/drawingml/2006/chart" xmlns:dgm="http://schemas.openxmlformats.org/drawingml/2006/diagram" xmlns:o="urn:schemas-microsoft-com:office:office" xmlns:v="urn:schemas-microsoft-com:vml" xmlns:pvml="urn:schemas-microsoft-com:office:powerpoint" xmlns:com="http://schemas.openxmlformats.org/drawingml/2006/compatibility" xmlns:p14="http://schemas.microsoft.com/office/powerpoint/2010/main" xmlns:p15="http://schemas.microsoft.com/office/powerpoint/2012/main">
+<p:sld xmlns:a="http://schemas.openxmlformats.org/drawingml/2006/main" xmlns:r="http://schemas.openxmlformats.org/officeDocument/2006/relationships" xmlns:p="http://schemas.openxmlformats.org/presentationml/2006/main">
   <p:cSld>
     <p:spTree>
       <p:nvGrpSpPr>
-        <p:cNvPr id="61" name="Shape 61"/>
+        <p:cNvPr id="1" name="Shape 61"/>
         <p:cNvGrpSpPr/>
         <p:nvPr/>
       </p:nvGrpSpPr>
@@ -6792,7 +6781,9 @@
       <p:sp>
         <p:nvSpPr>
           <p:cNvPr id="62" name="Shape 62"/>
-          <p:cNvSpPr txBox="1"/>
+          <p:cNvSpPr txBox="1">
+            <a:spLocks noGrp="1"/>
+          </p:cNvSpPr>
           <p:nvPr>
             <p:ph type="ctrTitle"/>
           </p:nvPr>
@@ -6807,12 +6798,12 @@
           </a:prstGeom>
         </p:spPr>
         <p:txBody>
-          <a:bodyPr anchorCtr="0" anchor="b" bIns="91425" lIns="91425" spcFirstLastPara="1" rIns="91425" wrap="square" tIns="91425">
+          <a:bodyPr spcFirstLastPara="1" wrap="square" lIns="91425" tIns="91425" rIns="91425" bIns="91425" anchor="b" anchorCtr="0">
             <a:noAutofit/>
           </a:bodyPr>
           <a:lstStyle/>
           <a:p>
-            <a:pPr indent="0" lvl="0" marL="0">
+            <a:pPr marL="0" lvl="0" indent="0">
               <a:spcBef>
                 <a:spcPts val="0"/>
               </a:spcBef>
@@ -6822,19 +6813,25 @@
               <a:buNone/>
             </a:pPr>
             <a:r>
-              <a:rPr lang="pt-BR"/>
-              <a:t>Análise de dados do Congresso</a:t>
+              <a:rPr lang="pt-BR" dirty="0"/>
+              <a:t>Análise de dados </a:t>
             </a:r>
-            <a:endParaRPr/>
+            <a:r>
+              <a:rPr lang="pt-BR" dirty="0" smtClean="0"/>
+              <a:t>das Copas do mundo FIFA</a:t>
+            </a:r>
+            <a:endParaRPr dirty="0"/>
           </a:p>
         </p:txBody>
       </p:sp>
       <p:sp>
         <p:nvSpPr>
           <p:cNvPr id="63" name="Shape 63"/>
-          <p:cNvSpPr txBox="1"/>
+          <p:cNvSpPr txBox="1">
+            <a:spLocks noGrp="1"/>
+          </p:cNvSpPr>
           <p:nvPr>
-            <p:ph idx="1" type="subTitle"/>
+            <p:ph type="subTitle" idx="1"/>
           </p:nvPr>
         </p:nvSpPr>
         <p:spPr>
@@ -6847,12 +6844,12 @@
           </a:prstGeom>
         </p:spPr>
         <p:txBody>
-          <a:bodyPr anchorCtr="0" anchor="t" bIns="91425" lIns="91425" spcFirstLastPara="1" rIns="91425" wrap="square" tIns="91425">
+          <a:bodyPr spcFirstLastPara="1" wrap="square" lIns="91425" tIns="91425" rIns="91425" bIns="91425" anchor="t" anchorCtr="0">
             <a:noAutofit/>
           </a:bodyPr>
           <a:lstStyle/>
           <a:p>
-            <a:pPr indent="0" lvl="0" marL="0">
+            <a:pPr marL="0" lvl="0" indent="0">
               <a:spcBef>
                 <a:spcPts val="0"/>
               </a:spcBef>
@@ -6868,7 +6865,7 @@
             <a:endParaRPr sz="1800"/>
           </a:p>
           <a:p>
-            <a:pPr indent="0" lvl="0" marL="0">
+            <a:pPr marL="0" lvl="0" indent="0">
               <a:spcBef>
                 <a:spcPts val="0"/>
               </a:spcBef>
@@ -6884,7 +6881,7 @@
             <a:endParaRPr sz="1800"/>
           </a:p>
           <a:p>
-            <a:pPr indent="0" lvl="0" marL="0">
+            <a:pPr marL="0" lvl="0" indent="0">
               <a:spcBef>
                 <a:spcPts val="0"/>
               </a:spcBef>
@@ -6900,7 +6897,7 @@
             <a:endParaRPr sz="1800"/>
           </a:p>
           <a:p>
-            <a:pPr indent="0" lvl="0" marL="0">
+            <a:pPr marL="0" lvl="0" indent="0">
               <a:spcBef>
                 <a:spcPts val="0"/>
               </a:spcBef>
@@ -6916,7 +6913,7 @@
             <a:endParaRPr sz="1800"/>
           </a:p>
           <a:p>
-            <a:pPr indent="0" lvl="0" marL="0">
+            <a:pPr marL="0" lvl="0" indent="0">
               <a:spcBef>
                 <a:spcPts val="0"/>
               </a:spcBef>
@@ -6925,9 +6922,6 @@
               </a:spcAft>
               <a:buNone/>
             </a:pPr>
-            <a:r>
-              <a:t/>
-            </a:r>
             <a:endParaRPr/>
           </a:p>
         </p:txBody>
@@ -6941,11 +6935,11 @@
 </file>
 
 <file path=ppt/slides/slide2.xml><?xml version="1.0" encoding="utf-8"?>
-<p:sld xmlns:a="http://schemas.openxmlformats.org/drawingml/2006/main" xmlns:r="http://schemas.openxmlformats.org/officeDocument/2006/relationships" xmlns:mc="http://schemas.openxmlformats.org/markup-compatibility/2006" xmlns:mv="urn:schemas-microsoft-com:mac:vml" xmlns:p="http://schemas.openxmlformats.org/presentationml/2006/main" xmlns:c="http://schemas.openxmlformats.org/drawingml/2006/chart" xmlns:dgm="http://schemas.openxmlformats.org/drawingml/2006/diagram" xmlns:o="urn:schemas-microsoft-com:office:office" xmlns:v="urn:schemas-microsoft-com:vml" xmlns:pvml="urn:schemas-microsoft-com:office:powerpoint" xmlns:com="http://schemas.openxmlformats.org/drawingml/2006/compatibility" xmlns:p14="http://schemas.microsoft.com/office/powerpoint/2010/main" xmlns:p15="http://schemas.microsoft.com/office/powerpoint/2012/main">
+<p:sld xmlns:a="http://schemas.openxmlformats.org/drawingml/2006/main" xmlns:r="http://schemas.openxmlformats.org/officeDocument/2006/relationships" xmlns:p="http://schemas.openxmlformats.org/presentationml/2006/main">
   <p:cSld>
     <p:spTree>
       <p:nvGrpSpPr>
-        <p:cNvPr id="67" name="Shape 67"/>
+        <p:cNvPr id="1" name="Shape 67"/>
         <p:cNvGrpSpPr/>
         <p:nvPr/>
       </p:nvGrpSpPr>
@@ -6960,7 +6954,9 @@
       <p:sp>
         <p:nvSpPr>
           <p:cNvPr id="68" name="Shape 68"/>
-          <p:cNvSpPr txBox="1"/>
+          <p:cNvSpPr txBox="1">
+            <a:spLocks noGrp="1"/>
+          </p:cNvSpPr>
           <p:nvPr>
             <p:ph type="title"/>
           </p:nvPr>
@@ -6975,12 +6971,12 @@
           </a:prstGeom>
         </p:spPr>
         <p:txBody>
-          <a:bodyPr anchorCtr="0" anchor="b" bIns="91425" lIns="91425" spcFirstLastPara="1" rIns="91425" wrap="square" tIns="91425">
+          <a:bodyPr spcFirstLastPara="1" wrap="square" lIns="91425" tIns="91425" rIns="91425" bIns="91425" anchor="b" anchorCtr="0">
             <a:noAutofit/>
           </a:bodyPr>
           <a:lstStyle/>
           <a:p>
-            <a:pPr indent="0" lvl="0" marL="0">
+            <a:pPr marL="0" lvl="0" indent="0">
               <a:spcBef>
                 <a:spcPts val="0"/>
               </a:spcBef>
@@ -7000,9 +6996,11 @@
       <p:sp>
         <p:nvSpPr>
           <p:cNvPr id="69" name="Shape 69"/>
-          <p:cNvSpPr txBox="1"/>
+          <p:cNvSpPr txBox="1">
+            <a:spLocks noGrp="1"/>
+          </p:cNvSpPr>
           <p:nvPr>
-            <p:ph idx="1" type="body"/>
+            <p:ph type="body" idx="1"/>
           </p:nvPr>
         </p:nvSpPr>
         <p:spPr>
@@ -7015,12 +7013,12 @@
           </a:prstGeom>
         </p:spPr>
         <p:txBody>
-          <a:bodyPr anchorCtr="0" anchor="t" bIns="91425" lIns="91425" spcFirstLastPara="1" rIns="91425" wrap="square" tIns="91425">
+          <a:bodyPr spcFirstLastPara="1" wrap="square" lIns="91425" tIns="91425" rIns="91425" bIns="91425" anchor="t" anchorCtr="0">
             <a:noAutofit/>
           </a:bodyPr>
           <a:lstStyle/>
           <a:p>
-            <a:pPr indent="-342900" lvl="0" marL="457200" rtl="0">
+            <a:pPr marL="457200" lvl="0" indent="-342900">
               <a:spcBef>
                 <a:spcPts val="0"/>
               </a:spcBef>
@@ -7031,13 +7029,12 @@
               <a:buChar char="●"/>
             </a:pPr>
             <a:r>
-              <a:rPr lang="pt-BR"/>
-              <a:t>Poder mostrar de maneira mais clara e interativa à sociedade dados sobre os gastos, despesas e outros pontos relevantes sobre o Congresso Nacional</a:t>
+              <a:rPr lang="pt-BR" dirty="0" smtClean="0"/>
+              <a:t>A copa do mundo de 2018 nos fez questionar se seria possível extrair padrões a partir de informações da copa</a:t>
             </a:r>
-            <a:endParaRPr/>
           </a:p>
           <a:p>
-            <a:pPr indent="-342900" lvl="0" marL="457200">
+            <a:pPr marL="457200" lvl="0" indent="-342900">
               <a:spcBef>
                 <a:spcPts val="0"/>
               </a:spcBef>
@@ -7048,10 +7045,10 @@
               <a:buChar char="●"/>
             </a:pPr>
             <a:r>
-              <a:rPr lang="pt-BR"/>
-              <a:t>Permitir que os eleitores monitorem melhor as ações dos representantes</a:t>
+              <a:rPr lang="pt-BR" dirty="0" smtClean="0"/>
+              <a:t>Comprovar a teste de que a história das copas é muito mais curiosa e improvável do que as pessoas pensam</a:t>
             </a:r>
-            <a:endParaRPr/>
+            <a:endParaRPr dirty="0"/>
           </a:p>
         </p:txBody>
       </p:sp>
@@ -7064,11 +7061,11 @@
 </file>
 
 <file path=ppt/slides/slide3.xml><?xml version="1.0" encoding="utf-8"?>
-<p:sld xmlns:a="http://schemas.openxmlformats.org/drawingml/2006/main" xmlns:r="http://schemas.openxmlformats.org/officeDocument/2006/relationships" xmlns:mc="http://schemas.openxmlformats.org/markup-compatibility/2006" xmlns:mv="urn:schemas-microsoft-com:mac:vml" xmlns:p="http://schemas.openxmlformats.org/presentationml/2006/main" xmlns:c="http://schemas.openxmlformats.org/drawingml/2006/chart" xmlns:dgm="http://schemas.openxmlformats.org/drawingml/2006/diagram" xmlns:o="urn:schemas-microsoft-com:office:office" xmlns:v="urn:schemas-microsoft-com:vml" xmlns:pvml="urn:schemas-microsoft-com:office:powerpoint" xmlns:com="http://schemas.openxmlformats.org/drawingml/2006/compatibility" xmlns:p14="http://schemas.microsoft.com/office/powerpoint/2010/main" xmlns:p15="http://schemas.microsoft.com/office/powerpoint/2012/main">
+<p:sld xmlns:a="http://schemas.openxmlformats.org/drawingml/2006/main" xmlns:r="http://schemas.openxmlformats.org/officeDocument/2006/relationships" xmlns:p="http://schemas.openxmlformats.org/presentationml/2006/main">
   <p:cSld>
     <p:spTree>
       <p:nvGrpSpPr>
-        <p:cNvPr id="73" name="Shape 73"/>
+        <p:cNvPr id="1" name="Shape 73"/>
         <p:cNvGrpSpPr/>
         <p:nvPr/>
       </p:nvGrpSpPr>
@@ -7083,7 +7080,9 @@
       <p:sp>
         <p:nvSpPr>
           <p:cNvPr id="74" name="Shape 74"/>
-          <p:cNvSpPr txBox="1"/>
+          <p:cNvSpPr txBox="1">
+            <a:spLocks noGrp="1"/>
+          </p:cNvSpPr>
           <p:nvPr>
             <p:ph type="title"/>
           </p:nvPr>
@@ -7098,12 +7097,12 @@
           </a:prstGeom>
         </p:spPr>
         <p:txBody>
-          <a:bodyPr anchorCtr="0" anchor="b" bIns="91425" lIns="91425" spcFirstLastPara="1" rIns="91425" wrap="square" tIns="91425">
+          <a:bodyPr spcFirstLastPara="1" wrap="square" lIns="91425" tIns="91425" rIns="91425" bIns="91425" anchor="b" anchorCtr="0">
             <a:noAutofit/>
           </a:bodyPr>
           <a:lstStyle/>
           <a:p>
-            <a:pPr indent="0" lvl="0" marL="0">
+            <a:pPr marL="0" lvl="0" indent="0">
               <a:spcBef>
                 <a:spcPts val="0"/>
               </a:spcBef>
@@ -7123,9 +7122,11 @@
       <p:sp>
         <p:nvSpPr>
           <p:cNvPr id="75" name="Shape 75"/>
-          <p:cNvSpPr txBox="1"/>
+          <p:cNvSpPr txBox="1">
+            <a:spLocks noGrp="1"/>
+          </p:cNvSpPr>
           <p:nvPr>
-            <p:ph idx="1" type="body"/>
+            <p:ph type="body" idx="1"/>
           </p:nvPr>
         </p:nvSpPr>
         <p:spPr>
@@ -7138,80 +7139,12 @@
           </a:prstGeom>
         </p:spPr>
         <p:txBody>
-          <a:bodyPr anchorCtr="0" anchor="t" bIns="91425" lIns="91425" spcFirstLastPara="1" rIns="91425" wrap="square" tIns="91425">
+          <a:bodyPr spcFirstLastPara="1" wrap="square" lIns="91425" tIns="91425" rIns="91425" bIns="91425" anchor="t" anchorCtr="0">
             <a:noAutofit/>
           </a:bodyPr>
           <a:lstStyle/>
           <a:p>
-            <a:pPr indent="-342900" lvl="0" marL="457200" rtl="0">
-              <a:spcBef>
-                <a:spcPts val="0"/>
-              </a:spcBef>
-              <a:spcAft>
-                <a:spcPts val="0"/>
-              </a:spcAft>
-              <a:buSzPts val="1800"/>
-              <a:buChar char="●"/>
-            </a:pPr>
-            <a:r>
-              <a:rPr lang="pt-BR"/>
-              <a:t>Brazilian Federal Legislative activity</a:t>
-            </a:r>
-            <a:endParaRPr/>
-          </a:p>
-          <a:p>
-            <a:pPr indent="-342900" lvl="0" marL="457200" rtl="0">
-              <a:spcBef>
-                <a:spcPts val="0"/>
-              </a:spcBef>
-              <a:spcAft>
-                <a:spcPts val="0"/>
-              </a:spcAft>
-              <a:buSzPts val="1800"/>
-              <a:buChar char="●"/>
-            </a:pPr>
-            <a:r>
-              <a:rPr lang="pt-BR"/>
-              <a:t>Brazil’s House of Deputy Refunds 2009-2017</a:t>
-            </a:r>
-            <a:endParaRPr/>
-          </a:p>
-          <a:p>
-            <a:pPr indent="-342900" lvl="0" marL="457200" rtl="0">
-              <a:spcBef>
-                <a:spcPts val="0"/>
-              </a:spcBef>
-              <a:spcAft>
-                <a:spcPts val="0"/>
-              </a:spcAft>
-              <a:buSzPts val="1800"/>
-              <a:buChar char="●"/>
-            </a:pPr>
-            <a:r>
-              <a:rPr lang="pt-BR"/>
-              <a:t>Dirty Deputies Some Notable Patterns</a:t>
-            </a:r>
-            <a:endParaRPr/>
-          </a:p>
-          <a:p>
-            <a:pPr indent="-342900" lvl="0" marL="457200" rtl="0">
-              <a:spcBef>
-                <a:spcPts val="0"/>
-              </a:spcBef>
-              <a:spcAft>
-                <a:spcPts val="0"/>
-              </a:spcAft>
-              <a:buSzPts val="1800"/>
-              <a:buChar char="●"/>
-            </a:pPr>
-            <a:r>
-              <a:rPr lang="pt-BR"/>
-              <a:t>Corruption Index</a:t>
-            </a:r>
-            <a:endParaRPr/>
-          </a:p>
-          <a:p>
-            <a:pPr indent="-342900" lvl="0" marL="457200">
+            <a:pPr marL="457200" lvl="0" indent="-342900">
               <a:spcBef>
                 <a:spcPts val="0"/>
               </a:spcBef>
@@ -7222,18 +7155,24 @@
               <a:buChar char="-"/>
             </a:pPr>
             <a:r>
-              <a:rPr lang="pt-BR"/>
-              <a:t>Todos </a:t>
+              <a:rPr lang="pt-BR" dirty="0" smtClean="0"/>
+              <a:t> </a:t>
             </a:r>
             <a:r>
-              <a:rPr lang="pt-BR"/>
-              <a:t>disponibilizados em : https://www.kaggle.com/</a:t>
+              <a:rPr lang="pt-BR" dirty="0"/>
+              <a:t>disponibilizados em : https://www.kaggle.com/ </a:t>
             </a:r>
+            <a:endParaRPr lang="pt-BR" dirty="0" smtClean="0"/>
+          </a:p>
+          <a:p>
+            <a:pPr lvl="0">
+              <a:buChar char="-"/>
+            </a:pPr>
             <a:r>
-              <a:rPr lang="pt-BR"/>
-              <a:t> </a:t>
+              <a:rPr lang="pt-BR" dirty="0"/>
+              <a:t>https://www.kaggle.com/abecklas/fifa-world-cup</a:t>
             </a:r>
-            <a:endParaRPr/>
+            <a:endParaRPr dirty="0"/>
           </a:p>
         </p:txBody>
       </p:sp>
@@ -7246,11 +7185,11 @@
 </file>
 
 <file path=ppt/slides/slide4.xml><?xml version="1.0" encoding="utf-8"?>
-<p:sld xmlns:a="http://schemas.openxmlformats.org/drawingml/2006/main" xmlns:r="http://schemas.openxmlformats.org/officeDocument/2006/relationships" xmlns:mc="http://schemas.openxmlformats.org/markup-compatibility/2006" xmlns:mv="urn:schemas-microsoft-com:mac:vml" xmlns:p="http://schemas.openxmlformats.org/presentationml/2006/main" xmlns:c="http://schemas.openxmlformats.org/drawingml/2006/chart" xmlns:dgm="http://schemas.openxmlformats.org/drawingml/2006/diagram" xmlns:o="urn:schemas-microsoft-com:office:office" xmlns:v="urn:schemas-microsoft-com:vml" xmlns:pvml="urn:schemas-microsoft-com:office:powerpoint" xmlns:com="http://schemas.openxmlformats.org/drawingml/2006/compatibility" xmlns:p14="http://schemas.microsoft.com/office/powerpoint/2010/main" xmlns:p15="http://schemas.microsoft.com/office/powerpoint/2012/main">
+<p:sld xmlns:a="http://schemas.openxmlformats.org/drawingml/2006/main" xmlns:r="http://schemas.openxmlformats.org/officeDocument/2006/relationships" xmlns:p="http://schemas.openxmlformats.org/presentationml/2006/main">
   <p:cSld>
     <p:spTree>
       <p:nvGrpSpPr>
-        <p:cNvPr id="79" name="Shape 79"/>
+        <p:cNvPr id="1" name="Shape 79"/>
         <p:cNvGrpSpPr/>
         <p:nvPr/>
       </p:nvGrpSpPr>
@@ -7265,7 +7204,9 @@
       <p:sp>
         <p:nvSpPr>
           <p:cNvPr id="80" name="Shape 80"/>
-          <p:cNvSpPr txBox="1"/>
+          <p:cNvSpPr txBox="1">
+            <a:spLocks noGrp="1"/>
+          </p:cNvSpPr>
           <p:nvPr>
             <p:ph type="title"/>
           </p:nvPr>
@@ -7280,12 +7221,12 @@
           </a:prstGeom>
         </p:spPr>
         <p:txBody>
-          <a:bodyPr anchorCtr="0" anchor="b" bIns="91425" lIns="91425" spcFirstLastPara="1" rIns="91425" wrap="square" tIns="91425">
+          <a:bodyPr spcFirstLastPara="1" wrap="square" lIns="91425" tIns="91425" rIns="91425" bIns="91425" anchor="b" anchorCtr="0">
             <a:noAutofit/>
           </a:bodyPr>
           <a:lstStyle/>
           <a:p>
-            <a:pPr indent="0" lvl="0" marL="0">
+            <a:pPr marL="0" lvl="0" indent="0">
               <a:spcBef>
                 <a:spcPts val="0"/>
               </a:spcBef>
@@ -7305,9 +7246,11 @@
       <p:sp>
         <p:nvSpPr>
           <p:cNvPr id="81" name="Shape 81"/>
-          <p:cNvSpPr txBox="1"/>
+          <p:cNvSpPr txBox="1">
+            <a:spLocks noGrp="1"/>
+          </p:cNvSpPr>
           <p:nvPr>
-            <p:ph idx="1" type="body"/>
+            <p:ph type="body" idx="1"/>
           </p:nvPr>
         </p:nvSpPr>
         <p:spPr>
@@ -7320,12 +7263,12 @@
           </a:prstGeom>
         </p:spPr>
         <p:txBody>
-          <a:bodyPr anchorCtr="0" anchor="t" bIns="91425" lIns="91425" spcFirstLastPara="1" rIns="91425" wrap="square" tIns="91425">
+          <a:bodyPr spcFirstLastPara="1" wrap="square" lIns="91425" tIns="91425" rIns="91425" bIns="91425" anchor="t" anchorCtr="0">
             <a:noAutofit/>
           </a:bodyPr>
           <a:lstStyle/>
           <a:p>
-            <a:pPr indent="-342900" lvl="0" marL="457200" rtl="0">
+            <a:pPr marL="457200" lvl="0" indent="-342900" rtl="0">
               <a:spcBef>
                 <a:spcPts val="0"/>
               </a:spcBef>
@@ -7336,13 +7279,12 @@
               <a:buChar char="●"/>
             </a:pPr>
             <a:r>
-              <a:rPr lang="pt-BR"/>
-              <a:t>Mapear os gastos e despesas por político, partidos, estados</a:t>
+              <a:rPr lang="pt-BR" dirty="0" smtClean="0"/>
+              <a:t>Criar uma visualização interativa sobre a copa do mundo acessível a todos os públicos</a:t>
             </a:r>
-            <a:endParaRPr/>
           </a:p>
           <a:p>
-            <a:pPr indent="-342900" lvl="0" marL="457200" rtl="0">
+            <a:pPr marL="457200" lvl="0" indent="-342900" rtl="0">
               <a:spcBef>
                 <a:spcPts val="0"/>
               </a:spcBef>
@@ -7353,13 +7295,12 @@
               <a:buChar char="●"/>
             </a:pPr>
             <a:r>
-              <a:rPr lang="pt-BR"/>
-              <a:t>Comparar índice de corrupção e políticos corruptos por partido e estados</a:t>
+              <a:rPr lang="pt-BR" dirty="0" smtClean="0"/>
+              <a:t>Encontrar padrões históricos a partir dos dados</a:t>
             </a:r>
-            <a:endParaRPr/>
           </a:p>
           <a:p>
-            <a:pPr indent="-342900" lvl="0" marL="457200" rtl="0">
+            <a:pPr marL="457200" lvl="0" indent="-342900" rtl="0">
               <a:spcBef>
                 <a:spcPts val="0"/>
               </a:spcBef>
@@ -7370,10 +7311,22 @@
               <a:buChar char="●"/>
             </a:pPr>
             <a:r>
-              <a:rPr lang="pt-BR"/>
-              <a:t>Acompanhar o rendimento dos políticos quanto a projetos, propostas, presença e votos, e compará-los quanto a partidos e estados</a:t>
+              <a:rPr lang="pt-BR" dirty="0" smtClean="0"/>
+              <a:t>Tornar possível seguir o fluxo da história da copa do mundo desde sua primeira edição(1930) até a mais recente(2014)</a:t>
             </a:r>
-            <a:endParaRPr/>
+          </a:p>
+          <a:p>
+            <a:pPr marL="114300" lvl="0" indent="0" rtl="0">
+              <a:spcBef>
+                <a:spcPts val="0"/>
+              </a:spcBef>
+              <a:spcAft>
+                <a:spcPts val="0"/>
+              </a:spcAft>
+              <a:buSzPts val="1800"/>
+              <a:buNone/>
+            </a:pPr>
+            <a:endParaRPr dirty="0"/>
           </a:p>
         </p:txBody>
       </p:sp>
@@ -7386,11 +7339,11 @@
 </file>
 
 <file path=ppt/slides/slide5.xml><?xml version="1.0" encoding="utf-8"?>
-<p:sld xmlns:a="http://schemas.openxmlformats.org/drawingml/2006/main" xmlns:r="http://schemas.openxmlformats.org/officeDocument/2006/relationships" xmlns:mc="http://schemas.openxmlformats.org/markup-compatibility/2006" xmlns:mv="urn:schemas-microsoft-com:mac:vml" xmlns:p="http://schemas.openxmlformats.org/presentationml/2006/main" xmlns:c="http://schemas.openxmlformats.org/drawingml/2006/chart" xmlns:dgm="http://schemas.openxmlformats.org/drawingml/2006/diagram" xmlns:o="urn:schemas-microsoft-com:office:office" xmlns:v="urn:schemas-microsoft-com:vml" xmlns:pvml="urn:schemas-microsoft-com:office:powerpoint" xmlns:com="http://schemas.openxmlformats.org/drawingml/2006/compatibility" xmlns:p14="http://schemas.microsoft.com/office/powerpoint/2010/main" xmlns:p15="http://schemas.microsoft.com/office/powerpoint/2012/main">
+<p:sld xmlns:a="http://schemas.openxmlformats.org/drawingml/2006/main" xmlns:r="http://schemas.openxmlformats.org/officeDocument/2006/relationships" xmlns:p="http://schemas.openxmlformats.org/presentationml/2006/main">
   <p:cSld>
     <p:spTree>
       <p:nvGrpSpPr>
-        <p:cNvPr id="85" name="Shape 85"/>
+        <p:cNvPr id="1" name="Shape 85"/>
         <p:cNvGrpSpPr/>
         <p:nvPr/>
       </p:nvGrpSpPr>
@@ -7405,7 +7358,9 @@
       <p:sp>
         <p:nvSpPr>
           <p:cNvPr id="86" name="Shape 86"/>
-          <p:cNvSpPr txBox="1"/>
+          <p:cNvSpPr txBox="1">
+            <a:spLocks noGrp="1"/>
+          </p:cNvSpPr>
           <p:nvPr>
             <p:ph type="title"/>
           </p:nvPr>
@@ -7420,12 +7375,12 @@
           </a:prstGeom>
         </p:spPr>
         <p:txBody>
-          <a:bodyPr anchorCtr="0" anchor="b" bIns="91425" lIns="91425" spcFirstLastPara="1" rIns="91425" wrap="square" tIns="91425">
+          <a:bodyPr spcFirstLastPara="1" wrap="square" lIns="91425" tIns="91425" rIns="91425" bIns="91425" anchor="b" anchorCtr="0">
             <a:noAutofit/>
           </a:bodyPr>
           <a:lstStyle/>
           <a:p>
-            <a:pPr indent="0" lvl="0" marL="0">
+            <a:pPr marL="0" lvl="0" indent="0">
               <a:spcBef>
                 <a:spcPts val="0"/>
               </a:spcBef>
@@ -7445,27 +7400,29 @@
       <p:sp>
         <p:nvSpPr>
           <p:cNvPr id="87" name="Shape 87"/>
-          <p:cNvSpPr txBox="1"/>
+          <p:cNvSpPr txBox="1">
+            <a:spLocks noGrp="1"/>
+          </p:cNvSpPr>
           <p:nvPr>
-            <p:ph idx="1" type="body"/>
+            <p:ph type="body" idx="1"/>
           </p:nvPr>
         </p:nvSpPr>
         <p:spPr>
           <a:xfrm>
-            <a:off x="311700" y="1225225"/>
-            <a:ext cx="8520600" cy="3354000"/>
+            <a:off x="5615178" y="3676628"/>
+            <a:ext cx="3142882" cy="1396255"/>
           </a:xfrm>
           <a:prstGeom prst="rect">
             <a:avLst/>
           </a:prstGeom>
         </p:spPr>
         <p:txBody>
-          <a:bodyPr anchorCtr="0" anchor="t" bIns="91425" lIns="91425" spcFirstLastPara="1" rIns="91425" wrap="square" tIns="91425">
+          <a:bodyPr spcFirstLastPara="1" wrap="square" lIns="91425" tIns="91425" rIns="91425" bIns="91425" anchor="t" anchorCtr="0">
             <a:noAutofit/>
           </a:bodyPr>
           <a:lstStyle/>
           <a:p>
-            <a:pPr indent="0" lvl="0" marL="0">
+            <a:pPr marL="0" lvl="0" indent="0">
               <a:spcBef>
                 <a:spcPts val="0"/>
               </a:spcBef>
@@ -7474,67 +7431,90 @@
               </a:spcAft>
               <a:buNone/>
             </a:pPr>
-            <a:r>
-              <a:t/>
-            </a:r>
-            <a:endParaRPr/>
+            <a:endParaRPr dirty="0"/>
           </a:p>
         </p:txBody>
       </p:sp>
       <p:pic>
         <p:nvPicPr>
-          <p:cNvPr id="88" name="Shape 88"/>
-          <p:cNvPicPr preferRelativeResize="0"/>
+          <p:cNvPr id="1026" name="Picture 2" descr="https://qph.ec.quoracdn.net/main-qimg-1414b8bbbfff220cdec9fb190bdcf507"/>
+          <p:cNvPicPr>
+            <a:picLocks noChangeAspect="1" noChangeArrowheads="1"/>
+          </p:cNvPicPr>
           <p:nvPr/>
         </p:nvPicPr>
         <p:blipFill>
           <a:blip r:embed="rId3">
-            <a:alphaModFix/>
+            <a:extLst>
+              <a:ext uri="{28A0092B-C50C-407E-A947-70E740481C1C}">
+                <a14:useLocalDpi xmlns:a14="http://schemas.microsoft.com/office/drawing/2010/main" val="0"/>
+              </a:ext>
+            </a:extLst>
           </a:blip>
+          <a:srcRect/>
           <a:stretch>
             <a:fillRect/>
           </a:stretch>
         </p:blipFill>
-        <p:spPr>
+        <p:spPr bwMode="auto">
           <a:xfrm>
-            <a:off x="311700" y="1225225"/>
-            <a:ext cx="3475875" cy="3353999"/>
+            <a:off x="311700" y="1217841"/>
+            <a:ext cx="2472596" cy="3361384"/>
           </a:xfrm>
           <a:prstGeom prst="rect">
             <a:avLst/>
           </a:prstGeom>
           <a:noFill/>
-          <a:ln>
-            <a:noFill/>
-          </a:ln>
+          <a:extLst>
+            <a:ext uri="{909E8E84-426E-40DD-AFC4-6F175D3DCCD1}">
+              <a14:hiddenFill xmlns:a14="http://schemas.microsoft.com/office/drawing/2010/main">
+                <a:solidFill>
+                  <a:srgbClr val="FFFFFF"/>
+                </a:solidFill>
+              </a14:hiddenFill>
+            </a:ext>
+          </a:extLst>
         </p:spPr>
       </p:pic>
       <p:pic>
         <p:nvPicPr>
-          <p:cNvPr id="89" name="Shape 89"/>
-          <p:cNvPicPr preferRelativeResize="0"/>
+          <p:cNvPr id="1028" name="Picture 4" descr="Resultado de imagem para world cup data visualization"/>
+          <p:cNvPicPr>
+            <a:picLocks noChangeAspect="1" noChangeArrowheads="1"/>
+          </p:cNvPicPr>
           <p:nvPr/>
         </p:nvPicPr>
         <p:blipFill>
           <a:blip r:embed="rId4">
-            <a:alphaModFix/>
+            <a:extLst>
+              <a:ext uri="{28A0092B-C50C-407E-A947-70E740481C1C}">
+                <a14:useLocalDpi xmlns:a14="http://schemas.microsoft.com/office/drawing/2010/main" val="0"/>
+              </a:ext>
+            </a:extLst>
           </a:blip>
+          <a:srcRect/>
           <a:stretch>
             <a:fillRect/>
           </a:stretch>
         </p:blipFill>
-        <p:spPr>
+        <p:spPr bwMode="auto">
           <a:xfrm>
-            <a:off x="4297175" y="1225225"/>
-            <a:ext cx="4535124" cy="3354001"/>
+            <a:off x="5459051" y="1147225"/>
+            <a:ext cx="2729451" cy="3432000"/>
           </a:xfrm>
           <a:prstGeom prst="rect">
             <a:avLst/>
           </a:prstGeom>
           <a:noFill/>
-          <a:ln>
-            <a:noFill/>
-          </a:ln>
+          <a:extLst>
+            <a:ext uri="{909E8E84-426E-40DD-AFC4-6F175D3DCCD1}">
+              <a14:hiddenFill xmlns:a14="http://schemas.microsoft.com/office/drawing/2010/main">
+                <a:solidFill>
+                  <a:srgbClr val="FFFFFF"/>
+                </a:solidFill>
+              </a14:hiddenFill>
+            </a:ext>
+          </a:extLst>
         </p:spPr>
       </p:pic>
     </p:spTree>
@@ -7545,245 +7525,8 @@
 </p:sld>
 </file>
 
-<file path=ppt/slides/slide6.xml><?xml version="1.0" encoding="utf-8"?>
-<p:sld xmlns:a="http://schemas.openxmlformats.org/drawingml/2006/main" xmlns:r="http://schemas.openxmlformats.org/officeDocument/2006/relationships" xmlns:mc="http://schemas.openxmlformats.org/markup-compatibility/2006" xmlns:mv="urn:schemas-microsoft-com:mac:vml" xmlns:p="http://schemas.openxmlformats.org/presentationml/2006/main" xmlns:c="http://schemas.openxmlformats.org/drawingml/2006/chart" xmlns:dgm="http://schemas.openxmlformats.org/drawingml/2006/diagram" xmlns:o="urn:schemas-microsoft-com:office:office" xmlns:v="urn:schemas-microsoft-com:vml" xmlns:pvml="urn:schemas-microsoft-com:office:powerpoint" xmlns:com="http://schemas.openxmlformats.org/drawingml/2006/compatibility" xmlns:p14="http://schemas.microsoft.com/office/powerpoint/2010/main" xmlns:p15="http://schemas.microsoft.com/office/powerpoint/2012/main">
-  <p:cSld>
-    <p:spTree>
-      <p:nvGrpSpPr>
-        <p:cNvPr id="93" name="Shape 93"/>
-        <p:cNvGrpSpPr/>
-        <p:nvPr/>
-      </p:nvGrpSpPr>
-      <p:grpSpPr>
-        <a:xfrm>
-          <a:off x="0" y="0"/>
-          <a:ext cx="0" cy="0"/>
-          <a:chOff x="0" y="0"/>
-          <a:chExt cx="0" cy="0"/>
-        </a:xfrm>
-      </p:grpSpPr>
-      <p:sp>
-        <p:nvSpPr>
-          <p:cNvPr id="94" name="Shape 94"/>
-          <p:cNvSpPr txBox="1"/>
-          <p:nvPr>
-            <p:ph type="title"/>
-          </p:nvPr>
-        </p:nvSpPr>
-        <p:spPr>
-          <a:xfrm>
-            <a:off x="311700" y="315925"/>
-            <a:ext cx="8520600" cy="831300"/>
-          </a:xfrm>
-          <a:prstGeom prst="rect">
-            <a:avLst/>
-          </a:prstGeom>
-        </p:spPr>
-        <p:txBody>
-          <a:bodyPr anchorCtr="0" anchor="b" bIns="91425" lIns="91425" spcFirstLastPara="1" rIns="91425" wrap="square" tIns="91425">
-            <a:noAutofit/>
-          </a:bodyPr>
-          <a:lstStyle/>
-          <a:p>
-            <a:pPr indent="0" lvl="0" marL="0" rtl="0">
-              <a:spcBef>
-                <a:spcPts val="0"/>
-              </a:spcBef>
-              <a:spcAft>
-                <a:spcPts val="0"/>
-              </a:spcAft>
-              <a:buNone/>
-            </a:pPr>
-            <a:r>
-              <a:rPr lang="pt-BR"/>
-              <a:t>Algumas Inspirações</a:t>
-            </a:r>
-            <a:endParaRPr/>
-          </a:p>
-        </p:txBody>
-      </p:sp>
-      <p:sp>
-        <p:nvSpPr>
-          <p:cNvPr id="95" name="Shape 95"/>
-          <p:cNvSpPr txBox="1"/>
-          <p:nvPr>
-            <p:ph idx="1" type="body"/>
-          </p:nvPr>
-        </p:nvSpPr>
-        <p:spPr>
-          <a:xfrm>
-            <a:off x="311700" y="1225225"/>
-            <a:ext cx="8520600" cy="3354000"/>
-          </a:xfrm>
-          <a:prstGeom prst="rect">
-            <a:avLst/>
-          </a:prstGeom>
-        </p:spPr>
-        <p:txBody>
-          <a:bodyPr anchorCtr="0" anchor="t" bIns="91425" lIns="91425" spcFirstLastPara="1" rIns="91425" wrap="square" tIns="91425">
-            <a:noAutofit/>
-          </a:bodyPr>
-          <a:lstStyle/>
-          <a:p>
-            <a:pPr indent="0" lvl="0" marL="0" rtl="0">
-              <a:spcBef>
-                <a:spcPts val="0"/>
-              </a:spcBef>
-              <a:spcAft>
-                <a:spcPts val="1600"/>
-              </a:spcAft>
-              <a:buNone/>
-            </a:pPr>
-            <a:r>
-              <a:t/>
-            </a:r>
-            <a:endParaRPr/>
-          </a:p>
-        </p:txBody>
-      </p:sp>
-      <p:pic>
-        <p:nvPicPr>
-          <p:cNvPr id="96" name="Shape 96"/>
-          <p:cNvPicPr preferRelativeResize="0"/>
-          <p:nvPr/>
-        </p:nvPicPr>
-        <p:blipFill>
-          <a:blip r:embed="rId3">
-            <a:alphaModFix/>
-          </a:blip>
-          <a:stretch>
-            <a:fillRect/>
-          </a:stretch>
-        </p:blipFill>
-        <p:spPr>
-          <a:xfrm>
-            <a:off x="2750525" y="1225225"/>
-            <a:ext cx="3423474" cy="3353999"/>
-          </a:xfrm>
-          <a:prstGeom prst="rect">
-            <a:avLst/>
-          </a:prstGeom>
-          <a:noFill/>
-          <a:ln>
-            <a:noFill/>
-          </a:ln>
-        </p:spPr>
-      </p:pic>
-    </p:spTree>
-  </p:cSld>
-  <p:clrMapOvr>
-    <a:masterClrMapping/>
-  </p:clrMapOvr>
-</p:sld>
-</file>
-
-<file path=ppt/slides/slide7.xml><?xml version="1.0" encoding="utf-8"?>
-<p:sld xmlns:a="http://schemas.openxmlformats.org/drawingml/2006/main" xmlns:r="http://schemas.openxmlformats.org/officeDocument/2006/relationships" xmlns:mc="http://schemas.openxmlformats.org/markup-compatibility/2006" xmlns:mv="urn:schemas-microsoft-com:mac:vml" xmlns:p="http://schemas.openxmlformats.org/presentationml/2006/main" xmlns:c="http://schemas.openxmlformats.org/drawingml/2006/chart" xmlns:dgm="http://schemas.openxmlformats.org/drawingml/2006/diagram" xmlns:o="urn:schemas-microsoft-com:office:office" xmlns:v="urn:schemas-microsoft-com:vml" xmlns:pvml="urn:schemas-microsoft-com:office:powerpoint" xmlns:com="http://schemas.openxmlformats.org/drawingml/2006/compatibility" xmlns:p14="http://schemas.microsoft.com/office/powerpoint/2010/main" xmlns:p15="http://schemas.microsoft.com/office/powerpoint/2012/main">
-  <p:cSld>
-    <p:spTree>
-      <p:nvGrpSpPr>
-        <p:cNvPr id="100" name="Shape 100"/>
-        <p:cNvGrpSpPr/>
-        <p:nvPr/>
-      </p:nvGrpSpPr>
-      <p:grpSpPr>
-        <a:xfrm>
-          <a:off x="0" y="0"/>
-          <a:ext cx="0" cy="0"/>
-          <a:chOff x="0" y="0"/>
-          <a:chExt cx="0" cy="0"/>
-        </a:xfrm>
-      </p:grpSpPr>
-      <p:sp>
-        <p:nvSpPr>
-          <p:cNvPr id="101" name="Shape 101"/>
-          <p:cNvSpPr txBox="1"/>
-          <p:nvPr>
-            <p:ph type="title"/>
-          </p:nvPr>
-        </p:nvSpPr>
-        <p:spPr>
-          <a:xfrm>
-            <a:off x="311700" y="315925"/>
-            <a:ext cx="8520600" cy="831300"/>
-          </a:xfrm>
-          <a:prstGeom prst="rect">
-            <a:avLst/>
-          </a:prstGeom>
-        </p:spPr>
-        <p:txBody>
-          <a:bodyPr anchorCtr="0" anchor="b" bIns="91425" lIns="91425" spcFirstLastPara="1" rIns="91425" wrap="square" tIns="91425">
-            <a:noAutofit/>
-          </a:bodyPr>
-          <a:lstStyle/>
-          <a:p>
-            <a:pPr indent="0" lvl="0" marL="0">
-              <a:spcBef>
-                <a:spcPts val="0"/>
-              </a:spcBef>
-              <a:spcAft>
-                <a:spcPts val="0"/>
-              </a:spcAft>
-              <a:buNone/>
-            </a:pPr>
-            <a:r>
-              <a:rPr lang="pt-BR"/>
-              <a:t>Extras</a:t>
-            </a:r>
-            <a:endParaRPr/>
-          </a:p>
-        </p:txBody>
-      </p:sp>
-      <p:sp>
-        <p:nvSpPr>
-          <p:cNvPr id="102" name="Shape 102"/>
-          <p:cNvSpPr txBox="1"/>
-          <p:nvPr>
-            <p:ph idx="1" type="body"/>
-          </p:nvPr>
-        </p:nvSpPr>
-        <p:spPr>
-          <a:xfrm>
-            <a:off x="311700" y="1225225"/>
-            <a:ext cx="8520600" cy="3354000"/>
-          </a:xfrm>
-          <a:prstGeom prst="rect">
-            <a:avLst/>
-          </a:prstGeom>
-        </p:spPr>
-        <p:txBody>
-          <a:bodyPr anchorCtr="0" anchor="t" bIns="91425" lIns="91425" spcFirstLastPara="1" rIns="91425" wrap="square" tIns="91425">
-            <a:noAutofit/>
-          </a:bodyPr>
-          <a:lstStyle/>
-          <a:p>
-            <a:pPr indent="0" lvl="0" marL="0">
-              <a:spcBef>
-                <a:spcPts val="0"/>
-              </a:spcBef>
-              <a:spcAft>
-                <a:spcPts val="1600"/>
-              </a:spcAft>
-              <a:buNone/>
-            </a:pPr>
-            <a:r>
-              <a:rPr lang="pt-BR"/>
-              <a:t>https://visualizingimpact.org/eu/visuals/politicians-salaries</a:t>
-            </a:r>
-            <a:endParaRPr/>
-          </a:p>
-        </p:txBody>
-      </p:sp>
-    </p:spTree>
-  </p:cSld>
-  <p:clrMapOvr>
-    <a:masterClrMapping/>
-  </p:clrMapOvr>
-</p:sld>
-</file>
-
 <file path=ppt/theme/theme1.xml><?xml version="1.0" encoding="utf-8"?>
-<a:theme xmlns:a="http://schemas.openxmlformats.org/drawingml/2006/main" xmlns:r="http://schemas.openxmlformats.org/officeDocument/2006/relationships" name="Luxe">
+<a:theme xmlns:a="http://schemas.openxmlformats.org/drawingml/2006/main" name="Luxe">
   <a:themeElements>
     <a:clrScheme name="Luxe">
       <a:dk1>
@@ -8058,11 +7801,13 @@
       </a:bgFillStyleLst>
     </a:fmtScheme>
   </a:themeElements>
+  <a:objectDefaults/>
+  <a:extraClrSchemeLst/>
 </a:theme>
 </file>
 
 <file path=ppt/theme/theme2.xml><?xml version="1.0" encoding="utf-8"?>
-<a:theme xmlns:a="http://schemas.openxmlformats.org/drawingml/2006/main" xmlns:r="http://schemas.openxmlformats.org/officeDocument/2006/relationships">
+<a:theme xmlns:a="http://schemas.openxmlformats.org/drawingml/2006/main">
   <a:themeElements>
     <a:clrScheme name="Default">
       <a:dk1>
@@ -8337,5 +8082,7 @@
       </a:bgFillStyleLst>
     </a:fmtScheme>
   </a:themeElements>
+  <a:objectDefaults/>
+  <a:extraClrSchemeLst/>
 </a:theme>
 </file>